--- a/IET_PATLN_Finalround_Presentation.pptx
+++ b/IET_PATLN_Finalround_Presentation.pptx
@@ -5,22 +5,19 @@
     <p:sldMasterId id="2147483648" r:id="rId1"/>
   </p:sldMasterIdLst>
   <p:notesMasterIdLst>
-    <p:notesMasterId r:id="rId15"/>
+    <p:notesMasterId r:id="rId12"/>
   </p:notesMasterIdLst>
   <p:sldIdLst>
     <p:sldId id="348" r:id="rId2"/>
     <p:sldId id="341" r:id="rId3"/>
-    <p:sldId id="344" r:id="rId4"/>
-    <p:sldId id="353" r:id="rId5"/>
-    <p:sldId id="345" r:id="rId6"/>
-    <p:sldId id="352" r:id="rId7"/>
-    <p:sldId id="351" r:id="rId8"/>
-    <p:sldId id="354" r:id="rId9"/>
-    <p:sldId id="350" r:id="rId10"/>
-    <p:sldId id="346" r:id="rId11"/>
-    <p:sldId id="342" r:id="rId12"/>
-    <p:sldId id="347" r:id="rId13"/>
-    <p:sldId id="343" r:id="rId14"/>
+    <p:sldId id="353" r:id="rId4"/>
+    <p:sldId id="352" r:id="rId5"/>
+    <p:sldId id="354" r:id="rId6"/>
+    <p:sldId id="350" r:id="rId7"/>
+    <p:sldId id="346" r:id="rId8"/>
+    <p:sldId id="342" r:id="rId9"/>
+    <p:sldId id="347" r:id="rId10"/>
+    <p:sldId id="343" r:id="rId11"/>
   </p:sldIdLst>
   <p:sldSz cx="12192000" cy="6858000"/>
   <p:notesSz cx="6858000" cy="9144000"/>
@@ -585,7 +582,547 @@
 </p:notes>
 </file>
 
-<file path=ppt/notesSlides/notesSlide10.xml><?xml version="1.0" encoding="utf-8"?>
+<file path=ppt/notesSlides/notesSlide2.xml><?xml version="1.0" encoding="utf-8"?>
+<p:notes xmlns:a="http://schemas.openxmlformats.org/drawingml/2006/main" xmlns:r="http://schemas.openxmlformats.org/officeDocument/2006/relationships" xmlns:p="http://schemas.openxmlformats.org/presentationml/2006/main">
+  <p:cSld>
+    <p:spTree>
+      <p:nvGrpSpPr>
+        <p:cNvPr id="1" name="">
+          <a:extLst>
+            <a:ext uri="{FF2B5EF4-FFF2-40B4-BE49-F238E27FC236}">
+              <a16:creationId xmlns:a16="http://schemas.microsoft.com/office/drawing/2014/main" id="{4FE34DD7-CC97-8547-301A-1AAD49921C1E}"/>
+            </a:ext>
+          </a:extLst>
+        </p:cNvPr>
+        <p:cNvGrpSpPr/>
+        <p:nvPr/>
+      </p:nvGrpSpPr>
+      <p:grpSpPr>
+        <a:xfrm>
+          <a:off x="0" y="0"/>
+          <a:ext cx="0" cy="0"/>
+          <a:chOff x="0" y="0"/>
+          <a:chExt cx="0" cy="0"/>
+        </a:xfrm>
+      </p:grpSpPr>
+      <p:sp>
+        <p:nvSpPr>
+          <p:cNvPr id="2" name="Slide Image Placeholder 1">
+            <a:extLst>
+              <a:ext uri="{FF2B5EF4-FFF2-40B4-BE49-F238E27FC236}">
+                <a16:creationId xmlns:a16="http://schemas.microsoft.com/office/drawing/2014/main" id="{9190F4AE-CC23-0AF6-BE7F-D54D8D5F5B8F}"/>
+              </a:ext>
+            </a:extLst>
+          </p:cNvPr>
+          <p:cNvSpPr>
+            <a:spLocks noGrp="1" noRot="1" noChangeAspect="1"/>
+          </p:cNvSpPr>
+          <p:nvPr>
+            <p:ph type="sldImg"/>
+          </p:nvPr>
+        </p:nvSpPr>
+        <p:spPr/>
+      </p:sp>
+      <p:sp>
+        <p:nvSpPr>
+          <p:cNvPr id="3" name="Notes Placeholder 2">
+            <a:extLst>
+              <a:ext uri="{FF2B5EF4-FFF2-40B4-BE49-F238E27FC236}">
+                <a16:creationId xmlns:a16="http://schemas.microsoft.com/office/drawing/2014/main" id="{DD308331-915A-4F11-5161-F08CA4CC7A06}"/>
+              </a:ext>
+            </a:extLst>
+          </p:cNvPr>
+          <p:cNvSpPr>
+            <a:spLocks noGrp="1"/>
+          </p:cNvSpPr>
+          <p:nvPr>
+            <p:ph type="body" idx="1"/>
+          </p:nvPr>
+        </p:nvSpPr>
+        <p:spPr/>
+        <p:txBody>
+          <a:bodyPr/>
+          <a:lstStyle/>
+          <a:p>
+            <a:endParaRPr lang="en-IN" dirty="0"/>
+          </a:p>
+        </p:txBody>
+      </p:sp>
+      <p:sp>
+        <p:nvSpPr>
+          <p:cNvPr id="4" name="Slide Number Placeholder 3">
+            <a:extLst>
+              <a:ext uri="{FF2B5EF4-FFF2-40B4-BE49-F238E27FC236}">
+                <a16:creationId xmlns:a16="http://schemas.microsoft.com/office/drawing/2014/main" id="{5081F8B2-EB28-B571-B296-DD1F37DE8B0D}"/>
+              </a:ext>
+            </a:extLst>
+          </p:cNvPr>
+          <p:cNvSpPr>
+            <a:spLocks noGrp="1"/>
+          </p:cNvSpPr>
+          <p:nvPr>
+            <p:ph type="sldNum" sz="quarter" idx="5"/>
+          </p:nvPr>
+        </p:nvSpPr>
+        <p:spPr/>
+        <p:txBody>
+          <a:bodyPr/>
+          <a:lstStyle/>
+          <a:p>
+            <a:fld id="{3A9B21EC-5791-4CA9-8F46-6932351C0865}" type="slidenum">
+              <a:rPr lang="en-IN" smtClean="0"/>
+              <a:t>3</a:t>
+            </a:fld>
+            <a:endParaRPr lang="en-IN"/>
+          </a:p>
+        </p:txBody>
+      </p:sp>
+    </p:spTree>
+    <p:extLst>
+      <p:ext uri="{BB962C8B-B14F-4D97-AF65-F5344CB8AC3E}">
+        <p14:creationId xmlns:p14="http://schemas.microsoft.com/office/powerpoint/2010/main" val="4243067931"/>
+      </p:ext>
+    </p:extLst>
+  </p:cSld>
+  <p:clrMapOvr>
+    <a:masterClrMapping/>
+  </p:clrMapOvr>
+</p:notes>
+</file>
+
+<file path=ppt/notesSlides/notesSlide3.xml><?xml version="1.0" encoding="utf-8"?>
+<p:notes xmlns:a="http://schemas.openxmlformats.org/drawingml/2006/main" xmlns:r="http://schemas.openxmlformats.org/officeDocument/2006/relationships" xmlns:p="http://schemas.openxmlformats.org/presentationml/2006/main">
+  <p:cSld>
+    <p:spTree>
+      <p:nvGrpSpPr>
+        <p:cNvPr id="1" name="">
+          <a:extLst>
+            <a:ext uri="{FF2B5EF4-FFF2-40B4-BE49-F238E27FC236}">
+              <a16:creationId xmlns:a16="http://schemas.microsoft.com/office/drawing/2014/main" id="{1D4F9D32-3E14-4D43-2E20-8611D96C41D6}"/>
+            </a:ext>
+          </a:extLst>
+        </p:cNvPr>
+        <p:cNvGrpSpPr/>
+        <p:nvPr/>
+      </p:nvGrpSpPr>
+      <p:grpSpPr>
+        <a:xfrm>
+          <a:off x="0" y="0"/>
+          <a:ext cx="0" cy="0"/>
+          <a:chOff x="0" y="0"/>
+          <a:chExt cx="0" cy="0"/>
+        </a:xfrm>
+      </p:grpSpPr>
+      <p:sp>
+        <p:nvSpPr>
+          <p:cNvPr id="2" name="Slide Image Placeholder 1">
+            <a:extLst>
+              <a:ext uri="{FF2B5EF4-FFF2-40B4-BE49-F238E27FC236}">
+                <a16:creationId xmlns:a16="http://schemas.microsoft.com/office/drawing/2014/main" id="{E1B59DEE-F552-2D9D-EB8D-189060C8FD69}"/>
+              </a:ext>
+            </a:extLst>
+          </p:cNvPr>
+          <p:cNvSpPr>
+            <a:spLocks noGrp="1" noRot="1" noChangeAspect="1"/>
+          </p:cNvSpPr>
+          <p:nvPr>
+            <p:ph type="sldImg"/>
+          </p:nvPr>
+        </p:nvSpPr>
+        <p:spPr/>
+      </p:sp>
+      <p:sp>
+        <p:nvSpPr>
+          <p:cNvPr id="3" name="Notes Placeholder 2">
+            <a:extLst>
+              <a:ext uri="{FF2B5EF4-FFF2-40B4-BE49-F238E27FC236}">
+                <a16:creationId xmlns:a16="http://schemas.microsoft.com/office/drawing/2014/main" id="{C53C1D6F-A711-7459-F0A0-11C46A816839}"/>
+              </a:ext>
+            </a:extLst>
+          </p:cNvPr>
+          <p:cNvSpPr>
+            <a:spLocks noGrp="1"/>
+          </p:cNvSpPr>
+          <p:nvPr>
+            <p:ph type="body" idx="1"/>
+          </p:nvPr>
+        </p:nvSpPr>
+        <p:spPr/>
+        <p:txBody>
+          <a:bodyPr/>
+          <a:lstStyle/>
+          <a:p>
+            <a:endParaRPr lang="en-IN" dirty="0"/>
+          </a:p>
+        </p:txBody>
+      </p:sp>
+      <p:sp>
+        <p:nvSpPr>
+          <p:cNvPr id="4" name="Slide Number Placeholder 3">
+            <a:extLst>
+              <a:ext uri="{FF2B5EF4-FFF2-40B4-BE49-F238E27FC236}">
+                <a16:creationId xmlns:a16="http://schemas.microsoft.com/office/drawing/2014/main" id="{02827564-788B-3542-1D1A-7D8963343C4E}"/>
+              </a:ext>
+            </a:extLst>
+          </p:cNvPr>
+          <p:cNvSpPr>
+            <a:spLocks noGrp="1"/>
+          </p:cNvSpPr>
+          <p:nvPr>
+            <p:ph type="sldNum" sz="quarter" idx="5"/>
+          </p:nvPr>
+        </p:nvSpPr>
+        <p:spPr/>
+        <p:txBody>
+          <a:bodyPr/>
+          <a:lstStyle/>
+          <a:p>
+            <a:fld id="{3A9B21EC-5791-4CA9-8F46-6932351C0865}" type="slidenum">
+              <a:rPr lang="en-IN" smtClean="0"/>
+              <a:t>4</a:t>
+            </a:fld>
+            <a:endParaRPr lang="en-IN"/>
+          </a:p>
+        </p:txBody>
+      </p:sp>
+    </p:spTree>
+    <p:extLst>
+      <p:ext uri="{BB962C8B-B14F-4D97-AF65-F5344CB8AC3E}">
+        <p14:creationId xmlns:p14="http://schemas.microsoft.com/office/powerpoint/2010/main" val="3528269606"/>
+      </p:ext>
+    </p:extLst>
+  </p:cSld>
+  <p:clrMapOvr>
+    <a:masterClrMapping/>
+  </p:clrMapOvr>
+</p:notes>
+</file>
+
+<file path=ppt/notesSlides/notesSlide4.xml><?xml version="1.0" encoding="utf-8"?>
+<p:notes xmlns:a="http://schemas.openxmlformats.org/drawingml/2006/main" xmlns:r="http://schemas.openxmlformats.org/officeDocument/2006/relationships" xmlns:p="http://schemas.openxmlformats.org/presentationml/2006/main">
+  <p:cSld>
+    <p:spTree>
+      <p:nvGrpSpPr>
+        <p:cNvPr id="1" name="">
+          <a:extLst>
+            <a:ext uri="{FF2B5EF4-FFF2-40B4-BE49-F238E27FC236}">
+              <a16:creationId xmlns:a16="http://schemas.microsoft.com/office/drawing/2014/main" id="{E366A004-361A-44BA-43D1-22EDD8835030}"/>
+            </a:ext>
+          </a:extLst>
+        </p:cNvPr>
+        <p:cNvGrpSpPr/>
+        <p:nvPr/>
+      </p:nvGrpSpPr>
+      <p:grpSpPr>
+        <a:xfrm>
+          <a:off x="0" y="0"/>
+          <a:ext cx="0" cy="0"/>
+          <a:chOff x="0" y="0"/>
+          <a:chExt cx="0" cy="0"/>
+        </a:xfrm>
+      </p:grpSpPr>
+      <p:sp>
+        <p:nvSpPr>
+          <p:cNvPr id="2" name="Slide Image Placeholder 1">
+            <a:extLst>
+              <a:ext uri="{FF2B5EF4-FFF2-40B4-BE49-F238E27FC236}">
+                <a16:creationId xmlns:a16="http://schemas.microsoft.com/office/drawing/2014/main" id="{CFA891D3-70EA-A535-38FF-F6A55EA1E1C6}"/>
+              </a:ext>
+            </a:extLst>
+          </p:cNvPr>
+          <p:cNvSpPr>
+            <a:spLocks noGrp="1" noRot="1" noChangeAspect="1"/>
+          </p:cNvSpPr>
+          <p:nvPr>
+            <p:ph type="sldImg"/>
+          </p:nvPr>
+        </p:nvSpPr>
+        <p:spPr/>
+      </p:sp>
+      <p:sp>
+        <p:nvSpPr>
+          <p:cNvPr id="3" name="Notes Placeholder 2">
+            <a:extLst>
+              <a:ext uri="{FF2B5EF4-FFF2-40B4-BE49-F238E27FC236}">
+                <a16:creationId xmlns:a16="http://schemas.microsoft.com/office/drawing/2014/main" id="{2F1CD388-5FEE-26F4-C277-DBB4FCB4CA49}"/>
+              </a:ext>
+            </a:extLst>
+          </p:cNvPr>
+          <p:cNvSpPr>
+            <a:spLocks noGrp="1"/>
+          </p:cNvSpPr>
+          <p:nvPr>
+            <p:ph type="body" idx="1"/>
+          </p:nvPr>
+        </p:nvSpPr>
+        <p:spPr/>
+        <p:txBody>
+          <a:bodyPr/>
+          <a:lstStyle/>
+          <a:p>
+            <a:endParaRPr lang="en-IN" dirty="0"/>
+          </a:p>
+        </p:txBody>
+      </p:sp>
+      <p:sp>
+        <p:nvSpPr>
+          <p:cNvPr id="4" name="Slide Number Placeholder 3">
+            <a:extLst>
+              <a:ext uri="{FF2B5EF4-FFF2-40B4-BE49-F238E27FC236}">
+                <a16:creationId xmlns:a16="http://schemas.microsoft.com/office/drawing/2014/main" id="{2E76E27B-854F-4DDE-6FD4-9607C6C55282}"/>
+              </a:ext>
+            </a:extLst>
+          </p:cNvPr>
+          <p:cNvSpPr>
+            <a:spLocks noGrp="1"/>
+          </p:cNvSpPr>
+          <p:nvPr>
+            <p:ph type="sldNum" sz="quarter" idx="5"/>
+          </p:nvPr>
+        </p:nvSpPr>
+        <p:spPr/>
+        <p:txBody>
+          <a:bodyPr/>
+          <a:lstStyle/>
+          <a:p>
+            <a:fld id="{3A9B21EC-5791-4CA9-8F46-6932351C0865}" type="slidenum">
+              <a:rPr lang="en-IN" smtClean="0"/>
+              <a:t>5</a:t>
+            </a:fld>
+            <a:endParaRPr lang="en-IN"/>
+          </a:p>
+        </p:txBody>
+      </p:sp>
+    </p:spTree>
+    <p:extLst>
+      <p:ext uri="{BB962C8B-B14F-4D97-AF65-F5344CB8AC3E}">
+        <p14:creationId xmlns:p14="http://schemas.microsoft.com/office/powerpoint/2010/main" val="1990332201"/>
+      </p:ext>
+    </p:extLst>
+  </p:cSld>
+  <p:clrMapOvr>
+    <a:masterClrMapping/>
+  </p:clrMapOvr>
+</p:notes>
+</file>
+
+<file path=ppt/notesSlides/notesSlide5.xml><?xml version="1.0" encoding="utf-8"?>
+<p:notes xmlns:a="http://schemas.openxmlformats.org/drawingml/2006/main" xmlns:r="http://schemas.openxmlformats.org/officeDocument/2006/relationships" xmlns:p="http://schemas.openxmlformats.org/presentationml/2006/main">
+  <p:cSld>
+    <p:spTree>
+      <p:nvGrpSpPr>
+        <p:cNvPr id="1" name="">
+          <a:extLst>
+            <a:ext uri="{FF2B5EF4-FFF2-40B4-BE49-F238E27FC236}">
+              <a16:creationId xmlns:a16="http://schemas.microsoft.com/office/drawing/2014/main" id="{C93DD3ED-6BBE-F825-6A4B-9AC682ABEE05}"/>
+            </a:ext>
+          </a:extLst>
+        </p:cNvPr>
+        <p:cNvGrpSpPr/>
+        <p:nvPr/>
+      </p:nvGrpSpPr>
+      <p:grpSpPr>
+        <a:xfrm>
+          <a:off x="0" y="0"/>
+          <a:ext cx="0" cy="0"/>
+          <a:chOff x="0" y="0"/>
+          <a:chExt cx="0" cy="0"/>
+        </a:xfrm>
+      </p:grpSpPr>
+      <p:sp>
+        <p:nvSpPr>
+          <p:cNvPr id="2" name="Slide Image Placeholder 1">
+            <a:extLst>
+              <a:ext uri="{FF2B5EF4-FFF2-40B4-BE49-F238E27FC236}">
+                <a16:creationId xmlns:a16="http://schemas.microsoft.com/office/drawing/2014/main" id="{153364CA-ECB2-8E6D-2E14-5F46490674A5}"/>
+              </a:ext>
+            </a:extLst>
+          </p:cNvPr>
+          <p:cNvSpPr>
+            <a:spLocks noGrp="1" noRot="1" noChangeAspect="1"/>
+          </p:cNvSpPr>
+          <p:nvPr>
+            <p:ph type="sldImg"/>
+          </p:nvPr>
+        </p:nvSpPr>
+        <p:spPr/>
+      </p:sp>
+      <p:sp>
+        <p:nvSpPr>
+          <p:cNvPr id="3" name="Notes Placeholder 2">
+            <a:extLst>
+              <a:ext uri="{FF2B5EF4-FFF2-40B4-BE49-F238E27FC236}">
+                <a16:creationId xmlns:a16="http://schemas.microsoft.com/office/drawing/2014/main" id="{719B9143-DD35-BDA7-D6C7-B114471AD47F}"/>
+              </a:ext>
+            </a:extLst>
+          </p:cNvPr>
+          <p:cNvSpPr>
+            <a:spLocks noGrp="1"/>
+          </p:cNvSpPr>
+          <p:nvPr>
+            <p:ph type="body" idx="1"/>
+          </p:nvPr>
+        </p:nvSpPr>
+        <p:spPr/>
+        <p:txBody>
+          <a:bodyPr/>
+          <a:lstStyle/>
+          <a:p>
+            <a:endParaRPr lang="en-IN" dirty="0"/>
+          </a:p>
+        </p:txBody>
+      </p:sp>
+      <p:sp>
+        <p:nvSpPr>
+          <p:cNvPr id="4" name="Slide Number Placeholder 3">
+            <a:extLst>
+              <a:ext uri="{FF2B5EF4-FFF2-40B4-BE49-F238E27FC236}">
+                <a16:creationId xmlns:a16="http://schemas.microsoft.com/office/drawing/2014/main" id="{2120C245-A3F5-315D-2CF3-9C0F130BDBFC}"/>
+              </a:ext>
+            </a:extLst>
+          </p:cNvPr>
+          <p:cNvSpPr>
+            <a:spLocks noGrp="1"/>
+          </p:cNvSpPr>
+          <p:nvPr>
+            <p:ph type="sldNum" sz="quarter" idx="5"/>
+          </p:nvPr>
+        </p:nvSpPr>
+        <p:spPr/>
+        <p:txBody>
+          <a:bodyPr/>
+          <a:lstStyle/>
+          <a:p>
+            <a:fld id="{3A9B21EC-5791-4CA9-8F46-6932351C0865}" type="slidenum">
+              <a:rPr lang="en-IN" smtClean="0"/>
+              <a:t>6</a:t>
+            </a:fld>
+            <a:endParaRPr lang="en-IN"/>
+          </a:p>
+        </p:txBody>
+      </p:sp>
+    </p:spTree>
+    <p:extLst>
+      <p:ext uri="{BB962C8B-B14F-4D97-AF65-F5344CB8AC3E}">
+        <p14:creationId xmlns:p14="http://schemas.microsoft.com/office/powerpoint/2010/main" val="384960712"/>
+      </p:ext>
+    </p:extLst>
+  </p:cSld>
+  <p:clrMapOvr>
+    <a:masterClrMapping/>
+  </p:clrMapOvr>
+</p:notes>
+</file>
+
+<file path=ppt/notesSlides/notesSlide6.xml><?xml version="1.0" encoding="utf-8"?>
+<p:notes xmlns:a="http://schemas.openxmlformats.org/drawingml/2006/main" xmlns:r="http://schemas.openxmlformats.org/officeDocument/2006/relationships" xmlns:p="http://schemas.openxmlformats.org/presentationml/2006/main">
+  <p:cSld>
+    <p:spTree>
+      <p:nvGrpSpPr>
+        <p:cNvPr id="1" name="">
+          <a:extLst>
+            <a:ext uri="{FF2B5EF4-FFF2-40B4-BE49-F238E27FC236}">
+              <a16:creationId xmlns:a16="http://schemas.microsoft.com/office/drawing/2014/main" id="{F35E1453-9249-8BBE-1A61-679B889666DA}"/>
+            </a:ext>
+          </a:extLst>
+        </p:cNvPr>
+        <p:cNvGrpSpPr/>
+        <p:nvPr/>
+      </p:nvGrpSpPr>
+      <p:grpSpPr>
+        <a:xfrm>
+          <a:off x="0" y="0"/>
+          <a:ext cx="0" cy="0"/>
+          <a:chOff x="0" y="0"/>
+          <a:chExt cx="0" cy="0"/>
+        </a:xfrm>
+      </p:grpSpPr>
+      <p:sp>
+        <p:nvSpPr>
+          <p:cNvPr id="2" name="Slide Image Placeholder 1">
+            <a:extLst>
+              <a:ext uri="{FF2B5EF4-FFF2-40B4-BE49-F238E27FC236}">
+                <a16:creationId xmlns:a16="http://schemas.microsoft.com/office/drawing/2014/main" id="{1B5829CB-84C8-CC2B-A369-AF86FD7856EE}"/>
+              </a:ext>
+            </a:extLst>
+          </p:cNvPr>
+          <p:cNvSpPr>
+            <a:spLocks noGrp="1" noRot="1" noChangeAspect="1"/>
+          </p:cNvSpPr>
+          <p:nvPr>
+            <p:ph type="sldImg"/>
+          </p:nvPr>
+        </p:nvSpPr>
+        <p:spPr/>
+      </p:sp>
+      <p:sp>
+        <p:nvSpPr>
+          <p:cNvPr id="3" name="Notes Placeholder 2">
+            <a:extLst>
+              <a:ext uri="{FF2B5EF4-FFF2-40B4-BE49-F238E27FC236}">
+                <a16:creationId xmlns:a16="http://schemas.microsoft.com/office/drawing/2014/main" id="{1ED2ADFF-7807-01E1-59AB-3D4424C832D9}"/>
+              </a:ext>
+            </a:extLst>
+          </p:cNvPr>
+          <p:cNvSpPr>
+            <a:spLocks noGrp="1"/>
+          </p:cNvSpPr>
+          <p:nvPr>
+            <p:ph type="body" idx="1"/>
+          </p:nvPr>
+        </p:nvSpPr>
+        <p:spPr/>
+        <p:txBody>
+          <a:bodyPr/>
+          <a:lstStyle/>
+          <a:p>
+            <a:endParaRPr lang="en-IN" dirty="0"/>
+          </a:p>
+        </p:txBody>
+      </p:sp>
+      <p:sp>
+        <p:nvSpPr>
+          <p:cNvPr id="4" name="Slide Number Placeholder 3">
+            <a:extLst>
+              <a:ext uri="{FF2B5EF4-FFF2-40B4-BE49-F238E27FC236}">
+                <a16:creationId xmlns:a16="http://schemas.microsoft.com/office/drawing/2014/main" id="{1E4059E7-2CB3-1C77-D154-E223A436CCDB}"/>
+              </a:ext>
+            </a:extLst>
+          </p:cNvPr>
+          <p:cNvSpPr>
+            <a:spLocks noGrp="1"/>
+          </p:cNvSpPr>
+          <p:nvPr>
+            <p:ph type="sldNum" sz="quarter" idx="5"/>
+          </p:nvPr>
+        </p:nvSpPr>
+        <p:spPr/>
+        <p:txBody>
+          <a:bodyPr/>
+          <a:lstStyle/>
+          <a:p>
+            <a:fld id="{3A9B21EC-5791-4CA9-8F46-6932351C0865}" type="slidenum">
+              <a:rPr lang="en-IN" smtClean="0"/>
+              <a:t>7</a:t>
+            </a:fld>
+            <a:endParaRPr lang="en-IN"/>
+          </a:p>
+        </p:txBody>
+      </p:sp>
+    </p:spTree>
+    <p:extLst>
+      <p:ext uri="{BB962C8B-B14F-4D97-AF65-F5344CB8AC3E}">
+        <p14:creationId xmlns:p14="http://schemas.microsoft.com/office/powerpoint/2010/main" val="2775072670"/>
+      </p:ext>
+    </p:extLst>
+  </p:cSld>
+  <p:clrMapOvr>
+    <a:masterClrMapping/>
+  </p:clrMapOvr>
+</p:notes>
+</file>
+
+<file path=ppt/notesSlides/notesSlide7.xml><?xml version="1.0" encoding="utf-8"?>
 <p:notes xmlns:a="http://schemas.openxmlformats.org/drawingml/2006/main" xmlns:r="http://schemas.openxmlformats.org/officeDocument/2006/relationships" xmlns:p="http://schemas.openxmlformats.org/presentationml/2006/main">
   <p:cSld>
     <p:spTree>
@@ -674,7 +1211,7 @@
           <a:p>
             <a:fld id="{3A9B21EC-5791-4CA9-8F46-6932351C0865}" type="slidenum">
               <a:rPr lang="en-IN" smtClean="0"/>
-              <a:t>11</a:t>
+              <a:t>8</a:t>
             </a:fld>
             <a:endParaRPr lang="en-IN"/>
           </a:p>
@@ -693,7 +1230,7 @@
 </p:notes>
 </file>
 
-<file path=ppt/notesSlides/notesSlide11.xml><?xml version="1.0" encoding="utf-8"?>
+<file path=ppt/notesSlides/notesSlide8.xml><?xml version="1.0" encoding="utf-8"?>
 <p:notes xmlns:a="http://schemas.openxmlformats.org/drawingml/2006/main" xmlns:r="http://schemas.openxmlformats.org/officeDocument/2006/relationships" xmlns:p="http://schemas.openxmlformats.org/presentationml/2006/main">
   <p:cSld>
     <p:spTree>
@@ -782,7 +1319,7 @@
           <a:p>
             <a:fld id="{3A9B21EC-5791-4CA9-8F46-6932351C0865}" type="slidenum">
               <a:rPr lang="en-IN" smtClean="0"/>
-              <a:t>12</a:t>
+              <a:t>9</a:t>
             </a:fld>
             <a:endParaRPr lang="en-IN"/>
           </a:p>
@@ -801,7 +1338,7 @@
 </p:notes>
 </file>
 
-<file path=ppt/notesSlides/notesSlide12.xml><?xml version="1.0" encoding="utf-8"?>
+<file path=ppt/notesSlides/notesSlide9.xml><?xml version="1.0" encoding="utf-8"?>
 <p:notes xmlns:a="http://schemas.openxmlformats.org/drawingml/2006/main" xmlns:r="http://schemas.openxmlformats.org/officeDocument/2006/relationships" xmlns:p="http://schemas.openxmlformats.org/presentationml/2006/main">
   <p:cSld>
     <p:spTree>
@@ -890,7 +1427,7 @@
           <a:p>
             <a:fld id="{3A9B21EC-5791-4CA9-8F46-6932351C0865}" type="slidenum">
               <a:rPr lang="en-IN" smtClean="0"/>
-              <a:t>13</a:t>
+              <a:t>10</a:t>
             </a:fld>
             <a:endParaRPr lang="en-IN"/>
           </a:p>
@@ -900,870 +1437,6 @@
     <p:extLst>
       <p:ext uri="{BB962C8B-B14F-4D97-AF65-F5344CB8AC3E}">
         <p14:creationId xmlns:p14="http://schemas.microsoft.com/office/powerpoint/2010/main" val="2511424714"/>
-      </p:ext>
-    </p:extLst>
-  </p:cSld>
-  <p:clrMapOvr>
-    <a:masterClrMapping/>
-  </p:clrMapOvr>
-</p:notes>
-</file>
-
-<file path=ppt/notesSlides/notesSlide2.xml><?xml version="1.0" encoding="utf-8"?>
-<p:notes xmlns:a="http://schemas.openxmlformats.org/drawingml/2006/main" xmlns:r="http://schemas.openxmlformats.org/officeDocument/2006/relationships" xmlns:p="http://schemas.openxmlformats.org/presentationml/2006/main">
-  <p:cSld>
-    <p:spTree>
-      <p:nvGrpSpPr>
-        <p:cNvPr id="1" name="">
-          <a:extLst>
-            <a:ext uri="{FF2B5EF4-FFF2-40B4-BE49-F238E27FC236}">
-              <a16:creationId xmlns:a16="http://schemas.microsoft.com/office/drawing/2014/main" id="{35E42F1A-C2F9-B1F8-44E4-B1AFD250664A}"/>
-            </a:ext>
-          </a:extLst>
-        </p:cNvPr>
-        <p:cNvGrpSpPr/>
-        <p:nvPr/>
-      </p:nvGrpSpPr>
-      <p:grpSpPr>
-        <a:xfrm>
-          <a:off x="0" y="0"/>
-          <a:ext cx="0" cy="0"/>
-          <a:chOff x="0" y="0"/>
-          <a:chExt cx="0" cy="0"/>
-        </a:xfrm>
-      </p:grpSpPr>
-      <p:sp>
-        <p:nvSpPr>
-          <p:cNvPr id="2" name="Slide Image Placeholder 1">
-            <a:extLst>
-              <a:ext uri="{FF2B5EF4-FFF2-40B4-BE49-F238E27FC236}">
-                <a16:creationId xmlns:a16="http://schemas.microsoft.com/office/drawing/2014/main" id="{BE8AD503-CDDD-260D-2D2A-1146513720A3}"/>
-              </a:ext>
-            </a:extLst>
-          </p:cNvPr>
-          <p:cNvSpPr>
-            <a:spLocks noGrp="1" noRot="1" noChangeAspect="1"/>
-          </p:cNvSpPr>
-          <p:nvPr>
-            <p:ph type="sldImg"/>
-          </p:nvPr>
-        </p:nvSpPr>
-        <p:spPr/>
-      </p:sp>
-      <p:sp>
-        <p:nvSpPr>
-          <p:cNvPr id="3" name="Notes Placeholder 2">
-            <a:extLst>
-              <a:ext uri="{FF2B5EF4-FFF2-40B4-BE49-F238E27FC236}">
-                <a16:creationId xmlns:a16="http://schemas.microsoft.com/office/drawing/2014/main" id="{A10AD2FF-BF91-CCC5-73C4-A0EDFF2E46CD}"/>
-              </a:ext>
-            </a:extLst>
-          </p:cNvPr>
-          <p:cNvSpPr>
-            <a:spLocks noGrp="1"/>
-          </p:cNvSpPr>
-          <p:nvPr>
-            <p:ph type="body" idx="1"/>
-          </p:nvPr>
-        </p:nvSpPr>
-        <p:spPr/>
-        <p:txBody>
-          <a:bodyPr/>
-          <a:lstStyle/>
-          <a:p>
-            <a:endParaRPr lang="en-IN" dirty="0"/>
-          </a:p>
-        </p:txBody>
-      </p:sp>
-      <p:sp>
-        <p:nvSpPr>
-          <p:cNvPr id="4" name="Slide Number Placeholder 3">
-            <a:extLst>
-              <a:ext uri="{FF2B5EF4-FFF2-40B4-BE49-F238E27FC236}">
-                <a16:creationId xmlns:a16="http://schemas.microsoft.com/office/drawing/2014/main" id="{2E7A0E14-C071-DA60-686E-77743B6CC006}"/>
-              </a:ext>
-            </a:extLst>
-          </p:cNvPr>
-          <p:cNvSpPr>
-            <a:spLocks noGrp="1"/>
-          </p:cNvSpPr>
-          <p:nvPr>
-            <p:ph type="sldNum" sz="quarter" idx="5"/>
-          </p:nvPr>
-        </p:nvSpPr>
-        <p:spPr/>
-        <p:txBody>
-          <a:bodyPr/>
-          <a:lstStyle/>
-          <a:p>
-            <a:fld id="{3A9B21EC-5791-4CA9-8F46-6932351C0865}" type="slidenum">
-              <a:rPr lang="en-IN" smtClean="0"/>
-              <a:t>3</a:t>
-            </a:fld>
-            <a:endParaRPr lang="en-IN"/>
-          </a:p>
-        </p:txBody>
-      </p:sp>
-    </p:spTree>
-    <p:extLst>
-      <p:ext uri="{BB962C8B-B14F-4D97-AF65-F5344CB8AC3E}">
-        <p14:creationId xmlns:p14="http://schemas.microsoft.com/office/powerpoint/2010/main" val="2363579377"/>
-      </p:ext>
-    </p:extLst>
-  </p:cSld>
-  <p:clrMapOvr>
-    <a:masterClrMapping/>
-  </p:clrMapOvr>
-</p:notes>
-</file>
-
-<file path=ppt/notesSlides/notesSlide3.xml><?xml version="1.0" encoding="utf-8"?>
-<p:notes xmlns:a="http://schemas.openxmlformats.org/drawingml/2006/main" xmlns:r="http://schemas.openxmlformats.org/officeDocument/2006/relationships" xmlns:p="http://schemas.openxmlformats.org/presentationml/2006/main">
-  <p:cSld>
-    <p:spTree>
-      <p:nvGrpSpPr>
-        <p:cNvPr id="1" name="">
-          <a:extLst>
-            <a:ext uri="{FF2B5EF4-FFF2-40B4-BE49-F238E27FC236}">
-              <a16:creationId xmlns:a16="http://schemas.microsoft.com/office/drawing/2014/main" id="{4FE34DD7-CC97-8547-301A-1AAD49921C1E}"/>
-            </a:ext>
-          </a:extLst>
-        </p:cNvPr>
-        <p:cNvGrpSpPr/>
-        <p:nvPr/>
-      </p:nvGrpSpPr>
-      <p:grpSpPr>
-        <a:xfrm>
-          <a:off x="0" y="0"/>
-          <a:ext cx="0" cy="0"/>
-          <a:chOff x="0" y="0"/>
-          <a:chExt cx="0" cy="0"/>
-        </a:xfrm>
-      </p:grpSpPr>
-      <p:sp>
-        <p:nvSpPr>
-          <p:cNvPr id="2" name="Slide Image Placeholder 1">
-            <a:extLst>
-              <a:ext uri="{FF2B5EF4-FFF2-40B4-BE49-F238E27FC236}">
-                <a16:creationId xmlns:a16="http://schemas.microsoft.com/office/drawing/2014/main" id="{9190F4AE-CC23-0AF6-BE7F-D54D8D5F5B8F}"/>
-              </a:ext>
-            </a:extLst>
-          </p:cNvPr>
-          <p:cNvSpPr>
-            <a:spLocks noGrp="1" noRot="1" noChangeAspect="1"/>
-          </p:cNvSpPr>
-          <p:nvPr>
-            <p:ph type="sldImg"/>
-          </p:nvPr>
-        </p:nvSpPr>
-        <p:spPr/>
-      </p:sp>
-      <p:sp>
-        <p:nvSpPr>
-          <p:cNvPr id="3" name="Notes Placeholder 2">
-            <a:extLst>
-              <a:ext uri="{FF2B5EF4-FFF2-40B4-BE49-F238E27FC236}">
-                <a16:creationId xmlns:a16="http://schemas.microsoft.com/office/drawing/2014/main" id="{DD308331-915A-4F11-5161-F08CA4CC7A06}"/>
-              </a:ext>
-            </a:extLst>
-          </p:cNvPr>
-          <p:cNvSpPr>
-            <a:spLocks noGrp="1"/>
-          </p:cNvSpPr>
-          <p:nvPr>
-            <p:ph type="body" idx="1"/>
-          </p:nvPr>
-        </p:nvSpPr>
-        <p:spPr/>
-        <p:txBody>
-          <a:bodyPr/>
-          <a:lstStyle/>
-          <a:p>
-            <a:endParaRPr lang="en-IN" dirty="0"/>
-          </a:p>
-        </p:txBody>
-      </p:sp>
-      <p:sp>
-        <p:nvSpPr>
-          <p:cNvPr id="4" name="Slide Number Placeholder 3">
-            <a:extLst>
-              <a:ext uri="{FF2B5EF4-FFF2-40B4-BE49-F238E27FC236}">
-                <a16:creationId xmlns:a16="http://schemas.microsoft.com/office/drawing/2014/main" id="{5081F8B2-EB28-B571-B296-DD1F37DE8B0D}"/>
-              </a:ext>
-            </a:extLst>
-          </p:cNvPr>
-          <p:cNvSpPr>
-            <a:spLocks noGrp="1"/>
-          </p:cNvSpPr>
-          <p:nvPr>
-            <p:ph type="sldNum" sz="quarter" idx="5"/>
-          </p:nvPr>
-        </p:nvSpPr>
-        <p:spPr/>
-        <p:txBody>
-          <a:bodyPr/>
-          <a:lstStyle/>
-          <a:p>
-            <a:fld id="{3A9B21EC-5791-4CA9-8F46-6932351C0865}" type="slidenum">
-              <a:rPr lang="en-IN" smtClean="0"/>
-              <a:t>4</a:t>
-            </a:fld>
-            <a:endParaRPr lang="en-IN"/>
-          </a:p>
-        </p:txBody>
-      </p:sp>
-    </p:spTree>
-    <p:extLst>
-      <p:ext uri="{BB962C8B-B14F-4D97-AF65-F5344CB8AC3E}">
-        <p14:creationId xmlns:p14="http://schemas.microsoft.com/office/powerpoint/2010/main" val="4243067931"/>
-      </p:ext>
-    </p:extLst>
-  </p:cSld>
-  <p:clrMapOvr>
-    <a:masterClrMapping/>
-  </p:clrMapOvr>
-</p:notes>
-</file>
-
-<file path=ppt/notesSlides/notesSlide4.xml><?xml version="1.0" encoding="utf-8"?>
-<p:notes xmlns:a="http://schemas.openxmlformats.org/drawingml/2006/main" xmlns:r="http://schemas.openxmlformats.org/officeDocument/2006/relationships" xmlns:p="http://schemas.openxmlformats.org/presentationml/2006/main">
-  <p:cSld>
-    <p:spTree>
-      <p:nvGrpSpPr>
-        <p:cNvPr id="1" name="">
-          <a:extLst>
-            <a:ext uri="{FF2B5EF4-FFF2-40B4-BE49-F238E27FC236}">
-              <a16:creationId xmlns:a16="http://schemas.microsoft.com/office/drawing/2014/main" id="{B11A660A-572A-8BFE-AEB5-087760D6D12A}"/>
-            </a:ext>
-          </a:extLst>
-        </p:cNvPr>
-        <p:cNvGrpSpPr/>
-        <p:nvPr/>
-      </p:nvGrpSpPr>
-      <p:grpSpPr>
-        <a:xfrm>
-          <a:off x="0" y="0"/>
-          <a:ext cx="0" cy="0"/>
-          <a:chOff x="0" y="0"/>
-          <a:chExt cx="0" cy="0"/>
-        </a:xfrm>
-      </p:grpSpPr>
-      <p:sp>
-        <p:nvSpPr>
-          <p:cNvPr id="2" name="Slide Image Placeholder 1">
-            <a:extLst>
-              <a:ext uri="{FF2B5EF4-FFF2-40B4-BE49-F238E27FC236}">
-                <a16:creationId xmlns:a16="http://schemas.microsoft.com/office/drawing/2014/main" id="{C3E168BE-C03B-8BD9-EAE3-E10BCF07AC5B}"/>
-              </a:ext>
-            </a:extLst>
-          </p:cNvPr>
-          <p:cNvSpPr>
-            <a:spLocks noGrp="1" noRot="1" noChangeAspect="1"/>
-          </p:cNvSpPr>
-          <p:nvPr>
-            <p:ph type="sldImg"/>
-          </p:nvPr>
-        </p:nvSpPr>
-        <p:spPr/>
-      </p:sp>
-      <p:sp>
-        <p:nvSpPr>
-          <p:cNvPr id="3" name="Notes Placeholder 2">
-            <a:extLst>
-              <a:ext uri="{FF2B5EF4-FFF2-40B4-BE49-F238E27FC236}">
-                <a16:creationId xmlns:a16="http://schemas.microsoft.com/office/drawing/2014/main" id="{ABE26A73-F2FA-B149-BBD8-915F5A898B77}"/>
-              </a:ext>
-            </a:extLst>
-          </p:cNvPr>
-          <p:cNvSpPr>
-            <a:spLocks noGrp="1"/>
-          </p:cNvSpPr>
-          <p:nvPr>
-            <p:ph type="body" idx="1"/>
-          </p:nvPr>
-        </p:nvSpPr>
-        <p:spPr/>
-        <p:txBody>
-          <a:bodyPr/>
-          <a:lstStyle/>
-          <a:p>
-            <a:endParaRPr lang="en-IN" dirty="0"/>
-          </a:p>
-        </p:txBody>
-      </p:sp>
-      <p:sp>
-        <p:nvSpPr>
-          <p:cNvPr id="4" name="Slide Number Placeholder 3">
-            <a:extLst>
-              <a:ext uri="{FF2B5EF4-FFF2-40B4-BE49-F238E27FC236}">
-                <a16:creationId xmlns:a16="http://schemas.microsoft.com/office/drawing/2014/main" id="{F300B8F0-8392-A843-54EB-939962AE0DC1}"/>
-              </a:ext>
-            </a:extLst>
-          </p:cNvPr>
-          <p:cNvSpPr>
-            <a:spLocks noGrp="1"/>
-          </p:cNvSpPr>
-          <p:nvPr>
-            <p:ph type="sldNum" sz="quarter" idx="5"/>
-          </p:nvPr>
-        </p:nvSpPr>
-        <p:spPr/>
-        <p:txBody>
-          <a:bodyPr/>
-          <a:lstStyle/>
-          <a:p>
-            <a:fld id="{3A9B21EC-5791-4CA9-8F46-6932351C0865}" type="slidenum">
-              <a:rPr lang="en-IN" smtClean="0"/>
-              <a:t>5</a:t>
-            </a:fld>
-            <a:endParaRPr lang="en-IN"/>
-          </a:p>
-        </p:txBody>
-      </p:sp>
-    </p:spTree>
-    <p:extLst>
-      <p:ext uri="{BB962C8B-B14F-4D97-AF65-F5344CB8AC3E}">
-        <p14:creationId xmlns:p14="http://schemas.microsoft.com/office/powerpoint/2010/main" val="3267611449"/>
-      </p:ext>
-    </p:extLst>
-  </p:cSld>
-  <p:clrMapOvr>
-    <a:masterClrMapping/>
-  </p:clrMapOvr>
-</p:notes>
-</file>
-
-<file path=ppt/notesSlides/notesSlide5.xml><?xml version="1.0" encoding="utf-8"?>
-<p:notes xmlns:a="http://schemas.openxmlformats.org/drawingml/2006/main" xmlns:r="http://schemas.openxmlformats.org/officeDocument/2006/relationships" xmlns:p="http://schemas.openxmlformats.org/presentationml/2006/main">
-  <p:cSld>
-    <p:spTree>
-      <p:nvGrpSpPr>
-        <p:cNvPr id="1" name="">
-          <a:extLst>
-            <a:ext uri="{FF2B5EF4-FFF2-40B4-BE49-F238E27FC236}">
-              <a16:creationId xmlns:a16="http://schemas.microsoft.com/office/drawing/2014/main" id="{1D4F9D32-3E14-4D43-2E20-8611D96C41D6}"/>
-            </a:ext>
-          </a:extLst>
-        </p:cNvPr>
-        <p:cNvGrpSpPr/>
-        <p:nvPr/>
-      </p:nvGrpSpPr>
-      <p:grpSpPr>
-        <a:xfrm>
-          <a:off x="0" y="0"/>
-          <a:ext cx="0" cy="0"/>
-          <a:chOff x="0" y="0"/>
-          <a:chExt cx="0" cy="0"/>
-        </a:xfrm>
-      </p:grpSpPr>
-      <p:sp>
-        <p:nvSpPr>
-          <p:cNvPr id="2" name="Slide Image Placeholder 1">
-            <a:extLst>
-              <a:ext uri="{FF2B5EF4-FFF2-40B4-BE49-F238E27FC236}">
-                <a16:creationId xmlns:a16="http://schemas.microsoft.com/office/drawing/2014/main" id="{E1B59DEE-F552-2D9D-EB8D-189060C8FD69}"/>
-              </a:ext>
-            </a:extLst>
-          </p:cNvPr>
-          <p:cNvSpPr>
-            <a:spLocks noGrp="1" noRot="1" noChangeAspect="1"/>
-          </p:cNvSpPr>
-          <p:nvPr>
-            <p:ph type="sldImg"/>
-          </p:nvPr>
-        </p:nvSpPr>
-        <p:spPr/>
-      </p:sp>
-      <p:sp>
-        <p:nvSpPr>
-          <p:cNvPr id="3" name="Notes Placeholder 2">
-            <a:extLst>
-              <a:ext uri="{FF2B5EF4-FFF2-40B4-BE49-F238E27FC236}">
-                <a16:creationId xmlns:a16="http://schemas.microsoft.com/office/drawing/2014/main" id="{C53C1D6F-A711-7459-F0A0-11C46A816839}"/>
-              </a:ext>
-            </a:extLst>
-          </p:cNvPr>
-          <p:cNvSpPr>
-            <a:spLocks noGrp="1"/>
-          </p:cNvSpPr>
-          <p:nvPr>
-            <p:ph type="body" idx="1"/>
-          </p:nvPr>
-        </p:nvSpPr>
-        <p:spPr/>
-        <p:txBody>
-          <a:bodyPr/>
-          <a:lstStyle/>
-          <a:p>
-            <a:endParaRPr lang="en-IN" dirty="0"/>
-          </a:p>
-        </p:txBody>
-      </p:sp>
-      <p:sp>
-        <p:nvSpPr>
-          <p:cNvPr id="4" name="Slide Number Placeholder 3">
-            <a:extLst>
-              <a:ext uri="{FF2B5EF4-FFF2-40B4-BE49-F238E27FC236}">
-                <a16:creationId xmlns:a16="http://schemas.microsoft.com/office/drawing/2014/main" id="{02827564-788B-3542-1D1A-7D8963343C4E}"/>
-              </a:ext>
-            </a:extLst>
-          </p:cNvPr>
-          <p:cNvSpPr>
-            <a:spLocks noGrp="1"/>
-          </p:cNvSpPr>
-          <p:nvPr>
-            <p:ph type="sldNum" sz="quarter" idx="5"/>
-          </p:nvPr>
-        </p:nvSpPr>
-        <p:spPr/>
-        <p:txBody>
-          <a:bodyPr/>
-          <a:lstStyle/>
-          <a:p>
-            <a:fld id="{3A9B21EC-5791-4CA9-8F46-6932351C0865}" type="slidenum">
-              <a:rPr lang="en-IN" smtClean="0"/>
-              <a:t>6</a:t>
-            </a:fld>
-            <a:endParaRPr lang="en-IN"/>
-          </a:p>
-        </p:txBody>
-      </p:sp>
-    </p:spTree>
-    <p:extLst>
-      <p:ext uri="{BB962C8B-B14F-4D97-AF65-F5344CB8AC3E}">
-        <p14:creationId xmlns:p14="http://schemas.microsoft.com/office/powerpoint/2010/main" val="3528269606"/>
-      </p:ext>
-    </p:extLst>
-  </p:cSld>
-  <p:clrMapOvr>
-    <a:masterClrMapping/>
-  </p:clrMapOvr>
-</p:notes>
-</file>
-
-<file path=ppt/notesSlides/notesSlide6.xml><?xml version="1.0" encoding="utf-8"?>
-<p:notes xmlns:a="http://schemas.openxmlformats.org/drawingml/2006/main" xmlns:r="http://schemas.openxmlformats.org/officeDocument/2006/relationships" xmlns:p="http://schemas.openxmlformats.org/presentationml/2006/main">
-  <p:cSld>
-    <p:spTree>
-      <p:nvGrpSpPr>
-        <p:cNvPr id="1" name="">
-          <a:extLst>
-            <a:ext uri="{FF2B5EF4-FFF2-40B4-BE49-F238E27FC236}">
-              <a16:creationId xmlns:a16="http://schemas.microsoft.com/office/drawing/2014/main" id="{DC4B3E01-6CF6-15FB-35A4-C1830EEADA8A}"/>
-            </a:ext>
-          </a:extLst>
-        </p:cNvPr>
-        <p:cNvGrpSpPr/>
-        <p:nvPr/>
-      </p:nvGrpSpPr>
-      <p:grpSpPr>
-        <a:xfrm>
-          <a:off x="0" y="0"/>
-          <a:ext cx="0" cy="0"/>
-          <a:chOff x="0" y="0"/>
-          <a:chExt cx="0" cy="0"/>
-        </a:xfrm>
-      </p:grpSpPr>
-      <p:sp>
-        <p:nvSpPr>
-          <p:cNvPr id="2" name="Slide Image Placeholder 1">
-            <a:extLst>
-              <a:ext uri="{FF2B5EF4-FFF2-40B4-BE49-F238E27FC236}">
-                <a16:creationId xmlns:a16="http://schemas.microsoft.com/office/drawing/2014/main" id="{ECC5904E-7C48-1CC5-5956-F984DE684219}"/>
-              </a:ext>
-            </a:extLst>
-          </p:cNvPr>
-          <p:cNvSpPr>
-            <a:spLocks noGrp="1" noRot="1" noChangeAspect="1"/>
-          </p:cNvSpPr>
-          <p:nvPr>
-            <p:ph type="sldImg"/>
-          </p:nvPr>
-        </p:nvSpPr>
-        <p:spPr/>
-      </p:sp>
-      <p:sp>
-        <p:nvSpPr>
-          <p:cNvPr id="3" name="Notes Placeholder 2">
-            <a:extLst>
-              <a:ext uri="{FF2B5EF4-FFF2-40B4-BE49-F238E27FC236}">
-                <a16:creationId xmlns:a16="http://schemas.microsoft.com/office/drawing/2014/main" id="{D2B79243-389B-9A75-83CE-DEDD956A0441}"/>
-              </a:ext>
-            </a:extLst>
-          </p:cNvPr>
-          <p:cNvSpPr>
-            <a:spLocks noGrp="1"/>
-          </p:cNvSpPr>
-          <p:nvPr>
-            <p:ph type="body" idx="1"/>
-          </p:nvPr>
-        </p:nvSpPr>
-        <p:spPr/>
-        <p:txBody>
-          <a:bodyPr/>
-          <a:lstStyle/>
-          <a:p>
-            <a:endParaRPr lang="en-IN" dirty="0"/>
-          </a:p>
-        </p:txBody>
-      </p:sp>
-      <p:sp>
-        <p:nvSpPr>
-          <p:cNvPr id="4" name="Slide Number Placeholder 3">
-            <a:extLst>
-              <a:ext uri="{FF2B5EF4-FFF2-40B4-BE49-F238E27FC236}">
-                <a16:creationId xmlns:a16="http://schemas.microsoft.com/office/drawing/2014/main" id="{064431B4-2311-176A-3909-8A85982FD952}"/>
-              </a:ext>
-            </a:extLst>
-          </p:cNvPr>
-          <p:cNvSpPr>
-            <a:spLocks noGrp="1"/>
-          </p:cNvSpPr>
-          <p:nvPr>
-            <p:ph type="sldNum" sz="quarter" idx="5"/>
-          </p:nvPr>
-        </p:nvSpPr>
-        <p:spPr/>
-        <p:txBody>
-          <a:bodyPr/>
-          <a:lstStyle/>
-          <a:p>
-            <a:fld id="{3A9B21EC-5791-4CA9-8F46-6932351C0865}" type="slidenum">
-              <a:rPr lang="en-IN" smtClean="0"/>
-              <a:t>7</a:t>
-            </a:fld>
-            <a:endParaRPr lang="en-IN"/>
-          </a:p>
-        </p:txBody>
-      </p:sp>
-    </p:spTree>
-    <p:extLst>
-      <p:ext uri="{BB962C8B-B14F-4D97-AF65-F5344CB8AC3E}">
-        <p14:creationId xmlns:p14="http://schemas.microsoft.com/office/powerpoint/2010/main" val="3702789046"/>
-      </p:ext>
-    </p:extLst>
-  </p:cSld>
-  <p:clrMapOvr>
-    <a:masterClrMapping/>
-  </p:clrMapOvr>
-</p:notes>
-</file>
-
-<file path=ppt/notesSlides/notesSlide7.xml><?xml version="1.0" encoding="utf-8"?>
-<p:notes xmlns:a="http://schemas.openxmlformats.org/drawingml/2006/main" xmlns:r="http://schemas.openxmlformats.org/officeDocument/2006/relationships" xmlns:p="http://schemas.openxmlformats.org/presentationml/2006/main">
-  <p:cSld>
-    <p:spTree>
-      <p:nvGrpSpPr>
-        <p:cNvPr id="1" name="">
-          <a:extLst>
-            <a:ext uri="{FF2B5EF4-FFF2-40B4-BE49-F238E27FC236}">
-              <a16:creationId xmlns:a16="http://schemas.microsoft.com/office/drawing/2014/main" id="{E366A004-361A-44BA-43D1-22EDD8835030}"/>
-            </a:ext>
-          </a:extLst>
-        </p:cNvPr>
-        <p:cNvGrpSpPr/>
-        <p:nvPr/>
-      </p:nvGrpSpPr>
-      <p:grpSpPr>
-        <a:xfrm>
-          <a:off x="0" y="0"/>
-          <a:ext cx="0" cy="0"/>
-          <a:chOff x="0" y="0"/>
-          <a:chExt cx="0" cy="0"/>
-        </a:xfrm>
-      </p:grpSpPr>
-      <p:sp>
-        <p:nvSpPr>
-          <p:cNvPr id="2" name="Slide Image Placeholder 1">
-            <a:extLst>
-              <a:ext uri="{FF2B5EF4-FFF2-40B4-BE49-F238E27FC236}">
-                <a16:creationId xmlns:a16="http://schemas.microsoft.com/office/drawing/2014/main" id="{CFA891D3-70EA-A535-38FF-F6A55EA1E1C6}"/>
-              </a:ext>
-            </a:extLst>
-          </p:cNvPr>
-          <p:cNvSpPr>
-            <a:spLocks noGrp="1" noRot="1" noChangeAspect="1"/>
-          </p:cNvSpPr>
-          <p:nvPr>
-            <p:ph type="sldImg"/>
-          </p:nvPr>
-        </p:nvSpPr>
-        <p:spPr/>
-      </p:sp>
-      <p:sp>
-        <p:nvSpPr>
-          <p:cNvPr id="3" name="Notes Placeholder 2">
-            <a:extLst>
-              <a:ext uri="{FF2B5EF4-FFF2-40B4-BE49-F238E27FC236}">
-                <a16:creationId xmlns:a16="http://schemas.microsoft.com/office/drawing/2014/main" id="{2F1CD388-5FEE-26F4-C277-DBB4FCB4CA49}"/>
-              </a:ext>
-            </a:extLst>
-          </p:cNvPr>
-          <p:cNvSpPr>
-            <a:spLocks noGrp="1"/>
-          </p:cNvSpPr>
-          <p:nvPr>
-            <p:ph type="body" idx="1"/>
-          </p:nvPr>
-        </p:nvSpPr>
-        <p:spPr/>
-        <p:txBody>
-          <a:bodyPr/>
-          <a:lstStyle/>
-          <a:p>
-            <a:endParaRPr lang="en-IN" dirty="0"/>
-          </a:p>
-        </p:txBody>
-      </p:sp>
-      <p:sp>
-        <p:nvSpPr>
-          <p:cNvPr id="4" name="Slide Number Placeholder 3">
-            <a:extLst>
-              <a:ext uri="{FF2B5EF4-FFF2-40B4-BE49-F238E27FC236}">
-                <a16:creationId xmlns:a16="http://schemas.microsoft.com/office/drawing/2014/main" id="{2E76E27B-854F-4DDE-6FD4-9607C6C55282}"/>
-              </a:ext>
-            </a:extLst>
-          </p:cNvPr>
-          <p:cNvSpPr>
-            <a:spLocks noGrp="1"/>
-          </p:cNvSpPr>
-          <p:nvPr>
-            <p:ph type="sldNum" sz="quarter" idx="5"/>
-          </p:nvPr>
-        </p:nvSpPr>
-        <p:spPr/>
-        <p:txBody>
-          <a:bodyPr/>
-          <a:lstStyle/>
-          <a:p>
-            <a:fld id="{3A9B21EC-5791-4CA9-8F46-6932351C0865}" type="slidenum">
-              <a:rPr lang="en-IN" smtClean="0"/>
-              <a:t>8</a:t>
-            </a:fld>
-            <a:endParaRPr lang="en-IN"/>
-          </a:p>
-        </p:txBody>
-      </p:sp>
-    </p:spTree>
-    <p:extLst>
-      <p:ext uri="{BB962C8B-B14F-4D97-AF65-F5344CB8AC3E}">
-        <p14:creationId xmlns:p14="http://schemas.microsoft.com/office/powerpoint/2010/main" val="1990332201"/>
-      </p:ext>
-    </p:extLst>
-  </p:cSld>
-  <p:clrMapOvr>
-    <a:masterClrMapping/>
-  </p:clrMapOvr>
-</p:notes>
-</file>
-
-<file path=ppt/notesSlides/notesSlide8.xml><?xml version="1.0" encoding="utf-8"?>
-<p:notes xmlns:a="http://schemas.openxmlformats.org/drawingml/2006/main" xmlns:r="http://schemas.openxmlformats.org/officeDocument/2006/relationships" xmlns:p="http://schemas.openxmlformats.org/presentationml/2006/main">
-  <p:cSld>
-    <p:spTree>
-      <p:nvGrpSpPr>
-        <p:cNvPr id="1" name="">
-          <a:extLst>
-            <a:ext uri="{FF2B5EF4-FFF2-40B4-BE49-F238E27FC236}">
-              <a16:creationId xmlns:a16="http://schemas.microsoft.com/office/drawing/2014/main" id="{C93DD3ED-6BBE-F825-6A4B-9AC682ABEE05}"/>
-            </a:ext>
-          </a:extLst>
-        </p:cNvPr>
-        <p:cNvGrpSpPr/>
-        <p:nvPr/>
-      </p:nvGrpSpPr>
-      <p:grpSpPr>
-        <a:xfrm>
-          <a:off x="0" y="0"/>
-          <a:ext cx="0" cy="0"/>
-          <a:chOff x="0" y="0"/>
-          <a:chExt cx="0" cy="0"/>
-        </a:xfrm>
-      </p:grpSpPr>
-      <p:sp>
-        <p:nvSpPr>
-          <p:cNvPr id="2" name="Slide Image Placeholder 1">
-            <a:extLst>
-              <a:ext uri="{FF2B5EF4-FFF2-40B4-BE49-F238E27FC236}">
-                <a16:creationId xmlns:a16="http://schemas.microsoft.com/office/drawing/2014/main" id="{153364CA-ECB2-8E6D-2E14-5F46490674A5}"/>
-              </a:ext>
-            </a:extLst>
-          </p:cNvPr>
-          <p:cNvSpPr>
-            <a:spLocks noGrp="1" noRot="1" noChangeAspect="1"/>
-          </p:cNvSpPr>
-          <p:nvPr>
-            <p:ph type="sldImg"/>
-          </p:nvPr>
-        </p:nvSpPr>
-        <p:spPr/>
-      </p:sp>
-      <p:sp>
-        <p:nvSpPr>
-          <p:cNvPr id="3" name="Notes Placeholder 2">
-            <a:extLst>
-              <a:ext uri="{FF2B5EF4-FFF2-40B4-BE49-F238E27FC236}">
-                <a16:creationId xmlns:a16="http://schemas.microsoft.com/office/drawing/2014/main" id="{719B9143-DD35-BDA7-D6C7-B114471AD47F}"/>
-              </a:ext>
-            </a:extLst>
-          </p:cNvPr>
-          <p:cNvSpPr>
-            <a:spLocks noGrp="1"/>
-          </p:cNvSpPr>
-          <p:nvPr>
-            <p:ph type="body" idx="1"/>
-          </p:nvPr>
-        </p:nvSpPr>
-        <p:spPr/>
-        <p:txBody>
-          <a:bodyPr/>
-          <a:lstStyle/>
-          <a:p>
-            <a:endParaRPr lang="en-IN" dirty="0"/>
-          </a:p>
-        </p:txBody>
-      </p:sp>
-      <p:sp>
-        <p:nvSpPr>
-          <p:cNvPr id="4" name="Slide Number Placeholder 3">
-            <a:extLst>
-              <a:ext uri="{FF2B5EF4-FFF2-40B4-BE49-F238E27FC236}">
-                <a16:creationId xmlns:a16="http://schemas.microsoft.com/office/drawing/2014/main" id="{2120C245-A3F5-315D-2CF3-9C0F130BDBFC}"/>
-              </a:ext>
-            </a:extLst>
-          </p:cNvPr>
-          <p:cNvSpPr>
-            <a:spLocks noGrp="1"/>
-          </p:cNvSpPr>
-          <p:nvPr>
-            <p:ph type="sldNum" sz="quarter" idx="5"/>
-          </p:nvPr>
-        </p:nvSpPr>
-        <p:spPr/>
-        <p:txBody>
-          <a:bodyPr/>
-          <a:lstStyle/>
-          <a:p>
-            <a:fld id="{3A9B21EC-5791-4CA9-8F46-6932351C0865}" type="slidenum">
-              <a:rPr lang="en-IN" smtClean="0"/>
-              <a:t>9</a:t>
-            </a:fld>
-            <a:endParaRPr lang="en-IN"/>
-          </a:p>
-        </p:txBody>
-      </p:sp>
-    </p:spTree>
-    <p:extLst>
-      <p:ext uri="{BB962C8B-B14F-4D97-AF65-F5344CB8AC3E}">
-        <p14:creationId xmlns:p14="http://schemas.microsoft.com/office/powerpoint/2010/main" val="384960712"/>
-      </p:ext>
-    </p:extLst>
-  </p:cSld>
-  <p:clrMapOvr>
-    <a:masterClrMapping/>
-  </p:clrMapOvr>
-</p:notes>
-</file>
-
-<file path=ppt/notesSlides/notesSlide9.xml><?xml version="1.0" encoding="utf-8"?>
-<p:notes xmlns:a="http://schemas.openxmlformats.org/drawingml/2006/main" xmlns:r="http://schemas.openxmlformats.org/officeDocument/2006/relationships" xmlns:p="http://schemas.openxmlformats.org/presentationml/2006/main">
-  <p:cSld>
-    <p:spTree>
-      <p:nvGrpSpPr>
-        <p:cNvPr id="1" name="">
-          <a:extLst>
-            <a:ext uri="{FF2B5EF4-FFF2-40B4-BE49-F238E27FC236}">
-              <a16:creationId xmlns:a16="http://schemas.microsoft.com/office/drawing/2014/main" id="{F35E1453-9249-8BBE-1A61-679B889666DA}"/>
-            </a:ext>
-          </a:extLst>
-        </p:cNvPr>
-        <p:cNvGrpSpPr/>
-        <p:nvPr/>
-      </p:nvGrpSpPr>
-      <p:grpSpPr>
-        <a:xfrm>
-          <a:off x="0" y="0"/>
-          <a:ext cx="0" cy="0"/>
-          <a:chOff x="0" y="0"/>
-          <a:chExt cx="0" cy="0"/>
-        </a:xfrm>
-      </p:grpSpPr>
-      <p:sp>
-        <p:nvSpPr>
-          <p:cNvPr id="2" name="Slide Image Placeholder 1">
-            <a:extLst>
-              <a:ext uri="{FF2B5EF4-FFF2-40B4-BE49-F238E27FC236}">
-                <a16:creationId xmlns:a16="http://schemas.microsoft.com/office/drawing/2014/main" id="{1B5829CB-84C8-CC2B-A369-AF86FD7856EE}"/>
-              </a:ext>
-            </a:extLst>
-          </p:cNvPr>
-          <p:cNvSpPr>
-            <a:spLocks noGrp="1" noRot="1" noChangeAspect="1"/>
-          </p:cNvSpPr>
-          <p:nvPr>
-            <p:ph type="sldImg"/>
-          </p:nvPr>
-        </p:nvSpPr>
-        <p:spPr/>
-      </p:sp>
-      <p:sp>
-        <p:nvSpPr>
-          <p:cNvPr id="3" name="Notes Placeholder 2">
-            <a:extLst>
-              <a:ext uri="{FF2B5EF4-FFF2-40B4-BE49-F238E27FC236}">
-                <a16:creationId xmlns:a16="http://schemas.microsoft.com/office/drawing/2014/main" id="{1ED2ADFF-7807-01E1-59AB-3D4424C832D9}"/>
-              </a:ext>
-            </a:extLst>
-          </p:cNvPr>
-          <p:cNvSpPr>
-            <a:spLocks noGrp="1"/>
-          </p:cNvSpPr>
-          <p:nvPr>
-            <p:ph type="body" idx="1"/>
-          </p:nvPr>
-        </p:nvSpPr>
-        <p:spPr/>
-        <p:txBody>
-          <a:bodyPr/>
-          <a:lstStyle/>
-          <a:p>
-            <a:endParaRPr lang="en-IN" dirty="0"/>
-          </a:p>
-        </p:txBody>
-      </p:sp>
-      <p:sp>
-        <p:nvSpPr>
-          <p:cNvPr id="4" name="Slide Number Placeholder 3">
-            <a:extLst>
-              <a:ext uri="{FF2B5EF4-FFF2-40B4-BE49-F238E27FC236}">
-                <a16:creationId xmlns:a16="http://schemas.microsoft.com/office/drawing/2014/main" id="{1E4059E7-2CB3-1C77-D154-E223A436CCDB}"/>
-              </a:ext>
-            </a:extLst>
-          </p:cNvPr>
-          <p:cNvSpPr>
-            <a:spLocks noGrp="1"/>
-          </p:cNvSpPr>
-          <p:nvPr>
-            <p:ph type="sldNum" sz="quarter" idx="5"/>
-          </p:nvPr>
-        </p:nvSpPr>
-        <p:spPr/>
-        <p:txBody>
-          <a:bodyPr/>
-          <a:lstStyle/>
-          <a:p>
-            <a:fld id="{3A9B21EC-5791-4CA9-8F46-6932351C0865}" type="slidenum">
-              <a:rPr lang="en-IN" smtClean="0"/>
-              <a:t>10</a:t>
-            </a:fld>
-            <a:endParaRPr lang="en-IN"/>
-          </a:p>
-        </p:txBody>
-      </p:sp>
-    </p:spTree>
-    <p:extLst>
-      <p:ext uri="{BB962C8B-B14F-4D97-AF65-F5344CB8AC3E}">
-        <p14:creationId xmlns:p14="http://schemas.microsoft.com/office/powerpoint/2010/main" val="2775072670"/>
       </p:ext>
     </p:extLst>
   </p:cSld>
@@ -5495,6 +5168,2676 @@
 </file>
 
 <file path=ppt/slides/slide10.xml><?xml version="1.0" encoding="utf-8"?>
+<p:sld xmlns:a="http://schemas.openxmlformats.org/drawingml/2006/main" xmlns:r="http://schemas.openxmlformats.org/officeDocument/2006/relationships" xmlns:p="http://schemas.openxmlformats.org/presentationml/2006/main">
+  <p:cSld>
+    <p:spTree>
+      <p:nvGrpSpPr>
+        <p:cNvPr id="1" name="">
+          <a:extLst>
+            <a:ext uri="{FF2B5EF4-FFF2-40B4-BE49-F238E27FC236}">
+              <a16:creationId xmlns:a16="http://schemas.microsoft.com/office/drawing/2014/main" id="{3292E8B2-F7C0-510F-CA6A-655FD80B1420}"/>
+            </a:ext>
+          </a:extLst>
+        </p:cNvPr>
+        <p:cNvGrpSpPr/>
+        <p:nvPr/>
+      </p:nvGrpSpPr>
+      <p:grpSpPr>
+        <a:xfrm>
+          <a:off x="0" y="0"/>
+          <a:ext cx="0" cy="0"/>
+          <a:chOff x="0" y="0"/>
+          <a:chExt cx="0" cy="0"/>
+        </a:xfrm>
+      </p:grpSpPr>
+      <p:pic>
+        <p:nvPicPr>
+          <p:cNvPr id="3" name="Picture 2">
+            <a:extLst>
+              <a:ext uri="{FF2B5EF4-FFF2-40B4-BE49-F238E27FC236}">
+                <a16:creationId xmlns:a16="http://schemas.microsoft.com/office/drawing/2014/main" id="{1BC8E6F2-D5A5-7719-2583-A453F383D0BC}"/>
+              </a:ext>
+            </a:extLst>
+          </p:cNvPr>
+          <p:cNvPicPr>
+            <a:picLocks noChangeAspect="1" noChangeArrowheads="1"/>
+          </p:cNvPicPr>
+          <p:nvPr/>
+        </p:nvPicPr>
+        <p:blipFill rotWithShape="1">
+          <a:blip r:embed="rId3">
+            <a:extLst>
+              <a:ext uri="{28A0092B-C50C-407E-A947-70E740481C1C}">
+                <a14:useLocalDpi xmlns:a14="http://schemas.microsoft.com/office/drawing/2010/main" val="0"/>
+              </a:ext>
+            </a:extLst>
+          </a:blip>
+          <a:srcRect t="26099" b="30354"/>
+          <a:stretch>
+            <a:fillRect/>
+          </a:stretch>
+        </p:blipFill>
+        <p:spPr bwMode="auto">
+          <a:xfrm>
+            <a:off x="8183682" y="64160"/>
+            <a:ext cx="3752064" cy="907716"/>
+          </a:xfrm>
+          <a:prstGeom prst="rect">
+            <a:avLst/>
+          </a:prstGeom>
+          <a:noFill/>
+          <a:extLst>
+            <a:ext uri="{909E8E84-426E-40DD-AFC4-6F175D3DCCD1}">
+              <a14:hiddenFill xmlns:a14="http://schemas.microsoft.com/office/drawing/2010/main">
+                <a:solidFill>
+                  <a:srgbClr val="FFFFFF"/>
+                </a:solidFill>
+              </a14:hiddenFill>
+            </a:ext>
+          </a:extLst>
+        </p:spPr>
+      </p:pic>
+      <p:pic>
+        <p:nvPicPr>
+          <p:cNvPr id="4" name="Picture 2">
+            <a:extLst>
+              <a:ext uri="{FF2B5EF4-FFF2-40B4-BE49-F238E27FC236}">
+                <a16:creationId xmlns:a16="http://schemas.microsoft.com/office/drawing/2014/main" id="{5D1E4260-0391-EDE3-5730-6DD7AD72FD4B}"/>
+              </a:ext>
+            </a:extLst>
+          </p:cNvPr>
+          <p:cNvPicPr>
+            <a:picLocks noChangeArrowheads="1"/>
+          </p:cNvPicPr>
+          <p:nvPr/>
+        </p:nvPicPr>
+        <p:blipFill rotWithShape="1">
+          <a:blip r:embed="rId4">
+            <a:extLst>
+              <a:ext uri="{28A0092B-C50C-407E-A947-70E740481C1C}">
+                <a14:useLocalDpi xmlns:a14="http://schemas.microsoft.com/office/drawing/2010/main" val="0"/>
+              </a:ext>
+            </a:extLst>
+          </a:blip>
+          <a:srcRect l="3628" t="30628" r="9015" b="36375"/>
+          <a:stretch>
+            <a:fillRect/>
+          </a:stretch>
+        </p:blipFill>
+        <p:spPr bwMode="auto">
+          <a:xfrm>
+            <a:off x="257119" y="64676"/>
+            <a:ext cx="3751200" cy="907200"/>
+          </a:xfrm>
+          <a:prstGeom prst="rect">
+            <a:avLst/>
+          </a:prstGeom>
+          <a:noFill/>
+          <a:extLst>
+            <a:ext uri="{909E8E84-426E-40DD-AFC4-6F175D3DCCD1}">
+              <a14:hiddenFill xmlns:a14="http://schemas.microsoft.com/office/drawing/2010/main">
+                <a:solidFill>
+                  <a:srgbClr val="FFFFFF"/>
+                </a:solidFill>
+              </a14:hiddenFill>
+            </a:ext>
+          </a:extLst>
+        </p:spPr>
+      </p:pic>
+      <p:pic>
+        <p:nvPicPr>
+          <p:cNvPr id="5" name="Picture 4">
+            <a:extLst>
+              <a:ext uri="{FF2B5EF4-FFF2-40B4-BE49-F238E27FC236}">
+                <a16:creationId xmlns:a16="http://schemas.microsoft.com/office/drawing/2014/main" id="{E870D3F2-C21E-697C-CD9E-2232755A51B4}"/>
+              </a:ext>
+            </a:extLst>
+          </p:cNvPr>
+          <p:cNvPicPr>
+            <a:picLocks noChangeAspect="1"/>
+          </p:cNvPicPr>
+          <p:nvPr/>
+        </p:nvPicPr>
+        <p:blipFill>
+          <a:blip r:embed="rId5">
+            <a:extLst>
+              <a:ext uri="{28A0092B-C50C-407E-A947-70E740481C1C}">
+                <a14:useLocalDpi xmlns:a14="http://schemas.microsoft.com/office/drawing/2010/main" val="0"/>
+              </a:ext>
+            </a:extLst>
+          </a:blip>
+          <a:srcRect t="12778" b="12639"/>
+          <a:stretch>
+            <a:fillRect/>
+          </a:stretch>
+        </p:blipFill>
+        <p:spPr>
+          <a:xfrm>
+            <a:off x="0" y="1128373"/>
+            <a:ext cx="12192000" cy="5729627"/>
+          </a:xfrm>
+          <a:prstGeom prst="rect">
+            <a:avLst/>
+          </a:prstGeom>
+        </p:spPr>
+      </p:pic>
+    </p:spTree>
+    <p:extLst>
+      <p:ext uri="{BB962C8B-B14F-4D97-AF65-F5344CB8AC3E}">
+        <p14:creationId xmlns:p14="http://schemas.microsoft.com/office/powerpoint/2010/main" val="961346224"/>
+      </p:ext>
+    </p:extLst>
+  </p:cSld>
+  <p:clrMapOvr>
+    <a:masterClrMapping/>
+  </p:clrMapOvr>
+  <mc:AlternateContent xmlns:mc="http://schemas.openxmlformats.org/markup-compatibility/2006" xmlns:p14="http://schemas.microsoft.com/office/powerpoint/2010/main">
+    <mc:Choice Requires="p14">
+      <p:transition spd="slow" p14:dur="1300">
+        <p14:pan dir="u"/>
+      </p:transition>
+    </mc:Choice>
+    <mc:Fallback xmlns="">
+      <p:transition spd="slow">
+        <p:fade/>
+      </p:transition>
+    </mc:Fallback>
+  </mc:AlternateContent>
+</p:sld>
+</file>
+
+<file path=ppt/slides/slide2.xml><?xml version="1.0" encoding="utf-8"?>
+<p:sld xmlns:a="http://schemas.openxmlformats.org/drawingml/2006/main" xmlns:r="http://schemas.openxmlformats.org/officeDocument/2006/relationships" xmlns:p="http://schemas.openxmlformats.org/presentationml/2006/main">
+  <p:cSld>
+    <p:spTree>
+      <p:nvGrpSpPr>
+        <p:cNvPr id="1" name="">
+          <a:extLst>
+            <a:ext uri="{FF2B5EF4-FFF2-40B4-BE49-F238E27FC236}">
+              <a16:creationId xmlns:a16="http://schemas.microsoft.com/office/drawing/2014/main" id="{435B0055-2C4D-081D-BC4F-4C586BA8269A}"/>
+            </a:ext>
+          </a:extLst>
+        </p:cNvPr>
+        <p:cNvGrpSpPr/>
+        <p:nvPr/>
+      </p:nvGrpSpPr>
+      <p:grpSpPr>
+        <a:xfrm>
+          <a:off x="0" y="0"/>
+          <a:ext cx="0" cy="0"/>
+          <a:chOff x="0" y="0"/>
+          <a:chExt cx="0" cy="0"/>
+        </a:xfrm>
+      </p:grpSpPr>
+      <p:pic>
+        <p:nvPicPr>
+          <p:cNvPr id="8" name="Picture 7">
+            <a:extLst>
+              <a:ext uri="{FF2B5EF4-FFF2-40B4-BE49-F238E27FC236}">
+                <a16:creationId xmlns:a16="http://schemas.microsoft.com/office/drawing/2014/main" id="{02F054B7-053C-3210-68C8-97731640EC4E}"/>
+              </a:ext>
+            </a:extLst>
+          </p:cNvPr>
+          <p:cNvPicPr>
+            <a:picLocks noChangeAspect="1"/>
+          </p:cNvPicPr>
+          <p:nvPr/>
+        </p:nvPicPr>
+        <p:blipFill>
+          <a:blip r:embed="rId3"/>
+          <a:srcRect l="10048" t="406" r="9256" b="1442"/>
+          <a:stretch>
+            <a:fillRect/>
+          </a:stretch>
+        </p:blipFill>
+        <p:spPr>
+          <a:xfrm>
+            <a:off x="-22107" y="0"/>
+            <a:ext cx="653703" cy="6864352"/>
+          </a:xfrm>
+          <a:prstGeom prst="rect">
+            <a:avLst/>
+          </a:prstGeom>
+        </p:spPr>
+      </p:pic>
+      <p:pic>
+        <p:nvPicPr>
+          <p:cNvPr id="3" name="Picture 2">
+            <a:extLst>
+              <a:ext uri="{FF2B5EF4-FFF2-40B4-BE49-F238E27FC236}">
+                <a16:creationId xmlns:a16="http://schemas.microsoft.com/office/drawing/2014/main" id="{639CDEFF-D609-80CE-D4A4-DAC9500A5856}"/>
+              </a:ext>
+            </a:extLst>
+          </p:cNvPr>
+          <p:cNvPicPr>
+            <a:picLocks noChangeAspect="1" noChangeArrowheads="1"/>
+          </p:cNvPicPr>
+          <p:nvPr/>
+        </p:nvPicPr>
+        <p:blipFill rotWithShape="1">
+          <a:blip r:embed="rId4">
+            <a:extLst>
+              <a:ext uri="{28A0092B-C50C-407E-A947-70E740481C1C}">
+                <a14:useLocalDpi xmlns:a14="http://schemas.microsoft.com/office/drawing/2010/main" val="0"/>
+              </a:ext>
+            </a:extLst>
+          </a:blip>
+          <a:srcRect t="26099" b="30354"/>
+          <a:stretch>
+            <a:fillRect/>
+          </a:stretch>
+        </p:blipFill>
+        <p:spPr bwMode="auto">
+          <a:xfrm>
+            <a:off x="8183682" y="64160"/>
+            <a:ext cx="3752064" cy="907716"/>
+          </a:xfrm>
+          <a:prstGeom prst="rect">
+            <a:avLst/>
+          </a:prstGeom>
+          <a:noFill/>
+          <a:extLst>
+            <a:ext uri="{909E8E84-426E-40DD-AFC4-6F175D3DCCD1}">
+              <a14:hiddenFill xmlns:a14="http://schemas.microsoft.com/office/drawing/2010/main">
+                <a:solidFill>
+                  <a:srgbClr val="FFFFFF"/>
+                </a:solidFill>
+              </a14:hiddenFill>
+            </a:ext>
+          </a:extLst>
+        </p:spPr>
+      </p:pic>
+      <p:pic>
+        <p:nvPicPr>
+          <p:cNvPr id="4" name="Picture 2">
+            <a:extLst>
+              <a:ext uri="{FF2B5EF4-FFF2-40B4-BE49-F238E27FC236}">
+                <a16:creationId xmlns:a16="http://schemas.microsoft.com/office/drawing/2014/main" id="{8BD3DD5F-2306-13A1-5705-4991FB3CFA85}"/>
+              </a:ext>
+            </a:extLst>
+          </p:cNvPr>
+          <p:cNvPicPr>
+            <a:picLocks noChangeArrowheads="1"/>
+          </p:cNvPicPr>
+          <p:nvPr/>
+        </p:nvPicPr>
+        <p:blipFill rotWithShape="1">
+          <a:blip r:embed="rId5">
+            <a:extLst>
+              <a:ext uri="{28A0092B-C50C-407E-A947-70E740481C1C}">
+                <a14:useLocalDpi xmlns:a14="http://schemas.microsoft.com/office/drawing/2010/main" val="0"/>
+              </a:ext>
+            </a:extLst>
+          </a:blip>
+          <a:srcRect l="3628" t="30628" r="9015" b="36375"/>
+          <a:stretch>
+            <a:fillRect/>
+          </a:stretch>
+        </p:blipFill>
+        <p:spPr bwMode="auto">
+          <a:xfrm>
+            <a:off x="777692" y="64676"/>
+            <a:ext cx="3751200" cy="907200"/>
+          </a:xfrm>
+          <a:prstGeom prst="rect">
+            <a:avLst/>
+          </a:prstGeom>
+          <a:noFill/>
+          <a:extLst>
+            <a:ext uri="{909E8E84-426E-40DD-AFC4-6F175D3DCCD1}">
+              <a14:hiddenFill xmlns:a14="http://schemas.microsoft.com/office/drawing/2010/main">
+                <a:solidFill>
+                  <a:srgbClr val="FFFFFF"/>
+                </a:solidFill>
+              </a14:hiddenFill>
+            </a:ext>
+          </a:extLst>
+        </p:spPr>
+      </p:pic>
+      <p:sp>
+        <p:nvSpPr>
+          <p:cNvPr id="5" name="TextBox 4">
+            <a:extLst>
+              <a:ext uri="{FF2B5EF4-FFF2-40B4-BE49-F238E27FC236}">
+                <a16:creationId xmlns:a16="http://schemas.microsoft.com/office/drawing/2014/main" id="{A88C7701-232D-B91C-5FA1-A165FDA5A145}"/>
+              </a:ext>
+            </a:extLst>
+          </p:cNvPr>
+          <p:cNvSpPr txBox="1"/>
+          <p:nvPr/>
+        </p:nvSpPr>
+        <p:spPr>
+          <a:xfrm>
+            <a:off x="777692" y="1118533"/>
+            <a:ext cx="6105524" cy="523220"/>
+          </a:xfrm>
+          <a:prstGeom prst="rect">
+            <a:avLst/>
+          </a:prstGeom>
+          <a:noFill/>
+        </p:spPr>
+        <p:txBody>
+          <a:bodyPr wrap="square">
+            <a:spAutoFit/>
+          </a:bodyPr>
+          <a:lstStyle/>
+          <a:p>
+            <a:pPr>
+              <a:buNone/>
+            </a:pPr>
+            <a:r>
+              <a:rPr lang="en-GB" sz="2800" b="1" dirty="0">
+                <a:solidFill>
+                  <a:srgbClr val="51274D"/>
+                </a:solidFill>
+              </a:rPr>
+              <a:t>Problem Statement (Context)</a:t>
+            </a:r>
+          </a:p>
+        </p:txBody>
+      </p:sp>
+      <p:sp>
+        <p:nvSpPr>
+          <p:cNvPr id="2" name="Rectangle 1">
+            <a:extLst>
+              <a:ext uri="{FF2B5EF4-FFF2-40B4-BE49-F238E27FC236}">
+                <a16:creationId xmlns:a16="http://schemas.microsoft.com/office/drawing/2014/main" id="{6EAF3D8D-5174-6769-8952-1A68DE9C323F}"/>
+              </a:ext>
+            </a:extLst>
+          </p:cNvPr>
+          <p:cNvSpPr>
+            <a:spLocks noChangeArrowheads="1"/>
+          </p:cNvSpPr>
+          <p:nvPr/>
+        </p:nvSpPr>
+        <p:spPr bwMode="auto">
+          <a:xfrm>
+            <a:off x="631596" y="1641753"/>
+            <a:ext cx="4661084" cy="5016758"/>
+          </a:xfrm>
+          <a:prstGeom prst="rect">
+            <a:avLst/>
+          </a:prstGeom>
+          <a:noFill/>
+          <a:ln>
+            <a:noFill/>
+          </a:ln>
+          <a:effectLst/>
+          <a:extLst>
+            <a:ext uri="{909E8E84-426E-40DD-AFC4-6F175D3DCCD1}">
+              <a14:hiddenFill xmlns:a14="http://schemas.microsoft.com/office/drawing/2010/main">
+                <a:solidFill>
+                  <a:schemeClr val="accent1"/>
+                </a:solidFill>
+              </a14:hiddenFill>
+            </a:ext>
+            <a:ext uri="{91240B29-F687-4F45-9708-019B960494DF}">
+              <a14:hiddenLine xmlns:a14="http://schemas.microsoft.com/office/drawing/2010/main" w="9525">
+                <a:solidFill>
+                  <a:schemeClr val="tx1"/>
+                </a:solidFill>
+                <a:miter lim="800000"/>
+                <a:headEnd/>
+                <a:tailEnd/>
+              </a14:hiddenLine>
+            </a:ext>
+            <a:ext uri="{AF507438-7753-43E0-B8FC-AC1667EBCBE1}">
+              <a14:hiddenEffects xmlns:a14="http://schemas.microsoft.com/office/drawing/2010/main">
+                <a:effectLst>
+                  <a:outerShdw dist="35921" dir="2700000" algn="ctr" rotWithShape="0">
+                    <a:schemeClr val="bg2"/>
+                  </a:outerShdw>
+                </a:effectLst>
+              </a14:hiddenEffects>
+            </a:ext>
+          </a:extLst>
+        </p:spPr>
+        <p:txBody>
+          <a:bodyPr vert="horz" wrap="square" lIns="91440" tIns="45720" rIns="91440" bIns="45720" numCol="1" anchor="ctr" anchorCtr="0" compatLnSpc="1">
+            <a:prstTxWarp prst="textNoShape">
+              <a:avLst/>
+            </a:prstTxWarp>
+            <a:spAutoFit/>
+          </a:bodyPr>
+          <a:lstStyle/>
+          <a:p>
+            <a:pPr marL="285750" marR="0" lvl="0" indent="-285750" algn="just" defTabSz="914400" rtl="0" eaLnBrk="0" fontAlgn="base" latinLnBrk="0" hangingPunct="0">
+              <a:lnSpc>
+                <a:spcPct val="100000"/>
+              </a:lnSpc>
+              <a:spcBef>
+                <a:spcPct val="0"/>
+              </a:spcBef>
+              <a:spcAft>
+                <a:spcPct val="0"/>
+              </a:spcAft>
+              <a:buClrTx/>
+              <a:buSzTx/>
+              <a:buFont typeface="Arial" panose="020B0604020202020204" pitchFamily="34" charset="0"/>
+              <a:buChar char="•"/>
+              <a:tabLst/>
+            </a:pPr>
+            <a:r>
+              <a:rPr kumimoji="0" lang="en-US" altLang="en-US" sz="2000" b="0" i="0" u="none" strike="noStrike" cap="none" normalizeH="0" baseline="0" dirty="0">
+                <a:ln>
+                  <a:noFill/>
+                </a:ln>
+                <a:solidFill>
+                  <a:schemeClr val="tx1"/>
+                </a:solidFill>
+                <a:effectLst/>
+                <a:cs typeface="Arial" panose="020B0604020202020204" pitchFamily="34" charset="0"/>
+              </a:rPr>
+              <a:t>Power grids suffer from unplanned outages, severe weather, and aging infrastructure.</a:t>
+            </a:r>
+          </a:p>
+          <a:p>
+            <a:pPr marL="285750" marR="0" lvl="0" indent="-285750" algn="just" defTabSz="914400" rtl="0" eaLnBrk="0" fontAlgn="base" latinLnBrk="0" hangingPunct="0">
+              <a:lnSpc>
+                <a:spcPct val="100000"/>
+              </a:lnSpc>
+              <a:spcBef>
+                <a:spcPct val="0"/>
+              </a:spcBef>
+              <a:spcAft>
+                <a:spcPct val="0"/>
+              </a:spcAft>
+              <a:buClrTx/>
+              <a:buSzTx/>
+              <a:buFont typeface="Arial" panose="020B0604020202020204" pitchFamily="34" charset="0"/>
+              <a:buChar char="•"/>
+              <a:tabLst/>
+            </a:pPr>
+            <a:r>
+              <a:rPr kumimoji="0" lang="en-US" altLang="en-US" sz="2000" b="1" i="0" u="none" strike="noStrike" cap="none" normalizeH="0" baseline="0" dirty="0">
+                <a:ln>
+                  <a:noFill/>
+                </a:ln>
+                <a:solidFill>
+                  <a:schemeClr val="tx1"/>
+                </a:solidFill>
+                <a:effectLst/>
+                <a:cs typeface="Arial" panose="020B0604020202020204" pitchFamily="34" charset="0"/>
+              </a:rPr>
+              <a:t>85% of outages are weather-related</a:t>
+            </a:r>
+            <a:r>
+              <a:rPr kumimoji="0" lang="en-US" altLang="en-US" sz="2000" b="0" i="0" u="none" strike="noStrike" cap="none" normalizeH="0" baseline="0" dirty="0">
+                <a:ln>
+                  <a:noFill/>
+                </a:ln>
+                <a:solidFill>
+                  <a:schemeClr val="tx1"/>
+                </a:solidFill>
+                <a:effectLst/>
+                <a:cs typeface="Arial" panose="020B0604020202020204" pitchFamily="34" charset="0"/>
+              </a:rPr>
+              <a:t>, causing </a:t>
+            </a:r>
+            <a:r>
+              <a:rPr kumimoji="0" lang="en-US" altLang="en-US" sz="2000" b="1" i="0" u="none" strike="noStrike" cap="none" normalizeH="0" baseline="0" dirty="0">
+                <a:ln>
+                  <a:noFill/>
+                </a:ln>
+                <a:solidFill>
+                  <a:schemeClr val="tx1"/>
+                </a:solidFill>
+                <a:effectLst/>
+                <a:cs typeface="Arial" panose="020B0604020202020204" pitchFamily="34" charset="0"/>
+              </a:rPr>
+              <a:t>₹2,400+ crore annual losses</a:t>
+            </a:r>
+            <a:r>
+              <a:rPr kumimoji="0" lang="en-US" altLang="en-US" sz="2000" b="0" i="0" u="none" strike="noStrike" cap="none" normalizeH="0" baseline="0" dirty="0">
+                <a:ln>
+                  <a:noFill/>
+                </a:ln>
+                <a:solidFill>
+                  <a:schemeClr val="tx1"/>
+                </a:solidFill>
+                <a:effectLst/>
+                <a:cs typeface="Arial" panose="020B0604020202020204" pitchFamily="34" charset="0"/>
+              </a:rPr>
+              <a:t> and critical disruptions.</a:t>
+            </a:r>
+          </a:p>
+          <a:p>
+            <a:pPr marL="285750" marR="0" lvl="0" indent="-285750" algn="just" defTabSz="914400" rtl="0" eaLnBrk="0" fontAlgn="base" latinLnBrk="0" hangingPunct="0">
+              <a:lnSpc>
+                <a:spcPct val="100000"/>
+              </a:lnSpc>
+              <a:spcBef>
+                <a:spcPct val="0"/>
+              </a:spcBef>
+              <a:spcAft>
+                <a:spcPct val="0"/>
+              </a:spcAft>
+              <a:buClrTx/>
+              <a:buSzTx/>
+              <a:buFont typeface="Arial" panose="020B0604020202020204" pitchFamily="34" charset="0"/>
+              <a:buChar char="•"/>
+              <a:tabLst/>
+            </a:pPr>
+            <a:r>
+              <a:rPr kumimoji="0" lang="en-US" altLang="en-US" sz="2000" b="0" i="0" u="none" strike="noStrike" cap="none" normalizeH="0" baseline="0" dirty="0">
+                <a:ln>
+                  <a:noFill/>
+                </a:ln>
+                <a:solidFill>
+                  <a:schemeClr val="tx1"/>
+                </a:solidFill>
+                <a:effectLst/>
+                <a:cs typeface="Arial" panose="020B0604020202020204" pitchFamily="34" charset="0"/>
+              </a:rPr>
+              <a:t>Hospitals, industries, and citizens remain unprepared for sudden blackouts.</a:t>
+            </a:r>
+          </a:p>
+          <a:p>
+            <a:pPr marL="285750" marR="0" lvl="0" indent="-285750" algn="just" defTabSz="914400" rtl="0" eaLnBrk="0" fontAlgn="base" latinLnBrk="0" hangingPunct="0">
+              <a:lnSpc>
+                <a:spcPct val="100000"/>
+              </a:lnSpc>
+              <a:spcBef>
+                <a:spcPct val="0"/>
+              </a:spcBef>
+              <a:spcAft>
+                <a:spcPct val="0"/>
+              </a:spcAft>
+              <a:buClrTx/>
+              <a:buSzTx/>
+              <a:buFont typeface="Arial" panose="020B0604020202020204" pitchFamily="34" charset="0"/>
+              <a:buChar char="•"/>
+              <a:tabLst/>
+            </a:pPr>
+            <a:r>
+              <a:rPr kumimoji="0" lang="en-US" altLang="en-US" sz="2000" b="0" i="0" u="none" strike="noStrike" cap="none" normalizeH="0" baseline="0" dirty="0">
+                <a:ln>
+                  <a:noFill/>
+                </a:ln>
+                <a:solidFill>
+                  <a:schemeClr val="tx1"/>
+                </a:solidFill>
+                <a:effectLst/>
+                <a:cs typeface="Arial" panose="020B0604020202020204" pitchFamily="34" charset="0"/>
+              </a:rPr>
+              <a:t>Current systems lack </a:t>
+            </a:r>
+            <a:r>
+              <a:rPr kumimoji="0" lang="en-US" altLang="en-US" sz="2000" b="1" i="0" u="none" strike="noStrike" cap="none" normalizeH="0" baseline="0" dirty="0">
+                <a:ln>
+                  <a:noFill/>
+                </a:ln>
+                <a:solidFill>
+                  <a:schemeClr val="tx1"/>
+                </a:solidFill>
+                <a:effectLst/>
+                <a:cs typeface="Arial" panose="020B0604020202020204" pitchFamily="34" charset="0"/>
+              </a:rPr>
+              <a:t>predictive capability</a:t>
+            </a:r>
+            <a:r>
+              <a:rPr kumimoji="0" lang="en-US" altLang="en-US" sz="2000" b="0" i="0" u="none" strike="noStrike" cap="none" normalizeH="0" baseline="0" dirty="0">
+                <a:ln>
+                  <a:noFill/>
+                </a:ln>
+                <a:solidFill>
+                  <a:schemeClr val="tx1"/>
+                </a:solidFill>
+                <a:effectLst/>
+                <a:cs typeface="Arial" panose="020B0604020202020204" pitchFamily="34" charset="0"/>
+              </a:rPr>
+              <a:t>, making response slow and reactive.</a:t>
+            </a:r>
+          </a:p>
+          <a:p>
+            <a:pPr marR="0" lvl="0" algn="just" defTabSz="914400" rtl="0" eaLnBrk="0" fontAlgn="base" latinLnBrk="0" hangingPunct="0">
+              <a:lnSpc>
+                <a:spcPct val="100000"/>
+              </a:lnSpc>
+              <a:spcBef>
+                <a:spcPct val="0"/>
+              </a:spcBef>
+              <a:spcAft>
+                <a:spcPct val="0"/>
+              </a:spcAft>
+              <a:buClrTx/>
+              <a:buSzTx/>
+              <a:tabLst/>
+            </a:pPr>
+            <a:r>
+              <a:rPr kumimoji="0" lang="en-US" altLang="en-US" sz="2000" b="1" i="0" u="none" strike="noStrike" cap="none" normalizeH="0" baseline="0" dirty="0">
+                <a:ln>
+                  <a:noFill/>
+                </a:ln>
+                <a:solidFill>
+                  <a:srgbClr val="002060"/>
+                </a:solidFill>
+                <a:effectLst/>
+                <a:cs typeface="Arial" panose="020B0604020202020204" pitchFamily="34" charset="0"/>
+              </a:rPr>
+              <a:t>Why important to solve?</a:t>
+            </a:r>
+            <a:r>
+              <a:rPr kumimoji="0" lang="en-US" altLang="en-US" sz="2000" b="0" i="0" u="none" strike="noStrike" cap="none" normalizeH="0" baseline="0" dirty="0">
+                <a:ln>
+                  <a:noFill/>
+                </a:ln>
+                <a:solidFill>
+                  <a:srgbClr val="002060"/>
+                </a:solidFill>
+                <a:effectLst/>
+                <a:cs typeface="Arial" panose="020B0604020202020204" pitchFamily="34" charset="0"/>
+              </a:rPr>
+              <a:t> </a:t>
+            </a:r>
+          </a:p>
+          <a:p>
+            <a:pPr marR="0" lvl="0" algn="just" defTabSz="914400" rtl="0" eaLnBrk="0" fontAlgn="base" latinLnBrk="0" hangingPunct="0">
+              <a:lnSpc>
+                <a:spcPct val="100000"/>
+              </a:lnSpc>
+              <a:spcBef>
+                <a:spcPct val="0"/>
+              </a:spcBef>
+              <a:spcAft>
+                <a:spcPct val="0"/>
+              </a:spcAft>
+              <a:buClrTx/>
+              <a:buSzTx/>
+              <a:tabLst/>
+            </a:pPr>
+            <a:r>
+              <a:rPr kumimoji="0" lang="en-US" altLang="en-US" sz="2000" b="0" i="0" u="none" strike="noStrike" cap="none" normalizeH="0" baseline="0" dirty="0">
+                <a:ln>
+                  <a:noFill/>
+                </a:ln>
+                <a:solidFill>
+                  <a:schemeClr val="tx1"/>
+                </a:solidFill>
+                <a:effectLst/>
+                <a:cs typeface="Arial" panose="020B0604020202020204" pitchFamily="34" charset="0"/>
+              </a:rPr>
+              <a:t>Because a </a:t>
+            </a:r>
+            <a:r>
+              <a:rPr kumimoji="0" lang="en-US" altLang="en-US" sz="2000" b="1" i="0" u="none" strike="noStrike" cap="none" normalizeH="0" baseline="0" dirty="0">
+                <a:ln>
+                  <a:noFill/>
+                </a:ln>
+                <a:solidFill>
+                  <a:schemeClr val="tx1"/>
+                </a:solidFill>
+                <a:effectLst/>
+                <a:cs typeface="Arial" panose="020B0604020202020204" pitchFamily="34" charset="0"/>
+              </a:rPr>
+              <a:t>proactive, AI-driven early warning system</a:t>
+            </a:r>
+            <a:r>
+              <a:rPr kumimoji="0" lang="en-US" altLang="en-US" sz="2000" b="0" i="0" u="none" strike="noStrike" cap="none" normalizeH="0" baseline="0" dirty="0">
+                <a:ln>
+                  <a:noFill/>
+                </a:ln>
+                <a:solidFill>
+                  <a:schemeClr val="tx1"/>
+                </a:solidFill>
+                <a:effectLst/>
+                <a:cs typeface="Arial" panose="020B0604020202020204" pitchFamily="34" charset="0"/>
+              </a:rPr>
+              <a:t> can reduce downtime, save lives, and improve grid resilience.</a:t>
+            </a:r>
+          </a:p>
+        </p:txBody>
+      </p:sp>
+      <p:pic>
+        <p:nvPicPr>
+          <p:cNvPr id="7" name="Picture 6">
+            <a:extLst>
+              <a:ext uri="{FF2B5EF4-FFF2-40B4-BE49-F238E27FC236}">
+                <a16:creationId xmlns:a16="http://schemas.microsoft.com/office/drawing/2014/main" id="{160079E3-5C17-7C03-8144-291061BB6A20}"/>
+              </a:ext>
+            </a:extLst>
+          </p:cNvPr>
+          <p:cNvPicPr>
+            <a:picLocks noChangeAspect="1"/>
+          </p:cNvPicPr>
+          <p:nvPr/>
+        </p:nvPicPr>
+        <p:blipFill>
+          <a:blip r:embed="rId6">
+            <a:extLst>
+              <a:ext uri="{28A0092B-C50C-407E-A947-70E740481C1C}">
+                <a14:useLocalDpi xmlns:a14="http://schemas.microsoft.com/office/drawing/2010/main" val="0"/>
+              </a:ext>
+            </a:extLst>
+          </a:blip>
+          <a:stretch>
+            <a:fillRect/>
+          </a:stretch>
+        </p:blipFill>
+        <p:spPr>
+          <a:xfrm>
+            <a:off x="5438776" y="1118532"/>
+            <a:ext cx="6753224" cy="5539979"/>
+          </a:xfrm>
+          <a:prstGeom prst="rect">
+            <a:avLst/>
+          </a:prstGeom>
+        </p:spPr>
+      </p:pic>
+    </p:spTree>
+    <p:extLst>
+      <p:ext uri="{BB962C8B-B14F-4D97-AF65-F5344CB8AC3E}">
+        <p14:creationId xmlns:p14="http://schemas.microsoft.com/office/powerpoint/2010/main" val="1758408415"/>
+      </p:ext>
+    </p:extLst>
+  </p:cSld>
+  <p:clrMapOvr>
+    <a:masterClrMapping/>
+  </p:clrMapOvr>
+</p:sld>
+</file>
+
+<file path=ppt/slides/slide3.xml><?xml version="1.0" encoding="utf-8"?>
+<p:sld xmlns:a="http://schemas.openxmlformats.org/drawingml/2006/main" xmlns:r="http://schemas.openxmlformats.org/officeDocument/2006/relationships" xmlns:p="http://schemas.openxmlformats.org/presentationml/2006/main">
+  <p:cSld>
+    <p:spTree>
+      <p:nvGrpSpPr>
+        <p:cNvPr id="1" name="">
+          <a:extLst>
+            <a:ext uri="{FF2B5EF4-FFF2-40B4-BE49-F238E27FC236}">
+              <a16:creationId xmlns:a16="http://schemas.microsoft.com/office/drawing/2014/main" id="{99BE6195-051D-3599-F380-868F720D7E65}"/>
+            </a:ext>
+          </a:extLst>
+        </p:cNvPr>
+        <p:cNvGrpSpPr/>
+        <p:nvPr/>
+      </p:nvGrpSpPr>
+      <p:grpSpPr>
+        <a:xfrm>
+          <a:off x="0" y="0"/>
+          <a:ext cx="0" cy="0"/>
+          <a:chOff x="0" y="0"/>
+          <a:chExt cx="0" cy="0"/>
+        </a:xfrm>
+      </p:grpSpPr>
+      <p:pic>
+        <p:nvPicPr>
+          <p:cNvPr id="8" name="Picture 7">
+            <a:extLst>
+              <a:ext uri="{FF2B5EF4-FFF2-40B4-BE49-F238E27FC236}">
+                <a16:creationId xmlns:a16="http://schemas.microsoft.com/office/drawing/2014/main" id="{FC57C818-7579-D27F-938A-197A0881FA1F}"/>
+              </a:ext>
+            </a:extLst>
+          </p:cNvPr>
+          <p:cNvPicPr>
+            <a:picLocks noChangeAspect="1"/>
+          </p:cNvPicPr>
+          <p:nvPr/>
+        </p:nvPicPr>
+        <p:blipFill>
+          <a:blip r:embed="rId3"/>
+          <a:srcRect l="10048" t="406" r="9256" b="1442"/>
+          <a:stretch>
+            <a:fillRect/>
+          </a:stretch>
+        </p:blipFill>
+        <p:spPr>
+          <a:xfrm>
+            <a:off x="-22107" y="0"/>
+            <a:ext cx="653703" cy="6864352"/>
+          </a:xfrm>
+          <a:prstGeom prst="rect">
+            <a:avLst/>
+          </a:prstGeom>
+        </p:spPr>
+      </p:pic>
+      <p:pic>
+        <p:nvPicPr>
+          <p:cNvPr id="3" name="Picture 2">
+            <a:extLst>
+              <a:ext uri="{FF2B5EF4-FFF2-40B4-BE49-F238E27FC236}">
+                <a16:creationId xmlns:a16="http://schemas.microsoft.com/office/drawing/2014/main" id="{C70DBF7E-D574-1C10-5DAB-8669AC0100D7}"/>
+              </a:ext>
+            </a:extLst>
+          </p:cNvPr>
+          <p:cNvPicPr>
+            <a:picLocks noChangeAspect="1" noChangeArrowheads="1"/>
+          </p:cNvPicPr>
+          <p:nvPr/>
+        </p:nvPicPr>
+        <p:blipFill rotWithShape="1">
+          <a:blip r:embed="rId4">
+            <a:extLst>
+              <a:ext uri="{28A0092B-C50C-407E-A947-70E740481C1C}">
+                <a14:useLocalDpi xmlns:a14="http://schemas.microsoft.com/office/drawing/2010/main" val="0"/>
+              </a:ext>
+            </a:extLst>
+          </a:blip>
+          <a:srcRect t="26099" b="30354"/>
+          <a:stretch>
+            <a:fillRect/>
+          </a:stretch>
+        </p:blipFill>
+        <p:spPr bwMode="auto">
+          <a:xfrm>
+            <a:off x="8183682" y="64160"/>
+            <a:ext cx="3752064" cy="907716"/>
+          </a:xfrm>
+          <a:prstGeom prst="rect">
+            <a:avLst/>
+          </a:prstGeom>
+          <a:noFill/>
+          <a:extLst>
+            <a:ext uri="{909E8E84-426E-40DD-AFC4-6F175D3DCCD1}">
+              <a14:hiddenFill xmlns:a14="http://schemas.microsoft.com/office/drawing/2010/main">
+                <a:solidFill>
+                  <a:srgbClr val="FFFFFF"/>
+                </a:solidFill>
+              </a14:hiddenFill>
+            </a:ext>
+          </a:extLst>
+        </p:spPr>
+      </p:pic>
+      <p:pic>
+        <p:nvPicPr>
+          <p:cNvPr id="4" name="Picture 2">
+            <a:extLst>
+              <a:ext uri="{FF2B5EF4-FFF2-40B4-BE49-F238E27FC236}">
+                <a16:creationId xmlns:a16="http://schemas.microsoft.com/office/drawing/2014/main" id="{75FC40FE-2044-CD63-7BD5-E8834818F80B}"/>
+              </a:ext>
+            </a:extLst>
+          </p:cNvPr>
+          <p:cNvPicPr>
+            <a:picLocks noChangeArrowheads="1"/>
+          </p:cNvPicPr>
+          <p:nvPr/>
+        </p:nvPicPr>
+        <p:blipFill rotWithShape="1">
+          <a:blip r:embed="rId5">
+            <a:extLst>
+              <a:ext uri="{28A0092B-C50C-407E-A947-70E740481C1C}">
+                <a14:useLocalDpi xmlns:a14="http://schemas.microsoft.com/office/drawing/2010/main" val="0"/>
+              </a:ext>
+            </a:extLst>
+          </a:blip>
+          <a:srcRect l="3628" t="30628" r="9015" b="36375"/>
+          <a:stretch>
+            <a:fillRect/>
+          </a:stretch>
+        </p:blipFill>
+        <p:spPr bwMode="auto">
+          <a:xfrm>
+            <a:off x="777692" y="64676"/>
+            <a:ext cx="3751200" cy="907200"/>
+          </a:xfrm>
+          <a:prstGeom prst="rect">
+            <a:avLst/>
+          </a:prstGeom>
+          <a:noFill/>
+          <a:extLst>
+            <a:ext uri="{909E8E84-426E-40DD-AFC4-6F175D3DCCD1}">
+              <a14:hiddenFill xmlns:a14="http://schemas.microsoft.com/office/drawing/2010/main">
+                <a:solidFill>
+                  <a:srgbClr val="FFFFFF"/>
+                </a:solidFill>
+              </a14:hiddenFill>
+            </a:ext>
+          </a:extLst>
+        </p:spPr>
+      </p:pic>
+      <p:sp>
+        <p:nvSpPr>
+          <p:cNvPr id="5" name="TextBox 4">
+            <a:extLst>
+              <a:ext uri="{FF2B5EF4-FFF2-40B4-BE49-F238E27FC236}">
+                <a16:creationId xmlns:a16="http://schemas.microsoft.com/office/drawing/2014/main" id="{D425D5C6-6028-EDC0-40CB-09BF4FC3664C}"/>
+              </a:ext>
+            </a:extLst>
+          </p:cNvPr>
+          <p:cNvSpPr txBox="1"/>
+          <p:nvPr/>
+        </p:nvSpPr>
+        <p:spPr>
+          <a:xfrm>
+            <a:off x="587192" y="914792"/>
+            <a:ext cx="5832658" cy="523220"/>
+          </a:xfrm>
+          <a:prstGeom prst="rect">
+            <a:avLst/>
+          </a:prstGeom>
+          <a:noFill/>
+        </p:spPr>
+        <p:txBody>
+          <a:bodyPr wrap="square">
+            <a:spAutoFit/>
+          </a:bodyPr>
+          <a:lstStyle/>
+          <a:p>
+            <a:pPr>
+              <a:buNone/>
+            </a:pPr>
+            <a:r>
+              <a:rPr lang="en-GB" sz="2800" b="1" dirty="0">
+                <a:solidFill>
+                  <a:srgbClr val="51274D"/>
+                </a:solidFill>
+              </a:rPr>
+              <a:t>Objective &amp; Solution Idea</a:t>
+            </a:r>
+            <a:endParaRPr lang="en-IN" dirty="0"/>
+          </a:p>
+        </p:txBody>
+      </p:sp>
+      <p:sp>
+        <p:nvSpPr>
+          <p:cNvPr id="6" name="TextBox 5">
+            <a:extLst>
+              <a:ext uri="{FF2B5EF4-FFF2-40B4-BE49-F238E27FC236}">
+                <a16:creationId xmlns:a16="http://schemas.microsoft.com/office/drawing/2014/main" id="{22D6748D-A383-7743-A3F2-459D865A1FDD}"/>
+              </a:ext>
+            </a:extLst>
+          </p:cNvPr>
+          <p:cNvSpPr txBox="1"/>
+          <p:nvPr/>
+        </p:nvSpPr>
+        <p:spPr>
+          <a:xfrm>
+            <a:off x="623545" y="1428224"/>
+            <a:ext cx="5934350" cy="5355312"/>
+          </a:xfrm>
+          <a:prstGeom prst="rect">
+            <a:avLst/>
+          </a:prstGeom>
+          <a:noFill/>
+        </p:spPr>
+        <p:txBody>
+          <a:bodyPr wrap="square">
+            <a:spAutoFit/>
+          </a:bodyPr>
+          <a:lstStyle/>
+          <a:p>
+            <a:pPr lvl="0" algn="just" eaLnBrk="0" fontAlgn="base" hangingPunct="0">
+              <a:spcBef>
+                <a:spcPct val="0"/>
+              </a:spcBef>
+              <a:spcAft>
+                <a:spcPct val="0"/>
+              </a:spcAft>
+            </a:pPr>
+            <a:r>
+              <a:rPr lang="en-US" altLang="en-US" b="1" dirty="0">
+                <a:solidFill>
+                  <a:srgbClr val="002060"/>
+                </a:solidFill>
+              </a:rPr>
+              <a:t>Objective</a:t>
+            </a:r>
+            <a:r>
+              <a:rPr lang="en-US" altLang="en-US" dirty="0"/>
+              <a:t>: </a:t>
+            </a:r>
+            <a:r>
+              <a:rPr lang="en-US" dirty="0"/>
+              <a:t>Forecast district / substation outage risk 24 hours ahead and deliver actionable, location-specific advisories.</a:t>
+            </a:r>
+            <a:endParaRPr lang="en-US" altLang="en-US" dirty="0"/>
+          </a:p>
+          <a:p>
+            <a:pPr lvl="0" algn="just" eaLnBrk="0" fontAlgn="base" hangingPunct="0">
+              <a:spcBef>
+                <a:spcPct val="0"/>
+              </a:spcBef>
+              <a:spcAft>
+                <a:spcPct val="0"/>
+              </a:spcAft>
+            </a:pPr>
+            <a:r>
+              <a:rPr lang="en-US" altLang="en-US" b="1" dirty="0">
+                <a:solidFill>
+                  <a:srgbClr val="002060"/>
+                </a:solidFill>
+              </a:rPr>
+              <a:t>Solution</a:t>
+            </a:r>
+            <a:r>
+              <a:rPr lang="en-US" altLang="en-US" dirty="0"/>
+              <a:t>: </a:t>
+            </a:r>
+            <a:r>
+              <a:rPr lang="en-US" dirty="0"/>
+              <a:t>A decision-intelligence platform that fuses IMD, weather feeds + grid historical data, outputs a </a:t>
+            </a:r>
+            <a:r>
+              <a:rPr lang="en-US" b="1" dirty="0"/>
+              <a:t>risk score + confidence interval</a:t>
+            </a:r>
+            <a:r>
+              <a:rPr lang="en-US" dirty="0"/>
+              <a:t>, explains </a:t>
+            </a:r>
+            <a:r>
+              <a:rPr lang="en-US" i="1" dirty="0"/>
+              <a:t>why</a:t>
+            </a:r>
+            <a:r>
+              <a:rPr lang="en-US" dirty="0"/>
+              <a:t> (SHAP), </a:t>
+            </a:r>
+            <a:r>
+              <a:rPr lang="en-US" b="1" dirty="0"/>
+              <a:t>pinpoints</a:t>
+            </a:r>
+            <a:r>
+              <a:rPr lang="en-US" dirty="0"/>
+              <a:t> affected locations on a GIS map and generates plain-language </a:t>
+            </a:r>
+            <a:r>
+              <a:rPr lang="en-US" b="1" dirty="0"/>
+              <a:t>advisories</a:t>
+            </a:r>
+            <a:r>
+              <a:rPr lang="en-US" dirty="0"/>
+              <a:t> and </a:t>
+            </a:r>
+            <a:r>
+              <a:rPr lang="en-US" b="1" dirty="0"/>
+              <a:t>what-if</a:t>
+            </a:r>
+            <a:r>
+              <a:rPr lang="en-US" dirty="0"/>
+              <a:t> scenarios.</a:t>
+            </a:r>
+          </a:p>
+          <a:p>
+            <a:pPr lvl="0" algn="just" eaLnBrk="0" fontAlgn="base" hangingPunct="0">
+              <a:spcBef>
+                <a:spcPct val="0"/>
+              </a:spcBef>
+              <a:spcAft>
+                <a:spcPct val="0"/>
+              </a:spcAft>
+            </a:pPr>
+            <a:endParaRPr lang="en-US" dirty="0"/>
+          </a:p>
+          <a:p>
+            <a:pPr lvl="0" eaLnBrk="0" fontAlgn="base" hangingPunct="0">
+              <a:spcBef>
+                <a:spcPct val="0"/>
+              </a:spcBef>
+              <a:spcAft>
+                <a:spcPct val="0"/>
+              </a:spcAft>
+            </a:pPr>
+            <a:r>
+              <a:rPr lang="en-US" altLang="en-US" b="1" dirty="0">
+                <a:solidFill>
+                  <a:srgbClr val="002060"/>
+                </a:solidFill>
+              </a:rPr>
+              <a:t>What makes my project unique:</a:t>
+            </a:r>
+          </a:p>
+          <a:p>
+            <a:pPr marL="285750" indent="-285750" algn="just">
+              <a:buFont typeface="Wingdings" panose="05000000000000000000" pitchFamily="2" charset="2"/>
+              <a:buChar char="§"/>
+            </a:pPr>
+            <a:r>
+              <a:rPr lang="en-IN" b="1" dirty="0"/>
+              <a:t>Hybrid AI Architecture: </a:t>
+            </a:r>
+            <a:r>
+              <a:rPr lang="en-IN" dirty="0" err="1"/>
+              <a:t>LSTM+XGBoost</a:t>
+            </a:r>
+            <a:r>
+              <a:rPr lang="en-IN" dirty="0"/>
+              <a:t> ensemble for power forecasting</a:t>
+            </a:r>
+          </a:p>
+          <a:p>
+            <a:pPr marL="285750" indent="-285750" algn="just">
+              <a:buFont typeface="Wingdings" panose="05000000000000000000" pitchFamily="2" charset="2"/>
+              <a:buChar char="§"/>
+            </a:pPr>
+            <a:r>
+              <a:rPr lang="en-IN" b="1" dirty="0"/>
+              <a:t>Real-time Integration: </a:t>
+            </a:r>
+            <a:r>
+              <a:rPr lang="en-IN" dirty="0"/>
+              <a:t>Live weather APIs with Multi-source Data fusion: Weather, Grid, Geospatial.</a:t>
+            </a:r>
+          </a:p>
+          <a:p>
+            <a:pPr marL="285750" indent="-285750" algn="just">
+              <a:buFont typeface="Wingdings" panose="05000000000000000000" pitchFamily="2" charset="2"/>
+              <a:buChar char="§"/>
+            </a:pPr>
+            <a:r>
+              <a:rPr lang="en-IN" b="1" dirty="0"/>
+              <a:t>Explainable AI</a:t>
+            </a:r>
+            <a:r>
+              <a:rPr lang="en-IN" dirty="0"/>
+              <a:t>: SHAP-powered explanations for regulatory compliance</a:t>
+            </a:r>
+          </a:p>
+          <a:p>
+            <a:pPr marL="285750" indent="-285750" algn="just">
+              <a:buFont typeface="Wingdings" panose="05000000000000000000" pitchFamily="2" charset="2"/>
+              <a:buChar char="§"/>
+            </a:pPr>
+            <a:r>
+              <a:rPr lang="en-US" dirty="0"/>
+              <a:t>Interactive </a:t>
+            </a:r>
+            <a:r>
+              <a:rPr lang="en-US" b="1" dirty="0"/>
+              <a:t>what-if simulator</a:t>
+            </a:r>
+            <a:r>
+              <a:rPr lang="en-US" dirty="0"/>
+              <a:t> to evaluate mitigation impact.</a:t>
+            </a:r>
+            <a:endParaRPr lang="en-IN" dirty="0"/>
+          </a:p>
+          <a:p>
+            <a:pPr marL="285750" indent="-285750" algn="just">
+              <a:buFont typeface="Wingdings" panose="05000000000000000000" pitchFamily="2" charset="2"/>
+              <a:buChar char="§"/>
+            </a:pPr>
+            <a:r>
+              <a:rPr lang="en-IN" b="1" dirty="0"/>
+              <a:t>Geographic Intelligence</a:t>
+            </a:r>
+            <a:r>
+              <a:rPr lang="en-IN" dirty="0"/>
+              <a:t>: ESCOM-specific </a:t>
+            </a:r>
+            <a:r>
+              <a:rPr lang="en-IN" dirty="0" err="1"/>
+              <a:t>modeling</a:t>
+            </a:r>
+            <a:r>
+              <a:rPr lang="en-IN" dirty="0"/>
+              <a:t> for Karnataka's unique grid structure</a:t>
+            </a:r>
+          </a:p>
+        </p:txBody>
+      </p:sp>
+      <p:pic>
+        <p:nvPicPr>
+          <p:cNvPr id="7" name="Picture 6">
+            <a:extLst>
+              <a:ext uri="{FF2B5EF4-FFF2-40B4-BE49-F238E27FC236}">
+                <a16:creationId xmlns:a16="http://schemas.microsoft.com/office/drawing/2014/main" id="{D6A7A639-EA59-C0C7-B5F1-87ECBB074DFE}"/>
+              </a:ext>
+            </a:extLst>
+          </p:cNvPr>
+          <p:cNvPicPr>
+            <a:picLocks noChangeAspect="1"/>
+          </p:cNvPicPr>
+          <p:nvPr/>
+        </p:nvPicPr>
+        <p:blipFill>
+          <a:blip r:embed="rId6">
+            <a:extLst>
+              <a:ext uri="{28A0092B-C50C-407E-A947-70E740481C1C}">
+                <a14:useLocalDpi xmlns:a14="http://schemas.microsoft.com/office/drawing/2010/main" val="0"/>
+              </a:ext>
+            </a:extLst>
+          </a:blip>
+          <a:stretch>
+            <a:fillRect/>
+          </a:stretch>
+        </p:blipFill>
+        <p:spPr>
+          <a:xfrm>
+            <a:off x="6557895" y="971876"/>
+            <a:ext cx="5634106" cy="5821964"/>
+          </a:xfrm>
+          <a:prstGeom prst="rect">
+            <a:avLst/>
+          </a:prstGeom>
+        </p:spPr>
+      </p:pic>
+    </p:spTree>
+    <p:extLst>
+      <p:ext uri="{BB962C8B-B14F-4D97-AF65-F5344CB8AC3E}">
+        <p14:creationId xmlns:p14="http://schemas.microsoft.com/office/powerpoint/2010/main" val="737914312"/>
+      </p:ext>
+    </p:extLst>
+  </p:cSld>
+  <p:clrMapOvr>
+    <a:masterClrMapping/>
+  </p:clrMapOvr>
+  <mc:AlternateContent xmlns:mc="http://schemas.openxmlformats.org/markup-compatibility/2006" xmlns:p14="http://schemas.microsoft.com/office/powerpoint/2010/main">
+    <mc:Choice Requires="p14">
+      <p:transition spd="slow" p14:dur="1300">
+        <p14:pan dir="u"/>
+      </p:transition>
+    </mc:Choice>
+    <mc:Fallback xmlns="">
+      <p:transition spd="slow">
+        <p:fade/>
+      </p:transition>
+    </mc:Fallback>
+  </mc:AlternateContent>
+</p:sld>
+</file>
+
+<file path=ppt/slides/slide4.xml><?xml version="1.0" encoding="utf-8"?>
+<p:sld xmlns:a="http://schemas.openxmlformats.org/drawingml/2006/main" xmlns:r="http://schemas.openxmlformats.org/officeDocument/2006/relationships" xmlns:p="http://schemas.openxmlformats.org/presentationml/2006/main">
+  <p:cSld>
+    <p:spTree>
+      <p:nvGrpSpPr>
+        <p:cNvPr id="1" name="">
+          <a:extLst>
+            <a:ext uri="{FF2B5EF4-FFF2-40B4-BE49-F238E27FC236}">
+              <a16:creationId xmlns:a16="http://schemas.microsoft.com/office/drawing/2014/main" id="{A01264E1-2D7D-DA5E-F01D-3952FFFCF047}"/>
+            </a:ext>
+          </a:extLst>
+        </p:cNvPr>
+        <p:cNvGrpSpPr/>
+        <p:nvPr/>
+      </p:nvGrpSpPr>
+      <p:grpSpPr>
+        <a:xfrm>
+          <a:off x="0" y="0"/>
+          <a:ext cx="0" cy="0"/>
+          <a:chOff x="0" y="0"/>
+          <a:chExt cx="0" cy="0"/>
+        </a:xfrm>
+      </p:grpSpPr>
+      <p:pic>
+        <p:nvPicPr>
+          <p:cNvPr id="8" name="Picture 7">
+            <a:extLst>
+              <a:ext uri="{FF2B5EF4-FFF2-40B4-BE49-F238E27FC236}">
+                <a16:creationId xmlns:a16="http://schemas.microsoft.com/office/drawing/2014/main" id="{1E9D5BDF-807D-2278-92F3-73DAB5221315}"/>
+              </a:ext>
+            </a:extLst>
+          </p:cNvPr>
+          <p:cNvPicPr>
+            <a:picLocks noChangeAspect="1"/>
+          </p:cNvPicPr>
+          <p:nvPr/>
+        </p:nvPicPr>
+        <p:blipFill>
+          <a:blip r:embed="rId3"/>
+          <a:srcRect l="10048" t="406" r="9256" b="1442"/>
+          <a:stretch>
+            <a:fillRect/>
+          </a:stretch>
+        </p:blipFill>
+        <p:spPr>
+          <a:xfrm>
+            <a:off x="-22107" y="0"/>
+            <a:ext cx="653703" cy="6864352"/>
+          </a:xfrm>
+          <a:prstGeom prst="rect">
+            <a:avLst/>
+          </a:prstGeom>
+        </p:spPr>
+      </p:pic>
+      <p:pic>
+        <p:nvPicPr>
+          <p:cNvPr id="3" name="Picture 2">
+            <a:extLst>
+              <a:ext uri="{FF2B5EF4-FFF2-40B4-BE49-F238E27FC236}">
+                <a16:creationId xmlns:a16="http://schemas.microsoft.com/office/drawing/2014/main" id="{D7312A15-D7CB-41E2-3961-944C0B119E2C}"/>
+              </a:ext>
+            </a:extLst>
+          </p:cNvPr>
+          <p:cNvPicPr>
+            <a:picLocks noChangeAspect="1" noChangeArrowheads="1"/>
+          </p:cNvPicPr>
+          <p:nvPr/>
+        </p:nvPicPr>
+        <p:blipFill rotWithShape="1">
+          <a:blip r:embed="rId4">
+            <a:extLst>
+              <a:ext uri="{28A0092B-C50C-407E-A947-70E740481C1C}">
+                <a14:useLocalDpi xmlns:a14="http://schemas.microsoft.com/office/drawing/2010/main" val="0"/>
+              </a:ext>
+            </a:extLst>
+          </a:blip>
+          <a:srcRect t="26099" b="30354"/>
+          <a:stretch>
+            <a:fillRect/>
+          </a:stretch>
+        </p:blipFill>
+        <p:spPr bwMode="auto">
+          <a:xfrm>
+            <a:off x="8183682" y="64160"/>
+            <a:ext cx="3752064" cy="907716"/>
+          </a:xfrm>
+          <a:prstGeom prst="rect">
+            <a:avLst/>
+          </a:prstGeom>
+          <a:noFill/>
+          <a:extLst>
+            <a:ext uri="{909E8E84-426E-40DD-AFC4-6F175D3DCCD1}">
+              <a14:hiddenFill xmlns:a14="http://schemas.microsoft.com/office/drawing/2010/main">
+                <a:solidFill>
+                  <a:srgbClr val="FFFFFF"/>
+                </a:solidFill>
+              </a14:hiddenFill>
+            </a:ext>
+          </a:extLst>
+        </p:spPr>
+      </p:pic>
+      <p:pic>
+        <p:nvPicPr>
+          <p:cNvPr id="4" name="Picture 2">
+            <a:extLst>
+              <a:ext uri="{FF2B5EF4-FFF2-40B4-BE49-F238E27FC236}">
+                <a16:creationId xmlns:a16="http://schemas.microsoft.com/office/drawing/2014/main" id="{8EEA0FA4-929D-8F3F-0AB0-31489BED997B}"/>
+              </a:ext>
+            </a:extLst>
+          </p:cNvPr>
+          <p:cNvPicPr>
+            <a:picLocks noChangeArrowheads="1"/>
+          </p:cNvPicPr>
+          <p:nvPr/>
+        </p:nvPicPr>
+        <p:blipFill rotWithShape="1">
+          <a:blip r:embed="rId5">
+            <a:extLst>
+              <a:ext uri="{28A0092B-C50C-407E-A947-70E740481C1C}">
+                <a14:useLocalDpi xmlns:a14="http://schemas.microsoft.com/office/drawing/2010/main" val="0"/>
+              </a:ext>
+            </a:extLst>
+          </a:blip>
+          <a:srcRect l="3628" t="30628" r="9015" b="36375"/>
+          <a:stretch>
+            <a:fillRect/>
+          </a:stretch>
+        </p:blipFill>
+        <p:spPr bwMode="auto">
+          <a:xfrm>
+            <a:off x="777692" y="64676"/>
+            <a:ext cx="3751200" cy="907200"/>
+          </a:xfrm>
+          <a:prstGeom prst="rect">
+            <a:avLst/>
+          </a:prstGeom>
+          <a:noFill/>
+          <a:extLst>
+            <a:ext uri="{909E8E84-426E-40DD-AFC4-6F175D3DCCD1}">
+              <a14:hiddenFill xmlns:a14="http://schemas.microsoft.com/office/drawing/2010/main">
+                <a:solidFill>
+                  <a:srgbClr val="FFFFFF"/>
+                </a:solidFill>
+              </a14:hiddenFill>
+            </a:ext>
+          </a:extLst>
+        </p:spPr>
+      </p:pic>
+      <p:sp>
+        <p:nvSpPr>
+          <p:cNvPr id="5" name="TextBox 4">
+            <a:extLst>
+              <a:ext uri="{FF2B5EF4-FFF2-40B4-BE49-F238E27FC236}">
+                <a16:creationId xmlns:a16="http://schemas.microsoft.com/office/drawing/2014/main" id="{857130FE-B26A-4F08-A05D-2101786A5B61}"/>
+              </a:ext>
+            </a:extLst>
+          </p:cNvPr>
+          <p:cNvSpPr txBox="1"/>
+          <p:nvPr/>
+        </p:nvSpPr>
+        <p:spPr>
+          <a:xfrm>
+            <a:off x="777692" y="971876"/>
+            <a:ext cx="4472735" cy="523220"/>
+          </a:xfrm>
+          <a:prstGeom prst="rect">
+            <a:avLst/>
+          </a:prstGeom>
+          <a:noFill/>
+        </p:spPr>
+        <p:txBody>
+          <a:bodyPr wrap="square">
+            <a:spAutoFit/>
+          </a:bodyPr>
+          <a:lstStyle/>
+          <a:p>
+            <a:pPr>
+              <a:buNone/>
+            </a:pPr>
+            <a:r>
+              <a:rPr lang="en-GB" sz="2800" b="1" dirty="0">
+                <a:solidFill>
+                  <a:srgbClr val="51274D"/>
+                </a:solidFill>
+              </a:rPr>
+              <a:t>Architecture</a:t>
+            </a:r>
+            <a:endParaRPr lang="en-GB" b="1" dirty="0"/>
+          </a:p>
+        </p:txBody>
+      </p:sp>
+      <p:pic>
+        <p:nvPicPr>
+          <p:cNvPr id="11" name="Picture 10">
+            <a:extLst>
+              <a:ext uri="{FF2B5EF4-FFF2-40B4-BE49-F238E27FC236}">
+                <a16:creationId xmlns:a16="http://schemas.microsoft.com/office/drawing/2014/main" id="{7CF3CAC9-2CB7-AE4A-CA69-F131CC6ACAFE}"/>
+              </a:ext>
+            </a:extLst>
+          </p:cNvPr>
+          <p:cNvPicPr>
+            <a:picLocks noChangeAspect="1"/>
+          </p:cNvPicPr>
+          <p:nvPr/>
+        </p:nvPicPr>
+        <p:blipFill>
+          <a:blip r:embed="rId6">
+            <a:extLst>
+              <a:ext uri="{28A0092B-C50C-407E-A947-70E740481C1C}">
+                <a14:useLocalDpi xmlns:a14="http://schemas.microsoft.com/office/drawing/2010/main" val="0"/>
+              </a:ext>
+            </a:extLst>
+          </a:blip>
+          <a:stretch>
+            <a:fillRect/>
+          </a:stretch>
+        </p:blipFill>
+        <p:spPr>
+          <a:xfrm>
+            <a:off x="914400" y="1495096"/>
+            <a:ext cx="11021346" cy="5096204"/>
+          </a:xfrm>
+          <a:prstGeom prst="rect">
+            <a:avLst/>
+          </a:prstGeom>
+        </p:spPr>
+      </p:pic>
+    </p:spTree>
+    <p:extLst>
+      <p:ext uri="{BB962C8B-B14F-4D97-AF65-F5344CB8AC3E}">
+        <p14:creationId xmlns:p14="http://schemas.microsoft.com/office/powerpoint/2010/main" val="841027340"/>
+      </p:ext>
+    </p:extLst>
+  </p:cSld>
+  <p:clrMapOvr>
+    <a:masterClrMapping/>
+  </p:clrMapOvr>
+  <mc:AlternateContent xmlns:mc="http://schemas.openxmlformats.org/markup-compatibility/2006" xmlns:p14="http://schemas.microsoft.com/office/powerpoint/2010/main">
+    <mc:Choice Requires="p14">
+      <p:transition spd="slow" p14:dur="1300">
+        <p14:pan dir="u"/>
+      </p:transition>
+    </mc:Choice>
+    <mc:Fallback xmlns="">
+      <p:transition spd="slow">
+        <p:fade/>
+      </p:transition>
+    </mc:Fallback>
+  </mc:AlternateContent>
+</p:sld>
+</file>
+
+<file path=ppt/slides/slide5.xml><?xml version="1.0" encoding="utf-8"?>
+<p:sld xmlns:a="http://schemas.openxmlformats.org/drawingml/2006/main" xmlns:r="http://schemas.openxmlformats.org/officeDocument/2006/relationships" xmlns:p="http://schemas.openxmlformats.org/presentationml/2006/main">
+  <p:cSld>
+    <p:spTree>
+      <p:nvGrpSpPr>
+        <p:cNvPr id="1" name="">
+          <a:extLst>
+            <a:ext uri="{FF2B5EF4-FFF2-40B4-BE49-F238E27FC236}">
+              <a16:creationId xmlns:a16="http://schemas.microsoft.com/office/drawing/2014/main" id="{85670F19-F199-B6F2-524E-B37C4962EAEB}"/>
+            </a:ext>
+          </a:extLst>
+        </p:cNvPr>
+        <p:cNvGrpSpPr/>
+        <p:nvPr/>
+      </p:nvGrpSpPr>
+      <p:grpSpPr>
+        <a:xfrm>
+          <a:off x="0" y="0"/>
+          <a:ext cx="0" cy="0"/>
+          <a:chOff x="0" y="0"/>
+          <a:chExt cx="0" cy="0"/>
+        </a:xfrm>
+      </p:grpSpPr>
+      <p:pic>
+        <p:nvPicPr>
+          <p:cNvPr id="8" name="Picture 7">
+            <a:extLst>
+              <a:ext uri="{FF2B5EF4-FFF2-40B4-BE49-F238E27FC236}">
+                <a16:creationId xmlns:a16="http://schemas.microsoft.com/office/drawing/2014/main" id="{0123ADA4-5743-0248-1A40-F53F586C204D}"/>
+              </a:ext>
+            </a:extLst>
+          </p:cNvPr>
+          <p:cNvPicPr>
+            <a:picLocks noChangeAspect="1"/>
+          </p:cNvPicPr>
+          <p:nvPr/>
+        </p:nvPicPr>
+        <p:blipFill>
+          <a:blip r:embed="rId3"/>
+          <a:srcRect l="10048" t="406" r="9256" b="1442"/>
+          <a:stretch>
+            <a:fillRect/>
+          </a:stretch>
+        </p:blipFill>
+        <p:spPr>
+          <a:xfrm>
+            <a:off x="-22107" y="0"/>
+            <a:ext cx="653703" cy="6864352"/>
+          </a:xfrm>
+          <a:prstGeom prst="rect">
+            <a:avLst/>
+          </a:prstGeom>
+        </p:spPr>
+      </p:pic>
+      <p:pic>
+        <p:nvPicPr>
+          <p:cNvPr id="3" name="Picture 2">
+            <a:extLst>
+              <a:ext uri="{FF2B5EF4-FFF2-40B4-BE49-F238E27FC236}">
+                <a16:creationId xmlns:a16="http://schemas.microsoft.com/office/drawing/2014/main" id="{92832D33-8969-6D49-077D-075252E57756}"/>
+              </a:ext>
+            </a:extLst>
+          </p:cNvPr>
+          <p:cNvPicPr>
+            <a:picLocks noChangeAspect="1" noChangeArrowheads="1"/>
+          </p:cNvPicPr>
+          <p:nvPr/>
+        </p:nvPicPr>
+        <p:blipFill rotWithShape="1">
+          <a:blip r:embed="rId4">
+            <a:extLst>
+              <a:ext uri="{28A0092B-C50C-407E-A947-70E740481C1C}">
+                <a14:useLocalDpi xmlns:a14="http://schemas.microsoft.com/office/drawing/2010/main" val="0"/>
+              </a:ext>
+            </a:extLst>
+          </a:blip>
+          <a:srcRect t="26099" b="30354"/>
+          <a:stretch>
+            <a:fillRect/>
+          </a:stretch>
+        </p:blipFill>
+        <p:spPr bwMode="auto">
+          <a:xfrm>
+            <a:off x="8183682" y="64160"/>
+            <a:ext cx="3752064" cy="907716"/>
+          </a:xfrm>
+          <a:prstGeom prst="rect">
+            <a:avLst/>
+          </a:prstGeom>
+          <a:noFill/>
+          <a:extLst>
+            <a:ext uri="{909E8E84-426E-40DD-AFC4-6F175D3DCCD1}">
+              <a14:hiddenFill xmlns:a14="http://schemas.microsoft.com/office/drawing/2010/main">
+                <a:solidFill>
+                  <a:srgbClr val="FFFFFF"/>
+                </a:solidFill>
+              </a14:hiddenFill>
+            </a:ext>
+          </a:extLst>
+        </p:spPr>
+      </p:pic>
+      <p:pic>
+        <p:nvPicPr>
+          <p:cNvPr id="4" name="Picture 2">
+            <a:extLst>
+              <a:ext uri="{FF2B5EF4-FFF2-40B4-BE49-F238E27FC236}">
+                <a16:creationId xmlns:a16="http://schemas.microsoft.com/office/drawing/2014/main" id="{A13BD251-5373-3F2F-7E19-D0F44AC21A51}"/>
+              </a:ext>
+            </a:extLst>
+          </p:cNvPr>
+          <p:cNvPicPr>
+            <a:picLocks noChangeArrowheads="1"/>
+          </p:cNvPicPr>
+          <p:nvPr/>
+        </p:nvPicPr>
+        <p:blipFill rotWithShape="1">
+          <a:blip r:embed="rId5">
+            <a:extLst>
+              <a:ext uri="{28A0092B-C50C-407E-A947-70E740481C1C}">
+                <a14:useLocalDpi xmlns:a14="http://schemas.microsoft.com/office/drawing/2010/main" val="0"/>
+              </a:ext>
+            </a:extLst>
+          </a:blip>
+          <a:srcRect l="3628" t="30628" r="9015" b="36375"/>
+          <a:stretch>
+            <a:fillRect/>
+          </a:stretch>
+        </p:blipFill>
+        <p:spPr bwMode="auto">
+          <a:xfrm>
+            <a:off x="777692" y="64676"/>
+            <a:ext cx="3751200" cy="907200"/>
+          </a:xfrm>
+          <a:prstGeom prst="rect">
+            <a:avLst/>
+          </a:prstGeom>
+          <a:noFill/>
+          <a:extLst>
+            <a:ext uri="{909E8E84-426E-40DD-AFC4-6F175D3DCCD1}">
+              <a14:hiddenFill xmlns:a14="http://schemas.microsoft.com/office/drawing/2010/main">
+                <a:solidFill>
+                  <a:srgbClr val="FFFFFF"/>
+                </a:solidFill>
+              </a14:hiddenFill>
+            </a:ext>
+          </a:extLst>
+        </p:spPr>
+      </p:pic>
+      <p:sp>
+        <p:nvSpPr>
+          <p:cNvPr id="2" name="Content Placeholder 2">
+            <a:extLst>
+              <a:ext uri="{FF2B5EF4-FFF2-40B4-BE49-F238E27FC236}">
+                <a16:creationId xmlns:a16="http://schemas.microsoft.com/office/drawing/2014/main" id="{9E024312-A0C9-197E-5810-CFA3D285E1CD}"/>
+              </a:ext>
+            </a:extLst>
+          </p:cNvPr>
+          <p:cNvSpPr>
+            <a:spLocks noGrp="1"/>
+          </p:cNvSpPr>
+          <p:nvPr>
+            <p:ph idx="1"/>
+          </p:nvPr>
+        </p:nvSpPr>
+        <p:spPr>
+          <a:xfrm>
+            <a:off x="719215" y="1131213"/>
+            <a:ext cx="5205335" cy="5157476"/>
+          </a:xfrm>
+        </p:spPr>
+        <p:txBody>
+          <a:bodyPr>
+            <a:noAutofit/>
+          </a:bodyPr>
+          <a:lstStyle/>
+          <a:p>
+            <a:pPr marL="0" indent="0">
+              <a:lnSpc>
+                <a:spcPct val="100000"/>
+              </a:lnSpc>
+              <a:buNone/>
+            </a:pPr>
+            <a:r>
+              <a:rPr lang="en-IN" sz="2000" b="1" dirty="0">
+                <a:solidFill>
+                  <a:srgbClr val="7030A0"/>
+                </a:solidFill>
+              </a:rPr>
+              <a:t>Dataset &amp; Features</a:t>
+            </a:r>
+          </a:p>
+          <a:p>
+            <a:pPr marL="0" indent="0">
+              <a:lnSpc>
+                <a:spcPct val="100000"/>
+              </a:lnSpc>
+              <a:buNone/>
+            </a:pPr>
+            <a:r>
+              <a:rPr lang="en-IN" sz="1800" dirty="0"/>
+              <a:t>Karnataka-Specific Dataset</a:t>
+            </a:r>
+          </a:p>
+          <a:p>
+            <a:pPr>
+              <a:lnSpc>
+                <a:spcPct val="100000"/>
+              </a:lnSpc>
+              <a:buFont typeface="Wingdings" panose="05000000000000000000" pitchFamily="2" charset="2"/>
+              <a:buChar char="§"/>
+            </a:pPr>
+            <a:r>
+              <a:rPr lang="en-IN" sz="1800" dirty="0"/>
+              <a:t>438,426 records across 5 years (2019-2024).</a:t>
+            </a:r>
+          </a:p>
+          <a:p>
+            <a:pPr>
+              <a:lnSpc>
+                <a:spcPct val="100000"/>
+              </a:lnSpc>
+              <a:buFont typeface="Wingdings" panose="05000000000000000000" pitchFamily="2" charset="2"/>
+              <a:buChar char="§"/>
+            </a:pPr>
+            <a:r>
+              <a:rPr lang="en-IN" sz="1800" dirty="0"/>
+              <a:t>10 major cities including Bangalore, Mysore, Hubli-Dharwad.</a:t>
+            </a:r>
+          </a:p>
+          <a:p>
+            <a:pPr>
+              <a:lnSpc>
+                <a:spcPct val="100000"/>
+              </a:lnSpc>
+              <a:buFont typeface="Wingdings" panose="05000000000000000000" pitchFamily="2" charset="2"/>
+              <a:buChar char="§"/>
+            </a:pPr>
+            <a:r>
+              <a:rPr lang="en-IN" sz="1800" dirty="0"/>
+              <a:t>5 ESCOM zones - BESCOM, MESCOM, HESCOM, GESCOM, CHESCOM.</a:t>
+            </a:r>
+          </a:p>
+          <a:p>
+            <a:pPr>
+              <a:lnSpc>
+                <a:spcPct val="100000"/>
+              </a:lnSpc>
+              <a:buFont typeface="Wingdings" panose="05000000000000000000" pitchFamily="2" charset="2"/>
+              <a:buChar char="§"/>
+            </a:pPr>
+            <a:r>
+              <a:rPr lang="en-IN" sz="1800" dirty="0"/>
+              <a:t>24 engineered features optimized for Karnataka's power grid.</a:t>
+            </a:r>
+          </a:p>
+          <a:p>
+            <a:pPr marL="0" indent="0">
+              <a:lnSpc>
+                <a:spcPct val="100000"/>
+              </a:lnSpc>
+              <a:buNone/>
+            </a:pPr>
+            <a:r>
+              <a:rPr lang="en-IN" sz="1800" dirty="0">
+                <a:solidFill>
+                  <a:srgbClr val="002060"/>
+                </a:solidFill>
+              </a:rPr>
+              <a:t>Feature Categories (24 Total):</a:t>
+            </a:r>
+          </a:p>
+          <a:p>
+            <a:pPr>
+              <a:lnSpc>
+                <a:spcPct val="100000"/>
+              </a:lnSpc>
+            </a:pPr>
+            <a:r>
+              <a:rPr lang="en-IN" sz="1800" dirty="0"/>
+              <a:t>Weather Features (6)</a:t>
+            </a:r>
+          </a:p>
+          <a:p>
+            <a:pPr>
+              <a:lnSpc>
+                <a:spcPct val="100000"/>
+              </a:lnSpc>
+            </a:pPr>
+            <a:r>
+              <a:rPr lang="en-IN" sz="1800" dirty="0"/>
+              <a:t>Temperature, Humidity, Wind Speed, Rainfall, Lightning Strikes, Storm Alerts.</a:t>
+            </a:r>
+          </a:p>
+        </p:txBody>
+      </p:sp>
+      <p:sp>
+        <p:nvSpPr>
+          <p:cNvPr id="6" name="TextBox 5">
+            <a:extLst>
+              <a:ext uri="{FF2B5EF4-FFF2-40B4-BE49-F238E27FC236}">
+                <a16:creationId xmlns:a16="http://schemas.microsoft.com/office/drawing/2014/main" id="{1EF842DF-676D-5315-7C21-12B220F1E9D4}"/>
+              </a:ext>
+            </a:extLst>
+          </p:cNvPr>
+          <p:cNvSpPr txBox="1"/>
+          <p:nvPr/>
+        </p:nvSpPr>
+        <p:spPr>
+          <a:xfrm>
+            <a:off x="6012169" y="1586292"/>
+            <a:ext cx="6096000" cy="4247317"/>
+          </a:xfrm>
+          <a:prstGeom prst="rect">
+            <a:avLst/>
+          </a:prstGeom>
+          <a:noFill/>
+        </p:spPr>
+        <p:txBody>
+          <a:bodyPr wrap="square">
+            <a:spAutoFit/>
+          </a:bodyPr>
+          <a:lstStyle/>
+          <a:p>
+            <a:r>
+              <a:rPr lang="en-IN" dirty="0">
+                <a:solidFill>
+                  <a:srgbClr val="002060"/>
+                </a:solidFill>
+              </a:rPr>
+              <a:t>Grid Features (6):</a:t>
+            </a:r>
+          </a:p>
+          <a:p>
+            <a:pPr marL="285750" indent="-285750">
+              <a:buFont typeface="Arial" panose="020B0604020202020204" pitchFamily="34" charset="0"/>
+              <a:buChar char="•"/>
+            </a:pPr>
+            <a:r>
+              <a:rPr lang="en-IN" dirty="0"/>
+              <a:t>Load Factor, Voltage Stability, Historical Outages, Maintenance Status, Feeder Health, Transformer Load.</a:t>
+            </a:r>
+          </a:p>
+          <a:p>
+            <a:endParaRPr lang="en-IN" dirty="0"/>
+          </a:p>
+          <a:p>
+            <a:r>
+              <a:rPr lang="en-IN" dirty="0">
+                <a:solidFill>
+                  <a:srgbClr val="002060"/>
+                </a:solidFill>
+              </a:rPr>
+              <a:t>Temporal Features (4):</a:t>
+            </a:r>
+          </a:p>
+          <a:p>
+            <a:pPr marL="285750" indent="-285750">
+              <a:buFont typeface="Arial" panose="020B0604020202020204" pitchFamily="34" charset="0"/>
+              <a:buChar char="•"/>
+            </a:pPr>
+            <a:r>
+              <a:rPr lang="en-IN" dirty="0"/>
+              <a:t>Hour of Day, Day of Week, Month, Season</a:t>
+            </a:r>
+          </a:p>
+          <a:p>
+            <a:pPr marL="285750" indent="-285750">
+              <a:buFontTx/>
+              <a:buChar char="-"/>
+            </a:pPr>
+            <a:endParaRPr lang="en-IN" sz="1800" dirty="0"/>
+          </a:p>
+          <a:p>
+            <a:pPr marL="0" indent="0">
+              <a:lnSpc>
+                <a:spcPct val="100000"/>
+              </a:lnSpc>
+              <a:buNone/>
+            </a:pPr>
+            <a:r>
+              <a:rPr lang="en-IN" sz="1800" dirty="0">
+                <a:solidFill>
+                  <a:srgbClr val="002060"/>
+                </a:solidFill>
+              </a:rPr>
+              <a:t>Contextual Features (8):</a:t>
+            </a:r>
+          </a:p>
+          <a:p>
+            <a:pPr marL="285750" indent="-285750">
+              <a:lnSpc>
+                <a:spcPct val="100000"/>
+              </a:lnSpc>
+              <a:buFont typeface="Arial" panose="020B0604020202020204" pitchFamily="34" charset="0"/>
+              <a:buChar char="•"/>
+            </a:pPr>
+            <a:r>
+              <a:rPr lang="en-IN" sz="1800" dirty="0"/>
+              <a:t>Priority Tier, Population, ESCOM Zone</a:t>
+            </a:r>
+          </a:p>
+          <a:p>
+            <a:pPr marL="285750" indent="-285750">
+              <a:lnSpc>
+                <a:spcPct val="100000"/>
+              </a:lnSpc>
+              <a:buFont typeface="Arial" panose="020B0604020202020204" pitchFamily="34" charset="0"/>
+              <a:buChar char="•"/>
+            </a:pPr>
+            <a:r>
+              <a:rPr lang="en-IN" sz="1800" dirty="0"/>
+              <a:t>City Encoding, Monsoon/Summer Flags</a:t>
+            </a:r>
+          </a:p>
+          <a:p>
+            <a:pPr marL="285750" indent="-285750">
+              <a:lnSpc>
+                <a:spcPct val="100000"/>
+              </a:lnSpc>
+              <a:buFont typeface="Arial" panose="020B0604020202020204" pitchFamily="34" charset="0"/>
+              <a:buChar char="•"/>
+            </a:pPr>
+            <a:r>
+              <a:rPr lang="en-IN" sz="1800" dirty="0"/>
+              <a:t>Data Quality Metrics</a:t>
+            </a:r>
+          </a:p>
+          <a:p>
+            <a:pPr marL="285750" indent="-285750">
+              <a:lnSpc>
+                <a:spcPct val="100000"/>
+              </a:lnSpc>
+              <a:buFont typeface="Arial" panose="020B0604020202020204" pitchFamily="34" charset="0"/>
+              <a:buChar char="•"/>
+            </a:pPr>
+            <a:r>
+              <a:rPr lang="en-IN" sz="1800" dirty="0"/>
+              <a:t>Missing values:&lt;0.1%</a:t>
+            </a:r>
+          </a:p>
+          <a:p>
+            <a:pPr marL="285750" indent="-285750">
+              <a:lnSpc>
+                <a:spcPct val="100000"/>
+              </a:lnSpc>
+              <a:buFont typeface="Arial" panose="020B0604020202020204" pitchFamily="34" charset="0"/>
+              <a:buChar char="•"/>
+            </a:pPr>
+            <a:r>
+              <a:rPr lang="en-IN" sz="1800" dirty="0"/>
+              <a:t>Outage rate: 12.3% (realistic distribution)</a:t>
+            </a:r>
+          </a:p>
+          <a:p>
+            <a:pPr marL="285750" indent="-285750">
+              <a:lnSpc>
+                <a:spcPct val="100000"/>
+              </a:lnSpc>
+              <a:buFont typeface="Arial" panose="020B0604020202020204" pitchFamily="34" charset="0"/>
+              <a:buChar char="•"/>
+            </a:pPr>
+            <a:r>
+              <a:rPr lang="en-IN" sz="1800" dirty="0"/>
+              <a:t>Class balance: Stratified sampling maintained.</a:t>
+            </a:r>
+          </a:p>
+          <a:p>
+            <a:pPr marL="285750" indent="-285750">
+              <a:lnSpc>
+                <a:spcPct val="100000"/>
+              </a:lnSpc>
+              <a:buFont typeface="Arial" panose="020B0604020202020204" pitchFamily="34" charset="0"/>
+              <a:buChar char="•"/>
+            </a:pPr>
+            <a:r>
+              <a:rPr lang="en-IN" sz="1800" dirty="0"/>
+              <a:t>Temporal coverage: Complete hourly data.</a:t>
+            </a:r>
+          </a:p>
+        </p:txBody>
+      </p:sp>
+    </p:spTree>
+    <p:extLst>
+      <p:ext uri="{BB962C8B-B14F-4D97-AF65-F5344CB8AC3E}">
+        <p14:creationId xmlns:p14="http://schemas.microsoft.com/office/powerpoint/2010/main" val="3152203915"/>
+      </p:ext>
+    </p:extLst>
+  </p:cSld>
+  <p:clrMapOvr>
+    <a:masterClrMapping/>
+  </p:clrMapOvr>
+  <mc:AlternateContent xmlns:mc="http://schemas.openxmlformats.org/markup-compatibility/2006" xmlns:p14="http://schemas.microsoft.com/office/powerpoint/2010/main">
+    <mc:Choice Requires="p14">
+      <p:transition spd="slow" p14:dur="1300">
+        <p14:pan dir="u"/>
+      </p:transition>
+    </mc:Choice>
+    <mc:Fallback xmlns="">
+      <p:transition spd="slow">
+        <p:fade/>
+      </p:transition>
+    </mc:Fallback>
+  </mc:AlternateContent>
+</p:sld>
+</file>
+
+<file path=ppt/slides/slide6.xml><?xml version="1.0" encoding="utf-8"?>
+<p:sld xmlns:a="http://schemas.openxmlformats.org/drawingml/2006/main" xmlns:r="http://schemas.openxmlformats.org/officeDocument/2006/relationships" xmlns:p="http://schemas.openxmlformats.org/presentationml/2006/main">
+  <p:cSld>
+    <p:spTree>
+      <p:nvGrpSpPr>
+        <p:cNvPr id="1" name="">
+          <a:extLst>
+            <a:ext uri="{FF2B5EF4-FFF2-40B4-BE49-F238E27FC236}">
+              <a16:creationId xmlns:a16="http://schemas.microsoft.com/office/drawing/2014/main" id="{ADF4447D-17FA-A751-36A2-3193D9E336DD}"/>
+            </a:ext>
+          </a:extLst>
+        </p:cNvPr>
+        <p:cNvGrpSpPr/>
+        <p:nvPr/>
+      </p:nvGrpSpPr>
+      <p:grpSpPr>
+        <a:xfrm>
+          <a:off x="0" y="0"/>
+          <a:ext cx="0" cy="0"/>
+          <a:chOff x="0" y="0"/>
+          <a:chExt cx="0" cy="0"/>
+        </a:xfrm>
+      </p:grpSpPr>
+      <p:pic>
+        <p:nvPicPr>
+          <p:cNvPr id="8" name="Picture 7">
+            <a:extLst>
+              <a:ext uri="{FF2B5EF4-FFF2-40B4-BE49-F238E27FC236}">
+                <a16:creationId xmlns:a16="http://schemas.microsoft.com/office/drawing/2014/main" id="{25EC2934-B41E-6D30-6895-47A95BA6C6BD}"/>
+              </a:ext>
+            </a:extLst>
+          </p:cNvPr>
+          <p:cNvPicPr>
+            <a:picLocks noChangeAspect="1"/>
+          </p:cNvPicPr>
+          <p:nvPr/>
+        </p:nvPicPr>
+        <p:blipFill>
+          <a:blip r:embed="rId3"/>
+          <a:srcRect l="10048" t="406" r="9256" b="1442"/>
+          <a:stretch>
+            <a:fillRect/>
+          </a:stretch>
+        </p:blipFill>
+        <p:spPr>
+          <a:xfrm>
+            <a:off x="-22107" y="0"/>
+            <a:ext cx="653703" cy="6864352"/>
+          </a:xfrm>
+          <a:prstGeom prst="rect">
+            <a:avLst/>
+          </a:prstGeom>
+        </p:spPr>
+      </p:pic>
+      <p:pic>
+        <p:nvPicPr>
+          <p:cNvPr id="3" name="Picture 2">
+            <a:extLst>
+              <a:ext uri="{FF2B5EF4-FFF2-40B4-BE49-F238E27FC236}">
+                <a16:creationId xmlns:a16="http://schemas.microsoft.com/office/drawing/2014/main" id="{55036217-433D-1E78-BDCC-12901DBC6E3B}"/>
+              </a:ext>
+            </a:extLst>
+          </p:cNvPr>
+          <p:cNvPicPr>
+            <a:picLocks noChangeAspect="1" noChangeArrowheads="1"/>
+          </p:cNvPicPr>
+          <p:nvPr/>
+        </p:nvPicPr>
+        <p:blipFill rotWithShape="1">
+          <a:blip r:embed="rId4">
+            <a:extLst>
+              <a:ext uri="{28A0092B-C50C-407E-A947-70E740481C1C}">
+                <a14:useLocalDpi xmlns:a14="http://schemas.microsoft.com/office/drawing/2010/main" val="0"/>
+              </a:ext>
+            </a:extLst>
+          </a:blip>
+          <a:srcRect t="26099" b="30354"/>
+          <a:stretch>
+            <a:fillRect/>
+          </a:stretch>
+        </p:blipFill>
+        <p:spPr bwMode="auto">
+          <a:xfrm>
+            <a:off x="8183682" y="64160"/>
+            <a:ext cx="3752064" cy="907716"/>
+          </a:xfrm>
+          <a:prstGeom prst="rect">
+            <a:avLst/>
+          </a:prstGeom>
+          <a:noFill/>
+          <a:extLst>
+            <a:ext uri="{909E8E84-426E-40DD-AFC4-6F175D3DCCD1}">
+              <a14:hiddenFill xmlns:a14="http://schemas.microsoft.com/office/drawing/2010/main">
+                <a:solidFill>
+                  <a:srgbClr val="FFFFFF"/>
+                </a:solidFill>
+              </a14:hiddenFill>
+            </a:ext>
+          </a:extLst>
+        </p:spPr>
+      </p:pic>
+      <p:pic>
+        <p:nvPicPr>
+          <p:cNvPr id="4" name="Picture 2">
+            <a:extLst>
+              <a:ext uri="{FF2B5EF4-FFF2-40B4-BE49-F238E27FC236}">
+                <a16:creationId xmlns:a16="http://schemas.microsoft.com/office/drawing/2014/main" id="{656337DD-1534-F0BC-A7F6-9C5BDF76AF56}"/>
+              </a:ext>
+            </a:extLst>
+          </p:cNvPr>
+          <p:cNvPicPr>
+            <a:picLocks noChangeArrowheads="1"/>
+          </p:cNvPicPr>
+          <p:nvPr/>
+        </p:nvPicPr>
+        <p:blipFill rotWithShape="1">
+          <a:blip r:embed="rId5">
+            <a:extLst>
+              <a:ext uri="{28A0092B-C50C-407E-A947-70E740481C1C}">
+                <a14:useLocalDpi xmlns:a14="http://schemas.microsoft.com/office/drawing/2010/main" val="0"/>
+              </a:ext>
+            </a:extLst>
+          </a:blip>
+          <a:srcRect l="3628" t="30628" r="9015" b="36375"/>
+          <a:stretch>
+            <a:fillRect/>
+          </a:stretch>
+        </p:blipFill>
+        <p:spPr bwMode="auto">
+          <a:xfrm>
+            <a:off x="777692" y="64676"/>
+            <a:ext cx="3751200" cy="907200"/>
+          </a:xfrm>
+          <a:prstGeom prst="rect">
+            <a:avLst/>
+          </a:prstGeom>
+          <a:noFill/>
+          <a:extLst>
+            <a:ext uri="{909E8E84-426E-40DD-AFC4-6F175D3DCCD1}">
+              <a14:hiddenFill xmlns:a14="http://schemas.microsoft.com/office/drawing/2010/main">
+                <a:solidFill>
+                  <a:srgbClr val="FFFFFF"/>
+                </a:solidFill>
+              </a14:hiddenFill>
+            </a:ext>
+          </a:extLst>
+        </p:spPr>
+      </p:pic>
+      <p:sp>
+        <p:nvSpPr>
+          <p:cNvPr id="5" name="TextBox 4">
+            <a:extLst>
+              <a:ext uri="{FF2B5EF4-FFF2-40B4-BE49-F238E27FC236}">
+                <a16:creationId xmlns:a16="http://schemas.microsoft.com/office/drawing/2014/main" id="{B34C3D81-D42D-26D7-8D33-4C4352B0BD2A}"/>
+              </a:ext>
+            </a:extLst>
+          </p:cNvPr>
+          <p:cNvSpPr txBox="1"/>
+          <p:nvPr/>
+        </p:nvSpPr>
+        <p:spPr>
+          <a:xfrm>
+            <a:off x="777692" y="971876"/>
+            <a:ext cx="4472735" cy="523220"/>
+          </a:xfrm>
+          <a:prstGeom prst="rect">
+            <a:avLst/>
+          </a:prstGeom>
+          <a:noFill/>
+        </p:spPr>
+        <p:txBody>
+          <a:bodyPr wrap="square">
+            <a:spAutoFit/>
+          </a:bodyPr>
+          <a:lstStyle/>
+          <a:p>
+            <a:pPr>
+              <a:buNone/>
+            </a:pPr>
+            <a:r>
+              <a:rPr lang="en-GB" sz="2800" b="1" dirty="0">
+                <a:solidFill>
+                  <a:srgbClr val="51274D"/>
+                </a:solidFill>
+              </a:rPr>
+              <a:t>Core Modules</a:t>
+            </a:r>
+          </a:p>
+        </p:txBody>
+      </p:sp>
+      <p:sp>
+        <p:nvSpPr>
+          <p:cNvPr id="6" name="TextBox 5">
+            <a:extLst>
+              <a:ext uri="{FF2B5EF4-FFF2-40B4-BE49-F238E27FC236}">
+                <a16:creationId xmlns:a16="http://schemas.microsoft.com/office/drawing/2014/main" id="{90AEACDC-BE11-7A82-4C10-6FA9B59E3B6F}"/>
+              </a:ext>
+            </a:extLst>
+          </p:cNvPr>
+          <p:cNvSpPr txBox="1"/>
+          <p:nvPr/>
+        </p:nvSpPr>
+        <p:spPr>
+          <a:xfrm>
+            <a:off x="6445214" y="1638807"/>
+            <a:ext cx="5521426" cy="3416320"/>
+          </a:xfrm>
+          <a:prstGeom prst="rect">
+            <a:avLst/>
+          </a:prstGeom>
+          <a:noFill/>
+        </p:spPr>
+        <p:txBody>
+          <a:bodyPr wrap="square">
+            <a:spAutoFit/>
+          </a:bodyPr>
+          <a:lstStyle/>
+          <a:p>
+            <a:r>
+              <a:rPr lang="en-IN" b="1" dirty="0">
+                <a:solidFill>
+                  <a:srgbClr val="002060"/>
+                </a:solidFill>
+              </a:rPr>
+              <a:t>4. Decision Dashboard &amp; User Tools</a:t>
+            </a:r>
+            <a:endParaRPr lang="en-IN" dirty="0">
+              <a:solidFill>
+                <a:srgbClr val="002060"/>
+              </a:solidFill>
+            </a:endParaRPr>
+          </a:p>
+          <a:p>
+            <a:pPr marL="285750" indent="-285750">
+              <a:buFont typeface="Arial" panose="020B0604020202020204" pitchFamily="34" charset="0"/>
+              <a:buChar char="•"/>
+            </a:pPr>
+            <a:r>
+              <a:rPr lang="en-IN" b="1" dirty="0"/>
+              <a:t>React.js</a:t>
+            </a:r>
+            <a:r>
+              <a:rPr lang="en-IN" dirty="0"/>
+              <a:t> dashboard with </a:t>
+            </a:r>
+            <a:r>
+              <a:rPr lang="en-IN" b="1" dirty="0"/>
+              <a:t>Leaflet.js</a:t>
+            </a:r>
+            <a:r>
+              <a:rPr lang="en-IN" dirty="0"/>
+              <a:t> maps.</a:t>
+            </a:r>
+          </a:p>
+          <a:p>
+            <a:pPr marL="285750" indent="-285750" algn="just">
+              <a:buFont typeface="Arial" panose="020B0604020202020204" pitchFamily="34" charset="0"/>
+              <a:buChar char="•"/>
+            </a:pPr>
+            <a:r>
+              <a:rPr lang="en-IN" dirty="0"/>
+              <a:t>District-wise </a:t>
+            </a:r>
+            <a:r>
+              <a:rPr lang="en-IN" b="1" dirty="0"/>
+              <a:t>risk heatmaps &amp; pinpoint markers.</a:t>
+            </a:r>
+            <a:endParaRPr lang="en-IN" dirty="0"/>
+          </a:p>
+          <a:p>
+            <a:pPr marL="285750" indent="-285750">
+              <a:buFont typeface="Arial" panose="020B0604020202020204" pitchFamily="34" charset="0"/>
+              <a:buChar char="•"/>
+            </a:pPr>
+            <a:r>
+              <a:rPr lang="en-IN" b="1" dirty="0"/>
+              <a:t>What-if simulator</a:t>
+            </a:r>
+            <a:r>
+              <a:rPr lang="en-IN" dirty="0"/>
+              <a:t> to test mitigation scenarios.</a:t>
+            </a:r>
+          </a:p>
+          <a:p>
+            <a:pPr marL="285750" indent="-285750">
+              <a:buFont typeface="Arial" panose="020B0604020202020204" pitchFamily="34" charset="0"/>
+              <a:buChar char="•"/>
+            </a:pPr>
+            <a:r>
+              <a:rPr lang="en-IN" dirty="0"/>
+              <a:t>Plain-language advisories for citizens &amp; utilities.</a:t>
+            </a:r>
+          </a:p>
+          <a:p>
+            <a:endParaRPr lang="en-IN" dirty="0"/>
+          </a:p>
+          <a:p>
+            <a:r>
+              <a:rPr lang="en-IN" b="1" dirty="0">
+                <a:solidFill>
+                  <a:srgbClr val="002060"/>
+                </a:solidFill>
+              </a:rPr>
+              <a:t>5. Deployment &amp; Reliability</a:t>
+            </a:r>
+            <a:endParaRPr lang="en-IN" dirty="0">
+              <a:solidFill>
+                <a:srgbClr val="002060"/>
+              </a:solidFill>
+            </a:endParaRPr>
+          </a:p>
+          <a:p>
+            <a:pPr marL="285750" indent="-285750">
+              <a:buFont typeface="Arial" panose="020B0604020202020204" pitchFamily="34" charset="0"/>
+              <a:buChar char="•"/>
+            </a:pPr>
+            <a:r>
+              <a:rPr lang="en-IN" b="1" dirty="0"/>
+              <a:t>Docker + Kubernetes</a:t>
+            </a:r>
+            <a:r>
+              <a:rPr lang="en-IN" dirty="0"/>
+              <a:t> for scalable orchestration.</a:t>
+            </a:r>
+          </a:p>
+          <a:p>
+            <a:pPr marL="285750" indent="-285750">
+              <a:buFont typeface="Arial" panose="020B0604020202020204" pitchFamily="34" charset="0"/>
+              <a:buChar char="•"/>
+            </a:pPr>
+            <a:r>
+              <a:rPr lang="en-IN" b="1" dirty="0"/>
+              <a:t>Prometheus + Grafana</a:t>
+            </a:r>
+            <a:r>
+              <a:rPr lang="en-IN" dirty="0"/>
+              <a:t> for monitoring &amp; alerting.</a:t>
+            </a:r>
+          </a:p>
+          <a:p>
+            <a:pPr marL="285750" indent="-285750">
+              <a:buFont typeface="Arial" panose="020B0604020202020204" pitchFamily="34" charset="0"/>
+              <a:buChar char="•"/>
+            </a:pPr>
+            <a:r>
+              <a:rPr lang="en-IN" b="1" dirty="0"/>
+              <a:t>GitHub Actions CI/CD</a:t>
+            </a:r>
+            <a:r>
+              <a:rPr lang="en-IN" dirty="0"/>
+              <a:t> for automated retraining &amp; deployment.</a:t>
+            </a:r>
+          </a:p>
+          <a:p>
+            <a:pPr marL="285750" indent="-285750">
+              <a:buFont typeface="Arial" panose="020B0604020202020204" pitchFamily="34" charset="0"/>
+              <a:buChar char="•"/>
+            </a:pPr>
+            <a:r>
+              <a:rPr lang="en-IN" dirty="0"/>
+              <a:t>Secure </a:t>
+            </a:r>
+            <a:r>
+              <a:rPr lang="en-IN" b="1" dirty="0"/>
+              <a:t>Nginx load balancing + SSL.</a:t>
+            </a:r>
+            <a:endParaRPr lang="en-IN" dirty="0"/>
+          </a:p>
+        </p:txBody>
+      </p:sp>
+      <p:sp>
+        <p:nvSpPr>
+          <p:cNvPr id="7" name="TextBox 6">
+            <a:extLst>
+              <a:ext uri="{FF2B5EF4-FFF2-40B4-BE49-F238E27FC236}">
+                <a16:creationId xmlns:a16="http://schemas.microsoft.com/office/drawing/2014/main" id="{15CFD49C-C4AB-6DEC-D5B1-74C6D0E7B55F}"/>
+              </a:ext>
+            </a:extLst>
+          </p:cNvPr>
+          <p:cNvSpPr txBox="1"/>
+          <p:nvPr/>
+        </p:nvSpPr>
+        <p:spPr>
+          <a:xfrm>
+            <a:off x="777692" y="1638807"/>
+            <a:ext cx="5521426" cy="4524315"/>
+          </a:xfrm>
+          <a:prstGeom prst="rect">
+            <a:avLst/>
+          </a:prstGeom>
+          <a:noFill/>
+        </p:spPr>
+        <p:txBody>
+          <a:bodyPr wrap="square">
+            <a:spAutoFit/>
+          </a:bodyPr>
+          <a:lstStyle/>
+          <a:p>
+            <a:pPr algn="just"/>
+            <a:r>
+              <a:rPr lang="en-IN" b="1" dirty="0">
+                <a:solidFill>
+                  <a:srgbClr val="002060"/>
+                </a:solidFill>
+              </a:rPr>
+              <a:t>1. Data Acquisition Layer</a:t>
+            </a:r>
+            <a:endParaRPr lang="en-IN" dirty="0">
+              <a:solidFill>
+                <a:srgbClr val="002060"/>
+              </a:solidFill>
+            </a:endParaRPr>
+          </a:p>
+          <a:p>
+            <a:pPr marL="285750" indent="-285750" algn="just">
+              <a:buFont typeface="Arial" panose="020B0604020202020204" pitchFamily="34" charset="0"/>
+              <a:buChar char="•"/>
+            </a:pPr>
+            <a:r>
+              <a:rPr lang="en-IN" b="1" dirty="0"/>
+              <a:t>Live Weather APIs</a:t>
+            </a:r>
+            <a:r>
+              <a:rPr lang="en-IN" dirty="0"/>
+              <a:t>: IMD, </a:t>
+            </a:r>
+            <a:r>
+              <a:rPr lang="en-IN" dirty="0" err="1"/>
+              <a:t>OpenWeather</a:t>
+            </a:r>
+            <a:r>
+              <a:rPr lang="en-IN" dirty="0"/>
+              <a:t>, Lightning feeds.</a:t>
+            </a:r>
+          </a:p>
+          <a:p>
+            <a:pPr marL="285750" indent="-285750" algn="just">
+              <a:buFont typeface="Arial" panose="020B0604020202020204" pitchFamily="34" charset="0"/>
+              <a:buChar char="•"/>
+            </a:pPr>
+            <a:r>
+              <a:rPr lang="en-IN" b="1" dirty="0"/>
+              <a:t>Grid SCADA data</a:t>
+            </a:r>
+            <a:r>
+              <a:rPr lang="en-IN" dirty="0"/>
+              <a:t>: feeder health, load curves.</a:t>
+            </a:r>
+          </a:p>
+          <a:p>
+            <a:pPr marL="285750" indent="-285750" algn="just">
+              <a:buFont typeface="Arial" panose="020B0604020202020204" pitchFamily="34" charset="0"/>
+              <a:buChar char="•"/>
+            </a:pPr>
+            <a:r>
+              <a:rPr lang="en-IN" b="1" dirty="0"/>
+              <a:t>Historical</a:t>
+            </a:r>
+            <a:r>
+              <a:rPr lang="en-IN" dirty="0"/>
+              <a:t> outage logs + </a:t>
+            </a:r>
+            <a:r>
+              <a:rPr lang="en-IN" b="1" dirty="0"/>
+              <a:t>geospatial</a:t>
+            </a:r>
+            <a:r>
+              <a:rPr lang="en-IN" dirty="0"/>
+              <a:t> district mapping.</a:t>
+            </a:r>
+          </a:p>
+          <a:p>
+            <a:pPr algn="just"/>
+            <a:endParaRPr lang="en-IN" dirty="0"/>
+          </a:p>
+          <a:p>
+            <a:pPr algn="just"/>
+            <a:r>
+              <a:rPr lang="en-IN" b="1" dirty="0">
+                <a:solidFill>
+                  <a:srgbClr val="002060"/>
+                </a:solidFill>
+              </a:rPr>
+              <a:t>2. ML Processing Engine</a:t>
+            </a:r>
+            <a:endParaRPr lang="en-IN" dirty="0">
+              <a:solidFill>
+                <a:srgbClr val="002060"/>
+              </a:solidFill>
+            </a:endParaRPr>
+          </a:p>
+          <a:p>
+            <a:pPr marL="342900" indent="-342900" algn="just">
+              <a:buFont typeface="Arial" panose="020B0604020202020204" pitchFamily="34" charset="0"/>
+              <a:buChar char="•"/>
+            </a:pPr>
+            <a:r>
+              <a:rPr lang="en-IN" b="1" dirty="0"/>
+              <a:t>LSTM</a:t>
+            </a:r>
+            <a:r>
+              <a:rPr lang="en-IN" dirty="0"/>
+              <a:t> for time-series weather forecasting.</a:t>
+            </a:r>
+          </a:p>
+          <a:p>
+            <a:pPr marL="342900" indent="-342900" algn="just">
+              <a:buFont typeface="Arial" panose="020B0604020202020204" pitchFamily="34" charset="0"/>
+              <a:buChar char="•"/>
+            </a:pPr>
+            <a:r>
+              <a:rPr lang="en-IN" b="1" dirty="0" err="1"/>
+              <a:t>XGBoost</a:t>
+            </a:r>
+            <a:r>
+              <a:rPr lang="en-IN" dirty="0"/>
+              <a:t> for grid &amp; tabular context features.</a:t>
+            </a:r>
+          </a:p>
+          <a:p>
+            <a:pPr marL="342900" indent="-342900" algn="just">
+              <a:buFont typeface="Arial" panose="020B0604020202020204" pitchFamily="34" charset="0"/>
+              <a:buChar char="•"/>
+            </a:pPr>
+            <a:r>
+              <a:rPr lang="en-IN" dirty="0"/>
+              <a:t>Hybrid </a:t>
+            </a:r>
+            <a:r>
+              <a:rPr lang="en-IN" b="1" dirty="0"/>
+              <a:t>ensemble predictor</a:t>
+            </a:r>
+            <a:r>
+              <a:rPr lang="en-IN" dirty="0"/>
+              <a:t> with </a:t>
+            </a:r>
+            <a:r>
+              <a:rPr lang="en-IN" dirty="0" err="1"/>
+              <a:t>Optuna</a:t>
+            </a:r>
+            <a:r>
+              <a:rPr lang="en-IN" dirty="0"/>
+              <a:t> tuning.</a:t>
+            </a:r>
+          </a:p>
+          <a:p>
+            <a:pPr marL="342900" indent="-342900" algn="just">
+              <a:buFont typeface="Arial" panose="020B0604020202020204" pitchFamily="34" charset="0"/>
+              <a:buChar char="•"/>
+            </a:pPr>
+            <a:r>
+              <a:rPr lang="en-IN" dirty="0"/>
+              <a:t>SHAP explainability for transparent insights</a:t>
+            </a:r>
+          </a:p>
+          <a:p>
+            <a:pPr algn="just"/>
+            <a:endParaRPr lang="en-IN" dirty="0"/>
+          </a:p>
+          <a:p>
+            <a:pPr algn="just"/>
+            <a:r>
+              <a:rPr lang="en-IN" b="1" dirty="0">
+                <a:solidFill>
+                  <a:srgbClr val="002060"/>
+                </a:solidFill>
+              </a:rPr>
+              <a:t>3. Backend API &amp; Data Layer</a:t>
+            </a:r>
+            <a:endParaRPr lang="en-IN" dirty="0">
+              <a:solidFill>
+                <a:srgbClr val="002060"/>
+              </a:solidFill>
+            </a:endParaRPr>
+          </a:p>
+          <a:p>
+            <a:pPr marL="285750" indent="-285750" algn="just">
+              <a:buFont typeface="Arial" panose="020B0604020202020204" pitchFamily="34" charset="0"/>
+              <a:buChar char="•"/>
+            </a:pPr>
+            <a:r>
+              <a:rPr lang="en-IN" b="1" dirty="0"/>
+              <a:t>FastAPI</a:t>
+            </a:r>
+            <a:r>
+              <a:rPr lang="en-IN" dirty="0"/>
+              <a:t> for high-performance prediction services.</a:t>
+            </a:r>
+          </a:p>
+          <a:p>
+            <a:pPr marL="285750" indent="-285750" algn="just">
+              <a:buFont typeface="Arial" panose="020B0604020202020204" pitchFamily="34" charset="0"/>
+              <a:buChar char="•"/>
+            </a:pPr>
+            <a:r>
+              <a:rPr lang="en-IN" b="1" dirty="0" err="1"/>
+              <a:t>TimescaleDB</a:t>
+            </a:r>
+            <a:r>
+              <a:rPr lang="en-IN" b="1" dirty="0"/>
+              <a:t> + </a:t>
+            </a:r>
+            <a:r>
+              <a:rPr lang="en-IN" b="1" dirty="0" err="1"/>
+              <a:t>PostGIS</a:t>
+            </a:r>
+            <a:r>
+              <a:rPr lang="en-IN" dirty="0"/>
+              <a:t> for time-series + spatial data.</a:t>
+            </a:r>
+          </a:p>
+          <a:p>
+            <a:pPr marL="285750" indent="-285750" algn="just">
+              <a:buFont typeface="Arial" panose="020B0604020202020204" pitchFamily="34" charset="0"/>
+              <a:buChar char="•"/>
+            </a:pPr>
+            <a:r>
+              <a:rPr lang="en-IN" b="1" dirty="0"/>
+              <a:t>Redis</a:t>
+            </a:r>
+            <a:r>
+              <a:rPr lang="en-IN" dirty="0"/>
+              <a:t> for sub-second caching &amp; map refresh.</a:t>
+            </a:r>
+          </a:p>
+        </p:txBody>
+      </p:sp>
+    </p:spTree>
+    <p:extLst>
+      <p:ext uri="{BB962C8B-B14F-4D97-AF65-F5344CB8AC3E}">
+        <p14:creationId xmlns:p14="http://schemas.microsoft.com/office/powerpoint/2010/main" val="1930811269"/>
+      </p:ext>
+    </p:extLst>
+  </p:cSld>
+  <p:clrMapOvr>
+    <a:masterClrMapping/>
+  </p:clrMapOvr>
+  <mc:AlternateContent xmlns:mc="http://schemas.openxmlformats.org/markup-compatibility/2006" xmlns:p14="http://schemas.microsoft.com/office/powerpoint/2010/main">
+    <mc:Choice Requires="p14">
+      <p:transition spd="slow" p14:dur="1300">
+        <p14:pan dir="u"/>
+      </p:transition>
+    </mc:Choice>
+    <mc:Fallback xmlns="">
+      <p:transition spd="slow">
+        <p:fade/>
+      </p:transition>
+    </mc:Fallback>
+  </mc:AlternateContent>
+</p:sld>
+</file>
+
+<file path=ppt/slides/slide7.xml><?xml version="1.0" encoding="utf-8"?>
 <p:sld xmlns:a="http://schemas.openxmlformats.org/drawingml/2006/main" xmlns:r="http://schemas.openxmlformats.org/officeDocument/2006/relationships" xmlns:p="http://schemas.openxmlformats.org/presentationml/2006/main">
   <p:cSld>
     <p:spTree>
@@ -6147,7 +8490,7 @@
 </p:sld>
 </file>
 
-<file path=ppt/slides/slide11.xml><?xml version="1.0" encoding="utf-8"?>
+<file path=ppt/slides/slide8.xml><?xml version="1.0" encoding="utf-8"?>
 <p:sld xmlns:a="http://schemas.openxmlformats.org/drawingml/2006/main" xmlns:r="http://schemas.openxmlformats.org/officeDocument/2006/relationships" xmlns:p="http://schemas.openxmlformats.org/presentationml/2006/main">
   <p:cSld>
     <p:spTree>
@@ -6326,7 +8669,7 @@
 </p:sld>
 </file>
 
-<file path=ppt/slides/slide12.xml><?xml version="1.0" encoding="utf-8"?>
+<file path=ppt/slides/slide9.xml><?xml version="1.0" encoding="utf-8"?>
 <p:sld xmlns:a="http://schemas.openxmlformats.org/drawingml/2006/main" xmlns:r="http://schemas.openxmlformats.org/officeDocument/2006/relationships" xmlns:p="http://schemas.openxmlformats.org/presentationml/2006/main">
   <p:cSld>
     <p:spTree>
@@ -6512,7 +8855,7 @@
             </a:pPr>
             <a:r>
               <a:rPr lang="en-GB" altLang="en-US" sz="2000" dirty="0"/>
-              <a:t>-S</a:t>
+              <a:t>- S</a:t>
             </a:r>
             <a:r>
               <a:rPr lang="en-US" altLang="en-US" dirty="0" err="1"/>
@@ -6558,7 +8901,7 @@
             </a:pPr>
             <a:r>
               <a:rPr lang="en-US" altLang="en-US" dirty="0"/>
-              <a:t>-Validated on historical data: model consistently predicted high-risk events (confusion matrix, ROC curve confirm robustness).</a:t>
+              <a:t>- Validated on historical data: model consistently predicted high-risk events (confusion matrix, ROC curve confirm robustness).</a:t>
             </a:r>
           </a:p>
           <a:p>
@@ -6833,3584 +9176,6 @@
     <p:extLst>
       <p:ext uri="{BB962C8B-B14F-4D97-AF65-F5344CB8AC3E}">
         <p14:creationId xmlns:p14="http://schemas.microsoft.com/office/powerpoint/2010/main" val="3945619873"/>
-      </p:ext>
-    </p:extLst>
-  </p:cSld>
-  <p:clrMapOvr>
-    <a:masterClrMapping/>
-  </p:clrMapOvr>
-  <mc:AlternateContent xmlns:mc="http://schemas.openxmlformats.org/markup-compatibility/2006" xmlns:p14="http://schemas.microsoft.com/office/powerpoint/2010/main">
-    <mc:Choice Requires="p14">
-      <p:transition spd="slow" p14:dur="1300">
-        <p14:pan dir="u"/>
-      </p:transition>
-    </mc:Choice>
-    <mc:Fallback xmlns="">
-      <p:transition spd="slow">
-        <p:fade/>
-      </p:transition>
-    </mc:Fallback>
-  </mc:AlternateContent>
-</p:sld>
-</file>
-
-<file path=ppt/slides/slide13.xml><?xml version="1.0" encoding="utf-8"?>
-<p:sld xmlns:a="http://schemas.openxmlformats.org/drawingml/2006/main" xmlns:r="http://schemas.openxmlformats.org/officeDocument/2006/relationships" xmlns:p="http://schemas.openxmlformats.org/presentationml/2006/main">
-  <p:cSld>
-    <p:spTree>
-      <p:nvGrpSpPr>
-        <p:cNvPr id="1" name="">
-          <a:extLst>
-            <a:ext uri="{FF2B5EF4-FFF2-40B4-BE49-F238E27FC236}">
-              <a16:creationId xmlns:a16="http://schemas.microsoft.com/office/drawing/2014/main" id="{3292E8B2-F7C0-510F-CA6A-655FD80B1420}"/>
-            </a:ext>
-          </a:extLst>
-        </p:cNvPr>
-        <p:cNvGrpSpPr/>
-        <p:nvPr/>
-      </p:nvGrpSpPr>
-      <p:grpSpPr>
-        <a:xfrm>
-          <a:off x="0" y="0"/>
-          <a:ext cx="0" cy="0"/>
-          <a:chOff x="0" y="0"/>
-          <a:chExt cx="0" cy="0"/>
-        </a:xfrm>
-      </p:grpSpPr>
-      <p:pic>
-        <p:nvPicPr>
-          <p:cNvPr id="3" name="Picture 2">
-            <a:extLst>
-              <a:ext uri="{FF2B5EF4-FFF2-40B4-BE49-F238E27FC236}">
-                <a16:creationId xmlns:a16="http://schemas.microsoft.com/office/drawing/2014/main" id="{1BC8E6F2-D5A5-7719-2583-A453F383D0BC}"/>
-              </a:ext>
-            </a:extLst>
-          </p:cNvPr>
-          <p:cNvPicPr>
-            <a:picLocks noChangeAspect="1" noChangeArrowheads="1"/>
-          </p:cNvPicPr>
-          <p:nvPr/>
-        </p:nvPicPr>
-        <p:blipFill rotWithShape="1">
-          <a:blip r:embed="rId3">
-            <a:extLst>
-              <a:ext uri="{28A0092B-C50C-407E-A947-70E740481C1C}">
-                <a14:useLocalDpi xmlns:a14="http://schemas.microsoft.com/office/drawing/2010/main" val="0"/>
-              </a:ext>
-            </a:extLst>
-          </a:blip>
-          <a:srcRect t="26099" b="30354"/>
-          <a:stretch>
-            <a:fillRect/>
-          </a:stretch>
-        </p:blipFill>
-        <p:spPr bwMode="auto">
-          <a:xfrm>
-            <a:off x="8183682" y="64160"/>
-            <a:ext cx="3752064" cy="907716"/>
-          </a:xfrm>
-          <a:prstGeom prst="rect">
-            <a:avLst/>
-          </a:prstGeom>
-          <a:noFill/>
-          <a:extLst>
-            <a:ext uri="{909E8E84-426E-40DD-AFC4-6F175D3DCCD1}">
-              <a14:hiddenFill xmlns:a14="http://schemas.microsoft.com/office/drawing/2010/main">
-                <a:solidFill>
-                  <a:srgbClr val="FFFFFF"/>
-                </a:solidFill>
-              </a14:hiddenFill>
-            </a:ext>
-          </a:extLst>
-        </p:spPr>
-      </p:pic>
-      <p:pic>
-        <p:nvPicPr>
-          <p:cNvPr id="4" name="Picture 2">
-            <a:extLst>
-              <a:ext uri="{FF2B5EF4-FFF2-40B4-BE49-F238E27FC236}">
-                <a16:creationId xmlns:a16="http://schemas.microsoft.com/office/drawing/2014/main" id="{5D1E4260-0391-EDE3-5730-6DD7AD72FD4B}"/>
-              </a:ext>
-            </a:extLst>
-          </p:cNvPr>
-          <p:cNvPicPr>
-            <a:picLocks noChangeArrowheads="1"/>
-          </p:cNvPicPr>
-          <p:nvPr/>
-        </p:nvPicPr>
-        <p:blipFill rotWithShape="1">
-          <a:blip r:embed="rId4">
-            <a:extLst>
-              <a:ext uri="{28A0092B-C50C-407E-A947-70E740481C1C}">
-                <a14:useLocalDpi xmlns:a14="http://schemas.microsoft.com/office/drawing/2010/main" val="0"/>
-              </a:ext>
-            </a:extLst>
-          </a:blip>
-          <a:srcRect l="3628" t="30628" r="9015" b="36375"/>
-          <a:stretch>
-            <a:fillRect/>
-          </a:stretch>
-        </p:blipFill>
-        <p:spPr bwMode="auto">
-          <a:xfrm>
-            <a:off x="257119" y="64676"/>
-            <a:ext cx="3751200" cy="907200"/>
-          </a:xfrm>
-          <a:prstGeom prst="rect">
-            <a:avLst/>
-          </a:prstGeom>
-          <a:noFill/>
-          <a:extLst>
-            <a:ext uri="{909E8E84-426E-40DD-AFC4-6F175D3DCCD1}">
-              <a14:hiddenFill xmlns:a14="http://schemas.microsoft.com/office/drawing/2010/main">
-                <a:solidFill>
-                  <a:srgbClr val="FFFFFF"/>
-                </a:solidFill>
-              </a14:hiddenFill>
-            </a:ext>
-          </a:extLst>
-        </p:spPr>
-      </p:pic>
-      <p:pic>
-        <p:nvPicPr>
-          <p:cNvPr id="5" name="Picture 4">
-            <a:extLst>
-              <a:ext uri="{FF2B5EF4-FFF2-40B4-BE49-F238E27FC236}">
-                <a16:creationId xmlns:a16="http://schemas.microsoft.com/office/drawing/2014/main" id="{E870D3F2-C21E-697C-CD9E-2232755A51B4}"/>
-              </a:ext>
-            </a:extLst>
-          </p:cNvPr>
-          <p:cNvPicPr>
-            <a:picLocks noChangeAspect="1"/>
-          </p:cNvPicPr>
-          <p:nvPr/>
-        </p:nvPicPr>
-        <p:blipFill>
-          <a:blip r:embed="rId5">
-            <a:extLst>
-              <a:ext uri="{28A0092B-C50C-407E-A947-70E740481C1C}">
-                <a14:useLocalDpi xmlns:a14="http://schemas.microsoft.com/office/drawing/2010/main" val="0"/>
-              </a:ext>
-            </a:extLst>
-          </a:blip>
-          <a:srcRect t="12778" b="12639"/>
-          <a:stretch>
-            <a:fillRect/>
-          </a:stretch>
-        </p:blipFill>
-        <p:spPr>
-          <a:xfrm>
-            <a:off x="0" y="1128373"/>
-            <a:ext cx="12192000" cy="5729627"/>
-          </a:xfrm>
-          <a:prstGeom prst="rect">
-            <a:avLst/>
-          </a:prstGeom>
-        </p:spPr>
-      </p:pic>
-    </p:spTree>
-    <p:extLst>
-      <p:ext uri="{BB962C8B-B14F-4D97-AF65-F5344CB8AC3E}">
-        <p14:creationId xmlns:p14="http://schemas.microsoft.com/office/powerpoint/2010/main" val="961346224"/>
-      </p:ext>
-    </p:extLst>
-  </p:cSld>
-  <p:clrMapOvr>
-    <a:masterClrMapping/>
-  </p:clrMapOvr>
-  <mc:AlternateContent xmlns:mc="http://schemas.openxmlformats.org/markup-compatibility/2006" xmlns:p14="http://schemas.microsoft.com/office/powerpoint/2010/main">
-    <mc:Choice Requires="p14">
-      <p:transition spd="slow" p14:dur="1300">
-        <p14:pan dir="u"/>
-      </p:transition>
-    </mc:Choice>
-    <mc:Fallback xmlns="">
-      <p:transition spd="slow">
-        <p:fade/>
-      </p:transition>
-    </mc:Fallback>
-  </mc:AlternateContent>
-</p:sld>
-</file>
-
-<file path=ppt/slides/slide2.xml><?xml version="1.0" encoding="utf-8"?>
-<p:sld xmlns:a="http://schemas.openxmlformats.org/drawingml/2006/main" xmlns:r="http://schemas.openxmlformats.org/officeDocument/2006/relationships" xmlns:p="http://schemas.openxmlformats.org/presentationml/2006/main">
-  <p:cSld>
-    <p:spTree>
-      <p:nvGrpSpPr>
-        <p:cNvPr id="1" name="">
-          <a:extLst>
-            <a:ext uri="{FF2B5EF4-FFF2-40B4-BE49-F238E27FC236}">
-              <a16:creationId xmlns:a16="http://schemas.microsoft.com/office/drawing/2014/main" id="{435B0055-2C4D-081D-BC4F-4C586BA8269A}"/>
-            </a:ext>
-          </a:extLst>
-        </p:cNvPr>
-        <p:cNvGrpSpPr/>
-        <p:nvPr/>
-      </p:nvGrpSpPr>
-      <p:grpSpPr>
-        <a:xfrm>
-          <a:off x="0" y="0"/>
-          <a:ext cx="0" cy="0"/>
-          <a:chOff x="0" y="0"/>
-          <a:chExt cx="0" cy="0"/>
-        </a:xfrm>
-      </p:grpSpPr>
-      <p:pic>
-        <p:nvPicPr>
-          <p:cNvPr id="8" name="Picture 7">
-            <a:extLst>
-              <a:ext uri="{FF2B5EF4-FFF2-40B4-BE49-F238E27FC236}">
-                <a16:creationId xmlns:a16="http://schemas.microsoft.com/office/drawing/2014/main" id="{02F054B7-053C-3210-68C8-97731640EC4E}"/>
-              </a:ext>
-            </a:extLst>
-          </p:cNvPr>
-          <p:cNvPicPr>
-            <a:picLocks noChangeAspect="1"/>
-          </p:cNvPicPr>
-          <p:nvPr/>
-        </p:nvPicPr>
-        <p:blipFill>
-          <a:blip r:embed="rId3"/>
-          <a:srcRect l="10048" t="406" r="9256" b="1442"/>
-          <a:stretch>
-            <a:fillRect/>
-          </a:stretch>
-        </p:blipFill>
-        <p:spPr>
-          <a:xfrm>
-            <a:off x="-22107" y="0"/>
-            <a:ext cx="653703" cy="6864352"/>
-          </a:xfrm>
-          <a:prstGeom prst="rect">
-            <a:avLst/>
-          </a:prstGeom>
-        </p:spPr>
-      </p:pic>
-      <p:pic>
-        <p:nvPicPr>
-          <p:cNvPr id="3" name="Picture 2">
-            <a:extLst>
-              <a:ext uri="{FF2B5EF4-FFF2-40B4-BE49-F238E27FC236}">
-                <a16:creationId xmlns:a16="http://schemas.microsoft.com/office/drawing/2014/main" id="{639CDEFF-D609-80CE-D4A4-DAC9500A5856}"/>
-              </a:ext>
-            </a:extLst>
-          </p:cNvPr>
-          <p:cNvPicPr>
-            <a:picLocks noChangeAspect="1" noChangeArrowheads="1"/>
-          </p:cNvPicPr>
-          <p:nvPr/>
-        </p:nvPicPr>
-        <p:blipFill rotWithShape="1">
-          <a:blip r:embed="rId4">
-            <a:extLst>
-              <a:ext uri="{28A0092B-C50C-407E-A947-70E740481C1C}">
-                <a14:useLocalDpi xmlns:a14="http://schemas.microsoft.com/office/drawing/2010/main" val="0"/>
-              </a:ext>
-            </a:extLst>
-          </a:blip>
-          <a:srcRect t="26099" b="30354"/>
-          <a:stretch>
-            <a:fillRect/>
-          </a:stretch>
-        </p:blipFill>
-        <p:spPr bwMode="auto">
-          <a:xfrm>
-            <a:off x="8183682" y="64160"/>
-            <a:ext cx="3752064" cy="907716"/>
-          </a:xfrm>
-          <a:prstGeom prst="rect">
-            <a:avLst/>
-          </a:prstGeom>
-          <a:noFill/>
-          <a:extLst>
-            <a:ext uri="{909E8E84-426E-40DD-AFC4-6F175D3DCCD1}">
-              <a14:hiddenFill xmlns:a14="http://schemas.microsoft.com/office/drawing/2010/main">
-                <a:solidFill>
-                  <a:srgbClr val="FFFFFF"/>
-                </a:solidFill>
-              </a14:hiddenFill>
-            </a:ext>
-          </a:extLst>
-        </p:spPr>
-      </p:pic>
-      <p:pic>
-        <p:nvPicPr>
-          <p:cNvPr id="4" name="Picture 2">
-            <a:extLst>
-              <a:ext uri="{FF2B5EF4-FFF2-40B4-BE49-F238E27FC236}">
-                <a16:creationId xmlns:a16="http://schemas.microsoft.com/office/drawing/2014/main" id="{8BD3DD5F-2306-13A1-5705-4991FB3CFA85}"/>
-              </a:ext>
-            </a:extLst>
-          </p:cNvPr>
-          <p:cNvPicPr>
-            <a:picLocks noChangeArrowheads="1"/>
-          </p:cNvPicPr>
-          <p:nvPr/>
-        </p:nvPicPr>
-        <p:blipFill rotWithShape="1">
-          <a:blip r:embed="rId5">
-            <a:extLst>
-              <a:ext uri="{28A0092B-C50C-407E-A947-70E740481C1C}">
-                <a14:useLocalDpi xmlns:a14="http://schemas.microsoft.com/office/drawing/2010/main" val="0"/>
-              </a:ext>
-            </a:extLst>
-          </a:blip>
-          <a:srcRect l="3628" t="30628" r="9015" b="36375"/>
-          <a:stretch>
-            <a:fillRect/>
-          </a:stretch>
-        </p:blipFill>
-        <p:spPr bwMode="auto">
-          <a:xfrm>
-            <a:off x="777692" y="64676"/>
-            <a:ext cx="3751200" cy="907200"/>
-          </a:xfrm>
-          <a:prstGeom prst="rect">
-            <a:avLst/>
-          </a:prstGeom>
-          <a:noFill/>
-          <a:extLst>
-            <a:ext uri="{909E8E84-426E-40DD-AFC4-6F175D3DCCD1}">
-              <a14:hiddenFill xmlns:a14="http://schemas.microsoft.com/office/drawing/2010/main">
-                <a:solidFill>
-                  <a:srgbClr val="FFFFFF"/>
-                </a:solidFill>
-              </a14:hiddenFill>
-            </a:ext>
-          </a:extLst>
-        </p:spPr>
-      </p:pic>
-      <p:sp>
-        <p:nvSpPr>
-          <p:cNvPr id="5" name="TextBox 4">
-            <a:extLst>
-              <a:ext uri="{FF2B5EF4-FFF2-40B4-BE49-F238E27FC236}">
-                <a16:creationId xmlns:a16="http://schemas.microsoft.com/office/drawing/2014/main" id="{A88C7701-232D-B91C-5FA1-A165FDA5A145}"/>
-              </a:ext>
-            </a:extLst>
-          </p:cNvPr>
-          <p:cNvSpPr txBox="1"/>
-          <p:nvPr/>
-        </p:nvSpPr>
-        <p:spPr>
-          <a:xfrm>
-            <a:off x="777692" y="1118533"/>
-            <a:ext cx="6105524" cy="523220"/>
-          </a:xfrm>
-          <a:prstGeom prst="rect">
-            <a:avLst/>
-          </a:prstGeom>
-          <a:noFill/>
-        </p:spPr>
-        <p:txBody>
-          <a:bodyPr wrap="square">
-            <a:spAutoFit/>
-          </a:bodyPr>
-          <a:lstStyle/>
-          <a:p>
-            <a:pPr>
-              <a:buNone/>
-            </a:pPr>
-            <a:r>
-              <a:rPr lang="en-GB" sz="2800" b="1" dirty="0">
-                <a:solidFill>
-                  <a:srgbClr val="51274D"/>
-                </a:solidFill>
-              </a:rPr>
-              <a:t>Problem Statement (Context)</a:t>
-            </a:r>
-          </a:p>
-        </p:txBody>
-      </p:sp>
-      <p:sp>
-        <p:nvSpPr>
-          <p:cNvPr id="2" name="Rectangle 1">
-            <a:extLst>
-              <a:ext uri="{FF2B5EF4-FFF2-40B4-BE49-F238E27FC236}">
-                <a16:creationId xmlns:a16="http://schemas.microsoft.com/office/drawing/2014/main" id="{6EAF3D8D-5174-6769-8952-1A68DE9C323F}"/>
-              </a:ext>
-            </a:extLst>
-          </p:cNvPr>
-          <p:cNvSpPr>
-            <a:spLocks noChangeArrowheads="1"/>
-          </p:cNvSpPr>
-          <p:nvPr/>
-        </p:nvSpPr>
-        <p:spPr bwMode="auto">
-          <a:xfrm>
-            <a:off x="631596" y="1641753"/>
-            <a:ext cx="4661084" cy="5016758"/>
-          </a:xfrm>
-          <a:prstGeom prst="rect">
-            <a:avLst/>
-          </a:prstGeom>
-          <a:noFill/>
-          <a:ln>
-            <a:noFill/>
-          </a:ln>
-          <a:effectLst/>
-          <a:extLst>
-            <a:ext uri="{909E8E84-426E-40DD-AFC4-6F175D3DCCD1}">
-              <a14:hiddenFill xmlns:a14="http://schemas.microsoft.com/office/drawing/2010/main">
-                <a:solidFill>
-                  <a:schemeClr val="accent1"/>
-                </a:solidFill>
-              </a14:hiddenFill>
-            </a:ext>
-            <a:ext uri="{91240B29-F687-4F45-9708-019B960494DF}">
-              <a14:hiddenLine xmlns:a14="http://schemas.microsoft.com/office/drawing/2010/main" w="9525">
-                <a:solidFill>
-                  <a:schemeClr val="tx1"/>
-                </a:solidFill>
-                <a:miter lim="800000"/>
-                <a:headEnd/>
-                <a:tailEnd/>
-              </a14:hiddenLine>
-            </a:ext>
-            <a:ext uri="{AF507438-7753-43E0-B8FC-AC1667EBCBE1}">
-              <a14:hiddenEffects xmlns:a14="http://schemas.microsoft.com/office/drawing/2010/main">
-                <a:effectLst>
-                  <a:outerShdw dist="35921" dir="2700000" algn="ctr" rotWithShape="0">
-                    <a:schemeClr val="bg2"/>
-                  </a:outerShdw>
-                </a:effectLst>
-              </a14:hiddenEffects>
-            </a:ext>
-          </a:extLst>
-        </p:spPr>
-        <p:txBody>
-          <a:bodyPr vert="horz" wrap="square" lIns="91440" tIns="45720" rIns="91440" bIns="45720" numCol="1" anchor="ctr" anchorCtr="0" compatLnSpc="1">
-            <a:prstTxWarp prst="textNoShape">
-              <a:avLst/>
-            </a:prstTxWarp>
-            <a:spAutoFit/>
-          </a:bodyPr>
-          <a:lstStyle/>
-          <a:p>
-            <a:pPr marL="285750" marR="0" lvl="0" indent="-285750" algn="just" defTabSz="914400" rtl="0" eaLnBrk="0" fontAlgn="base" latinLnBrk="0" hangingPunct="0">
-              <a:lnSpc>
-                <a:spcPct val="100000"/>
-              </a:lnSpc>
-              <a:spcBef>
-                <a:spcPct val="0"/>
-              </a:spcBef>
-              <a:spcAft>
-                <a:spcPct val="0"/>
-              </a:spcAft>
-              <a:buClrTx/>
-              <a:buSzTx/>
-              <a:buFont typeface="Arial" panose="020B0604020202020204" pitchFamily="34" charset="0"/>
-              <a:buChar char="•"/>
-              <a:tabLst/>
-            </a:pPr>
-            <a:r>
-              <a:rPr kumimoji="0" lang="en-US" altLang="en-US" sz="2000" b="0" i="0" u="none" strike="noStrike" cap="none" normalizeH="0" baseline="0" dirty="0">
-                <a:ln>
-                  <a:noFill/>
-                </a:ln>
-                <a:solidFill>
-                  <a:schemeClr val="tx1"/>
-                </a:solidFill>
-                <a:effectLst/>
-                <a:cs typeface="Arial" panose="020B0604020202020204" pitchFamily="34" charset="0"/>
-              </a:rPr>
-              <a:t>Power grids suffer from unplanned outages, severe weather, and aging infrastructure.</a:t>
-            </a:r>
-          </a:p>
-          <a:p>
-            <a:pPr marL="285750" marR="0" lvl="0" indent="-285750" algn="just" defTabSz="914400" rtl="0" eaLnBrk="0" fontAlgn="base" latinLnBrk="0" hangingPunct="0">
-              <a:lnSpc>
-                <a:spcPct val="100000"/>
-              </a:lnSpc>
-              <a:spcBef>
-                <a:spcPct val="0"/>
-              </a:spcBef>
-              <a:spcAft>
-                <a:spcPct val="0"/>
-              </a:spcAft>
-              <a:buClrTx/>
-              <a:buSzTx/>
-              <a:buFont typeface="Arial" panose="020B0604020202020204" pitchFamily="34" charset="0"/>
-              <a:buChar char="•"/>
-              <a:tabLst/>
-            </a:pPr>
-            <a:r>
-              <a:rPr kumimoji="0" lang="en-US" altLang="en-US" sz="2000" b="1" i="0" u="none" strike="noStrike" cap="none" normalizeH="0" baseline="0" dirty="0">
-                <a:ln>
-                  <a:noFill/>
-                </a:ln>
-                <a:solidFill>
-                  <a:schemeClr val="tx1"/>
-                </a:solidFill>
-                <a:effectLst/>
-                <a:cs typeface="Arial" panose="020B0604020202020204" pitchFamily="34" charset="0"/>
-              </a:rPr>
-              <a:t>85% of outages are weather-related</a:t>
-            </a:r>
-            <a:r>
-              <a:rPr kumimoji="0" lang="en-US" altLang="en-US" sz="2000" b="0" i="0" u="none" strike="noStrike" cap="none" normalizeH="0" baseline="0" dirty="0">
-                <a:ln>
-                  <a:noFill/>
-                </a:ln>
-                <a:solidFill>
-                  <a:schemeClr val="tx1"/>
-                </a:solidFill>
-                <a:effectLst/>
-                <a:cs typeface="Arial" panose="020B0604020202020204" pitchFamily="34" charset="0"/>
-              </a:rPr>
-              <a:t>, causing </a:t>
-            </a:r>
-            <a:r>
-              <a:rPr kumimoji="0" lang="en-US" altLang="en-US" sz="2000" b="1" i="0" u="none" strike="noStrike" cap="none" normalizeH="0" baseline="0" dirty="0">
-                <a:ln>
-                  <a:noFill/>
-                </a:ln>
-                <a:solidFill>
-                  <a:schemeClr val="tx1"/>
-                </a:solidFill>
-                <a:effectLst/>
-                <a:cs typeface="Arial" panose="020B0604020202020204" pitchFamily="34" charset="0"/>
-              </a:rPr>
-              <a:t>₹2,400+ crore annual losses</a:t>
-            </a:r>
-            <a:r>
-              <a:rPr kumimoji="0" lang="en-US" altLang="en-US" sz="2000" b="0" i="0" u="none" strike="noStrike" cap="none" normalizeH="0" baseline="0" dirty="0">
-                <a:ln>
-                  <a:noFill/>
-                </a:ln>
-                <a:solidFill>
-                  <a:schemeClr val="tx1"/>
-                </a:solidFill>
-                <a:effectLst/>
-                <a:cs typeface="Arial" panose="020B0604020202020204" pitchFamily="34" charset="0"/>
-              </a:rPr>
-              <a:t> and critical disruptions.</a:t>
-            </a:r>
-          </a:p>
-          <a:p>
-            <a:pPr marL="285750" marR="0" lvl="0" indent="-285750" algn="just" defTabSz="914400" rtl="0" eaLnBrk="0" fontAlgn="base" latinLnBrk="0" hangingPunct="0">
-              <a:lnSpc>
-                <a:spcPct val="100000"/>
-              </a:lnSpc>
-              <a:spcBef>
-                <a:spcPct val="0"/>
-              </a:spcBef>
-              <a:spcAft>
-                <a:spcPct val="0"/>
-              </a:spcAft>
-              <a:buClrTx/>
-              <a:buSzTx/>
-              <a:buFont typeface="Arial" panose="020B0604020202020204" pitchFamily="34" charset="0"/>
-              <a:buChar char="•"/>
-              <a:tabLst/>
-            </a:pPr>
-            <a:r>
-              <a:rPr kumimoji="0" lang="en-US" altLang="en-US" sz="2000" b="0" i="0" u="none" strike="noStrike" cap="none" normalizeH="0" baseline="0" dirty="0">
-                <a:ln>
-                  <a:noFill/>
-                </a:ln>
-                <a:solidFill>
-                  <a:schemeClr val="tx1"/>
-                </a:solidFill>
-                <a:effectLst/>
-                <a:cs typeface="Arial" panose="020B0604020202020204" pitchFamily="34" charset="0"/>
-              </a:rPr>
-              <a:t>Hospitals, industries, and citizens remain unprepared for sudden blackouts.</a:t>
-            </a:r>
-          </a:p>
-          <a:p>
-            <a:pPr marL="285750" marR="0" lvl="0" indent="-285750" algn="just" defTabSz="914400" rtl="0" eaLnBrk="0" fontAlgn="base" latinLnBrk="0" hangingPunct="0">
-              <a:lnSpc>
-                <a:spcPct val="100000"/>
-              </a:lnSpc>
-              <a:spcBef>
-                <a:spcPct val="0"/>
-              </a:spcBef>
-              <a:spcAft>
-                <a:spcPct val="0"/>
-              </a:spcAft>
-              <a:buClrTx/>
-              <a:buSzTx/>
-              <a:buFont typeface="Arial" panose="020B0604020202020204" pitchFamily="34" charset="0"/>
-              <a:buChar char="•"/>
-              <a:tabLst/>
-            </a:pPr>
-            <a:r>
-              <a:rPr kumimoji="0" lang="en-US" altLang="en-US" sz="2000" b="0" i="0" u="none" strike="noStrike" cap="none" normalizeH="0" baseline="0" dirty="0">
-                <a:ln>
-                  <a:noFill/>
-                </a:ln>
-                <a:solidFill>
-                  <a:schemeClr val="tx1"/>
-                </a:solidFill>
-                <a:effectLst/>
-                <a:cs typeface="Arial" panose="020B0604020202020204" pitchFamily="34" charset="0"/>
-              </a:rPr>
-              <a:t>Current systems lack </a:t>
-            </a:r>
-            <a:r>
-              <a:rPr kumimoji="0" lang="en-US" altLang="en-US" sz="2000" b="1" i="0" u="none" strike="noStrike" cap="none" normalizeH="0" baseline="0" dirty="0">
-                <a:ln>
-                  <a:noFill/>
-                </a:ln>
-                <a:solidFill>
-                  <a:schemeClr val="tx1"/>
-                </a:solidFill>
-                <a:effectLst/>
-                <a:cs typeface="Arial" panose="020B0604020202020204" pitchFamily="34" charset="0"/>
-              </a:rPr>
-              <a:t>predictive capability</a:t>
-            </a:r>
-            <a:r>
-              <a:rPr kumimoji="0" lang="en-US" altLang="en-US" sz="2000" b="0" i="0" u="none" strike="noStrike" cap="none" normalizeH="0" baseline="0" dirty="0">
-                <a:ln>
-                  <a:noFill/>
-                </a:ln>
-                <a:solidFill>
-                  <a:schemeClr val="tx1"/>
-                </a:solidFill>
-                <a:effectLst/>
-                <a:cs typeface="Arial" panose="020B0604020202020204" pitchFamily="34" charset="0"/>
-              </a:rPr>
-              <a:t>, making response slow and reactive.</a:t>
-            </a:r>
-          </a:p>
-          <a:p>
-            <a:pPr marR="0" lvl="0" algn="just" defTabSz="914400" rtl="0" eaLnBrk="0" fontAlgn="base" latinLnBrk="0" hangingPunct="0">
-              <a:lnSpc>
-                <a:spcPct val="100000"/>
-              </a:lnSpc>
-              <a:spcBef>
-                <a:spcPct val="0"/>
-              </a:spcBef>
-              <a:spcAft>
-                <a:spcPct val="0"/>
-              </a:spcAft>
-              <a:buClrTx/>
-              <a:buSzTx/>
-              <a:tabLst/>
-            </a:pPr>
-            <a:r>
-              <a:rPr kumimoji="0" lang="en-US" altLang="en-US" sz="2000" b="1" i="0" u="none" strike="noStrike" cap="none" normalizeH="0" baseline="0" dirty="0">
-                <a:ln>
-                  <a:noFill/>
-                </a:ln>
-                <a:solidFill>
-                  <a:srgbClr val="002060"/>
-                </a:solidFill>
-                <a:effectLst/>
-                <a:cs typeface="Arial" panose="020B0604020202020204" pitchFamily="34" charset="0"/>
-              </a:rPr>
-              <a:t>Why important to solve?</a:t>
-            </a:r>
-            <a:r>
-              <a:rPr kumimoji="0" lang="en-US" altLang="en-US" sz="2000" b="0" i="0" u="none" strike="noStrike" cap="none" normalizeH="0" baseline="0" dirty="0">
-                <a:ln>
-                  <a:noFill/>
-                </a:ln>
-                <a:solidFill>
-                  <a:srgbClr val="002060"/>
-                </a:solidFill>
-                <a:effectLst/>
-                <a:cs typeface="Arial" panose="020B0604020202020204" pitchFamily="34" charset="0"/>
-              </a:rPr>
-              <a:t> </a:t>
-            </a:r>
-          </a:p>
-          <a:p>
-            <a:pPr marR="0" lvl="0" algn="just" defTabSz="914400" rtl="0" eaLnBrk="0" fontAlgn="base" latinLnBrk="0" hangingPunct="0">
-              <a:lnSpc>
-                <a:spcPct val="100000"/>
-              </a:lnSpc>
-              <a:spcBef>
-                <a:spcPct val="0"/>
-              </a:spcBef>
-              <a:spcAft>
-                <a:spcPct val="0"/>
-              </a:spcAft>
-              <a:buClrTx/>
-              <a:buSzTx/>
-              <a:tabLst/>
-            </a:pPr>
-            <a:r>
-              <a:rPr kumimoji="0" lang="en-US" altLang="en-US" sz="2000" b="0" i="0" u="none" strike="noStrike" cap="none" normalizeH="0" baseline="0" dirty="0">
-                <a:ln>
-                  <a:noFill/>
-                </a:ln>
-                <a:solidFill>
-                  <a:schemeClr val="tx1"/>
-                </a:solidFill>
-                <a:effectLst/>
-                <a:cs typeface="Arial" panose="020B0604020202020204" pitchFamily="34" charset="0"/>
-              </a:rPr>
-              <a:t>Because a </a:t>
-            </a:r>
-            <a:r>
-              <a:rPr kumimoji="0" lang="en-US" altLang="en-US" sz="2000" b="1" i="0" u="none" strike="noStrike" cap="none" normalizeH="0" baseline="0" dirty="0">
-                <a:ln>
-                  <a:noFill/>
-                </a:ln>
-                <a:solidFill>
-                  <a:schemeClr val="tx1"/>
-                </a:solidFill>
-                <a:effectLst/>
-                <a:cs typeface="Arial" panose="020B0604020202020204" pitchFamily="34" charset="0"/>
-              </a:rPr>
-              <a:t>proactive, AI-driven early warning system</a:t>
-            </a:r>
-            <a:r>
-              <a:rPr kumimoji="0" lang="en-US" altLang="en-US" sz="2000" b="0" i="0" u="none" strike="noStrike" cap="none" normalizeH="0" baseline="0" dirty="0">
-                <a:ln>
-                  <a:noFill/>
-                </a:ln>
-                <a:solidFill>
-                  <a:schemeClr val="tx1"/>
-                </a:solidFill>
-                <a:effectLst/>
-                <a:cs typeface="Arial" panose="020B0604020202020204" pitchFamily="34" charset="0"/>
-              </a:rPr>
-              <a:t> can reduce downtime, save lives, and improve grid resilience.</a:t>
-            </a:r>
-          </a:p>
-        </p:txBody>
-      </p:sp>
-      <p:pic>
-        <p:nvPicPr>
-          <p:cNvPr id="7" name="Picture 6">
-            <a:extLst>
-              <a:ext uri="{FF2B5EF4-FFF2-40B4-BE49-F238E27FC236}">
-                <a16:creationId xmlns:a16="http://schemas.microsoft.com/office/drawing/2014/main" id="{160079E3-5C17-7C03-8144-291061BB6A20}"/>
-              </a:ext>
-            </a:extLst>
-          </p:cNvPr>
-          <p:cNvPicPr>
-            <a:picLocks noChangeAspect="1"/>
-          </p:cNvPicPr>
-          <p:nvPr/>
-        </p:nvPicPr>
-        <p:blipFill>
-          <a:blip r:embed="rId6">
-            <a:extLst>
-              <a:ext uri="{28A0092B-C50C-407E-A947-70E740481C1C}">
-                <a14:useLocalDpi xmlns:a14="http://schemas.microsoft.com/office/drawing/2010/main" val="0"/>
-              </a:ext>
-            </a:extLst>
-          </a:blip>
-          <a:stretch>
-            <a:fillRect/>
-          </a:stretch>
-        </p:blipFill>
-        <p:spPr>
-          <a:xfrm>
-            <a:off x="5438776" y="1118532"/>
-            <a:ext cx="6753224" cy="5539979"/>
-          </a:xfrm>
-          <a:prstGeom prst="rect">
-            <a:avLst/>
-          </a:prstGeom>
-        </p:spPr>
-      </p:pic>
-    </p:spTree>
-    <p:extLst>
-      <p:ext uri="{BB962C8B-B14F-4D97-AF65-F5344CB8AC3E}">
-        <p14:creationId xmlns:p14="http://schemas.microsoft.com/office/powerpoint/2010/main" val="1758408415"/>
-      </p:ext>
-    </p:extLst>
-  </p:cSld>
-  <p:clrMapOvr>
-    <a:masterClrMapping/>
-  </p:clrMapOvr>
-</p:sld>
-</file>
-
-<file path=ppt/slides/slide3.xml><?xml version="1.0" encoding="utf-8"?>
-<p:sld xmlns:a="http://schemas.openxmlformats.org/drawingml/2006/main" xmlns:r="http://schemas.openxmlformats.org/officeDocument/2006/relationships" xmlns:p="http://schemas.openxmlformats.org/presentationml/2006/main">
-  <p:cSld>
-    <p:spTree>
-      <p:nvGrpSpPr>
-        <p:cNvPr id="1" name="">
-          <a:extLst>
-            <a:ext uri="{FF2B5EF4-FFF2-40B4-BE49-F238E27FC236}">
-              <a16:creationId xmlns:a16="http://schemas.microsoft.com/office/drawing/2014/main" id="{B6F56FE9-72E5-4C10-D904-1CA0BCE48F97}"/>
-            </a:ext>
-          </a:extLst>
-        </p:cNvPr>
-        <p:cNvGrpSpPr/>
-        <p:nvPr/>
-      </p:nvGrpSpPr>
-      <p:grpSpPr>
-        <a:xfrm>
-          <a:off x="0" y="0"/>
-          <a:ext cx="0" cy="0"/>
-          <a:chOff x="0" y="0"/>
-          <a:chExt cx="0" cy="0"/>
-        </a:xfrm>
-      </p:grpSpPr>
-      <p:pic>
-        <p:nvPicPr>
-          <p:cNvPr id="9" name="Picture 8">
-            <a:extLst>
-              <a:ext uri="{FF2B5EF4-FFF2-40B4-BE49-F238E27FC236}">
-                <a16:creationId xmlns:a16="http://schemas.microsoft.com/office/drawing/2014/main" id="{8265E11C-D12D-CE2B-0A59-A55661CCD4DA}"/>
-              </a:ext>
-            </a:extLst>
-          </p:cNvPr>
-          <p:cNvPicPr>
-            <a:picLocks noChangeAspect="1"/>
-          </p:cNvPicPr>
-          <p:nvPr/>
-        </p:nvPicPr>
-        <p:blipFill>
-          <a:blip r:embed="rId3">
-            <a:extLst>
-              <a:ext uri="{28A0092B-C50C-407E-A947-70E740481C1C}">
-                <a14:useLocalDpi xmlns:a14="http://schemas.microsoft.com/office/drawing/2010/main" val="0"/>
-              </a:ext>
-            </a:extLst>
-          </a:blip>
-          <a:stretch>
-            <a:fillRect/>
-          </a:stretch>
-        </p:blipFill>
-        <p:spPr>
-          <a:xfrm>
-            <a:off x="6508658" y="971876"/>
-            <a:ext cx="5597754" cy="5886124"/>
-          </a:xfrm>
-          <a:prstGeom prst="rect">
-            <a:avLst/>
-          </a:prstGeom>
-        </p:spPr>
-      </p:pic>
-      <p:pic>
-        <p:nvPicPr>
-          <p:cNvPr id="8" name="Picture 7">
-            <a:extLst>
-              <a:ext uri="{FF2B5EF4-FFF2-40B4-BE49-F238E27FC236}">
-                <a16:creationId xmlns:a16="http://schemas.microsoft.com/office/drawing/2014/main" id="{3278F1B9-BD9B-FE7A-8296-F55402697A88}"/>
-              </a:ext>
-            </a:extLst>
-          </p:cNvPr>
-          <p:cNvPicPr>
-            <a:picLocks noChangeAspect="1"/>
-          </p:cNvPicPr>
-          <p:nvPr/>
-        </p:nvPicPr>
-        <p:blipFill>
-          <a:blip r:embed="rId4"/>
-          <a:srcRect l="10048" t="406" r="9256" b="1442"/>
-          <a:stretch>
-            <a:fillRect/>
-          </a:stretch>
-        </p:blipFill>
-        <p:spPr>
-          <a:xfrm>
-            <a:off x="-22107" y="0"/>
-            <a:ext cx="653703" cy="6864352"/>
-          </a:xfrm>
-          <a:prstGeom prst="rect">
-            <a:avLst/>
-          </a:prstGeom>
-        </p:spPr>
-      </p:pic>
-      <p:pic>
-        <p:nvPicPr>
-          <p:cNvPr id="3" name="Picture 2">
-            <a:extLst>
-              <a:ext uri="{FF2B5EF4-FFF2-40B4-BE49-F238E27FC236}">
-                <a16:creationId xmlns:a16="http://schemas.microsoft.com/office/drawing/2014/main" id="{3136DAAE-BDE1-6757-C67D-2012394E4A73}"/>
-              </a:ext>
-            </a:extLst>
-          </p:cNvPr>
-          <p:cNvPicPr>
-            <a:picLocks noChangeAspect="1" noChangeArrowheads="1"/>
-          </p:cNvPicPr>
-          <p:nvPr/>
-        </p:nvPicPr>
-        <p:blipFill rotWithShape="1">
-          <a:blip r:embed="rId5">
-            <a:extLst>
-              <a:ext uri="{28A0092B-C50C-407E-A947-70E740481C1C}">
-                <a14:useLocalDpi xmlns:a14="http://schemas.microsoft.com/office/drawing/2010/main" val="0"/>
-              </a:ext>
-            </a:extLst>
-          </a:blip>
-          <a:srcRect t="26099" b="30354"/>
-          <a:stretch>
-            <a:fillRect/>
-          </a:stretch>
-        </p:blipFill>
-        <p:spPr bwMode="auto">
-          <a:xfrm>
-            <a:off x="8183682" y="64160"/>
-            <a:ext cx="3752064" cy="907716"/>
-          </a:xfrm>
-          <a:prstGeom prst="rect">
-            <a:avLst/>
-          </a:prstGeom>
-          <a:noFill/>
-          <a:extLst>
-            <a:ext uri="{909E8E84-426E-40DD-AFC4-6F175D3DCCD1}">
-              <a14:hiddenFill xmlns:a14="http://schemas.microsoft.com/office/drawing/2010/main">
-                <a:solidFill>
-                  <a:srgbClr val="FFFFFF"/>
-                </a:solidFill>
-              </a14:hiddenFill>
-            </a:ext>
-          </a:extLst>
-        </p:spPr>
-      </p:pic>
-      <p:pic>
-        <p:nvPicPr>
-          <p:cNvPr id="4" name="Picture 2">
-            <a:extLst>
-              <a:ext uri="{FF2B5EF4-FFF2-40B4-BE49-F238E27FC236}">
-                <a16:creationId xmlns:a16="http://schemas.microsoft.com/office/drawing/2014/main" id="{87F54337-19A3-F0C3-1B72-19617E1081F3}"/>
-              </a:ext>
-            </a:extLst>
-          </p:cNvPr>
-          <p:cNvPicPr>
-            <a:picLocks noChangeArrowheads="1"/>
-          </p:cNvPicPr>
-          <p:nvPr/>
-        </p:nvPicPr>
-        <p:blipFill rotWithShape="1">
-          <a:blip r:embed="rId6">
-            <a:extLst>
-              <a:ext uri="{28A0092B-C50C-407E-A947-70E740481C1C}">
-                <a14:useLocalDpi xmlns:a14="http://schemas.microsoft.com/office/drawing/2010/main" val="0"/>
-              </a:ext>
-            </a:extLst>
-          </a:blip>
-          <a:srcRect l="3628" t="30628" r="9015" b="36375"/>
-          <a:stretch>
-            <a:fillRect/>
-          </a:stretch>
-        </p:blipFill>
-        <p:spPr bwMode="auto">
-          <a:xfrm>
-            <a:off x="777692" y="64676"/>
-            <a:ext cx="3751200" cy="907200"/>
-          </a:xfrm>
-          <a:prstGeom prst="rect">
-            <a:avLst/>
-          </a:prstGeom>
-          <a:noFill/>
-          <a:extLst>
-            <a:ext uri="{909E8E84-426E-40DD-AFC4-6F175D3DCCD1}">
-              <a14:hiddenFill xmlns:a14="http://schemas.microsoft.com/office/drawing/2010/main">
-                <a:solidFill>
-                  <a:srgbClr val="FFFFFF"/>
-                </a:solidFill>
-              </a14:hiddenFill>
-            </a:ext>
-          </a:extLst>
-        </p:spPr>
-      </p:pic>
-      <p:sp>
-        <p:nvSpPr>
-          <p:cNvPr id="5" name="TextBox 4">
-            <a:extLst>
-              <a:ext uri="{FF2B5EF4-FFF2-40B4-BE49-F238E27FC236}">
-                <a16:creationId xmlns:a16="http://schemas.microsoft.com/office/drawing/2014/main" id="{AA8C11DE-4D59-00E8-2954-C3FCC60CBC9E}"/>
-              </a:ext>
-            </a:extLst>
-          </p:cNvPr>
-          <p:cNvSpPr txBox="1"/>
-          <p:nvPr/>
-        </p:nvSpPr>
-        <p:spPr>
-          <a:xfrm>
-            <a:off x="587192" y="914792"/>
-            <a:ext cx="5832658" cy="523220"/>
-          </a:xfrm>
-          <a:prstGeom prst="rect">
-            <a:avLst/>
-          </a:prstGeom>
-          <a:noFill/>
-        </p:spPr>
-        <p:txBody>
-          <a:bodyPr wrap="square">
-            <a:spAutoFit/>
-          </a:bodyPr>
-          <a:lstStyle/>
-          <a:p>
-            <a:pPr>
-              <a:buNone/>
-            </a:pPr>
-            <a:r>
-              <a:rPr lang="en-GB" sz="2800" b="1" dirty="0">
-                <a:solidFill>
-                  <a:srgbClr val="51274D"/>
-                </a:solidFill>
-              </a:rPr>
-              <a:t>Objective &amp; Solution Idea</a:t>
-            </a:r>
-            <a:endParaRPr lang="en-IN" dirty="0"/>
-          </a:p>
-        </p:txBody>
-      </p:sp>
-      <p:sp>
-        <p:nvSpPr>
-          <p:cNvPr id="6" name="TextBox 5">
-            <a:extLst>
-              <a:ext uri="{FF2B5EF4-FFF2-40B4-BE49-F238E27FC236}">
-                <a16:creationId xmlns:a16="http://schemas.microsoft.com/office/drawing/2014/main" id="{2B9B8503-C16D-9BCA-EABA-303A1FE1AA11}"/>
-              </a:ext>
-            </a:extLst>
-          </p:cNvPr>
-          <p:cNvSpPr txBox="1"/>
-          <p:nvPr/>
-        </p:nvSpPr>
-        <p:spPr>
-          <a:xfrm>
-            <a:off x="653798" y="1438012"/>
-            <a:ext cx="5832658" cy="5355312"/>
-          </a:xfrm>
-          <a:prstGeom prst="rect">
-            <a:avLst/>
-          </a:prstGeom>
-          <a:noFill/>
-        </p:spPr>
-        <p:txBody>
-          <a:bodyPr wrap="square">
-            <a:spAutoFit/>
-          </a:bodyPr>
-          <a:lstStyle/>
-          <a:p>
-            <a:pPr lvl="0" algn="just" eaLnBrk="0" fontAlgn="base" hangingPunct="0">
-              <a:spcBef>
-                <a:spcPct val="0"/>
-              </a:spcBef>
-              <a:spcAft>
-                <a:spcPct val="0"/>
-              </a:spcAft>
-            </a:pPr>
-            <a:r>
-              <a:rPr lang="en-US" altLang="en-US" b="1" dirty="0">
-                <a:solidFill>
-                  <a:srgbClr val="002060"/>
-                </a:solidFill>
-              </a:rPr>
-              <a:t>Objective</a:t>
-            </a:r>
-            <a:r>
-              <a:rPr lang="en-US" altLang="en-US" dirty="0"/>
-              <a:t>: </a:t>
-            </a:r>
-            <a:r>
-              <a:rPr lang="en-US" dirty="0"/>
-              <a:t>Forecast district / substation outage risk 24 hours ahead and deliver actionable, location-specific advisories.</a:t>
-            </a:r>
-          </a:p>
-          <a:p>
-            <a:pPr lvl="0" algn="just" eaLnBrk="0" fontAlgn="base" hangingPunct="0">
-              <a:spcBef>
-                <a:spcPct val="0"/>
-              </a:spcBef>
-              <a:spcAft>
-                <a:spcPct val="0"/>
-              </a:spcAft>
-            </a:pPr>
-            <a:endParaRPr lang="en-US" altLang="en-US" dirty="0"/>
-          </a:p>
-          <a:p>
-            <a:pPr lvl="0" algn="just" eaLnBrk="0" fontAlgn="base" hangingPunct="0">
-              <a:spcBef>
-                <a:spcPct val="0"/>
-              </a:spcBef>
-              <a:spcAft>
-                <a:spcPct val="0"/>
-              </a:spcAft>
-            </a:pPr>
-            <a:r>
-              <a:rPr lang="en-US" altLang="en-US" dirty="0">
-                <a:solidFill>
-                  <a:srgbClr val="002060"/>
-                </a:solidFill>
-              </a:rPr>
-              <a:t>Solution</a:t>
-            </a:r>
-            <a:r>
-              <a:rPr lang="en-US" altLang="en-US" dirty="0"/>
-              <a:t>: </a:t>
-            </a:r>
-            <a:r>
-              <a:rPr lang="en-US" dirty="0"/>
-              <a:t>A decision-intelligence platform that fuses IMD, weather feeds + grid historical data, outputs a </a:t>
-            </a:r>
-            <a:r>
-              <a:rPr lang="en-US" b="1" dirty="0"/>
-              <a:t>risk score + confidence interval</a:t>
-            </a:r>
-            <a:r>
-              <a:rPr lang="en-US" dirty="0"/>
-              <a:t>, explains </a:t>
-            </a:r>
-            <a:r>
-              <a:rPr lang="en-US" i="1" dirty="0"/>
-              <a:t>why</a:t>
-            </a:r>
-            <a:r>
-              <a:rPr lang="en-US" dirty="0"/>
-              <a:t> (SHAP), </a:t>
-            </a:r>
-            <a:r>
-              <a:rPr lang="en-US" b="1" dirty="0"/>
-              <a:t>pinpoints</a:t>
-            </a:r>
-            <a:r>
-              <a:rPr lang="en-US" dirty="0"/>
-              <a:t> affected locations on a GIS map and generates plain-language </a:t>
-            </a:r>
-            <a:r>
-              <a:rPr lang="en-US" b="1" dirty="0"/>
-              <a:t>advisories</a:t>
-            </a:r>
-            <a:r>
-              <a:rPr lang="en-US" dirty="0"/>
-              <a:t> and </a:t>
-            </a:r>
-            <a:r>
-              <a:rPr lang="en-US" b="1" dirty="0"/>
-              <a:t>what-if</a:t>
-            </a:r>
-            <a:r>
-              <a:rPr lang="en-US" dirty="0"/>
-              <a:t> scenarios.</a:t>
-            </a:r>
-          </a:p>
-          <a:p>
-            <a:pPr lvl="0" algn="just" eaLnBrk="0" fontAlgn="base" hangingPunct="0">
-              <a:spcBef>
-                <a:spcPct val="0"/>
-              </a:spcBef>
-              <a:spcAft>
-                <a:spcPct val="0"/>
-              </a:spcAft>
-            </a:pPr>
-            <a:endParaRPr lang="en-US" altLang="en-US" dirty="0"/>
-          </a:p>
-          <a:p>
-            <a:pPr marL="285750" indent="-285750" algn="just">
-              <a:buFont typeface="Wingdings" panose="05000000000000000000" pitchFamily="2" charset="2"/>
-              <a:buChar char="§"/>
-            </a:pPr>
-            <a:r>
-              <a:rPr lang="en-IN" dirty="0"/>
-              <a:t>Hybrid AI Architecture: </a:t>
-            </a:r>
-            <a:r>
-              <a:rPr lang="en-IN" dirty="0" err="1"/>
-              <a:t>LSTM+XGBoost</a:t>
-            </a:r>
-            <a:r>
-              <a:rPr lang="en-IN" dirty="0"/>
-              <a:t> ensemble for power forecasting.</a:t>
-            </a:r>
-          </a:p>
-          <a:p>
-            <a:pPr marL="285750" indent="-285750" algn="just">
-              <a:buFont typeface="Wingdings" panose="05000000000000000000" pitchFamily="2" charset="2"/>
-              <a:buChar char="§"/>
-            </a:pPr>
-            <a:r>
-              <a:rPr lang="en-IN" dirty="0"/>
-              <a:t>Real-time Integration: Live weather APIs with Multi-source Data fusion: Weather, Grid, Geospatial. Explainable AI: SHAP-powered explanations for regulatory compliance</a:t>
-            </a:r>
-          </a:p>
-          <a:p>
-            <a:pPr marL="285750" indent="-285750" algn="just">
-              <a:buFont typeface="Wingdings" panose="05000000000000000000" pitchFamily="2" charset="2"/>
-              <a:buChar char="§"/>
-            </a:pPr>
-            <a:r>
-              <a:rPr lang="en-US" dirty="0"/>
-              <a:t>Interactive what-if simulator to evaluate mitigation impact.</a:t>
-            </a:r>
-            <a:endParaRPr lang="en-IN" dirty="0"/>
-          </a:p>
-          <a:p>
-            <a:pPr marL="285750" indent="-285750" algn="just">
-              <a:buFont typeface="Wingdings" panose="05000000000000000000" pitchFamily="2" charset="2"/>
-              <a:buChar char="§"/>
-            </a:pPr>
-            <a:r>
-              <a:rPr lang="en-IN" dirty="0"/>
-              <a:t>Geographic Intelligence: ESCOM-specific </a:t>
-            </a:r>
-            <a:r>
-              <a:rPr lang="en-IN" dirty="0" err="1"/>
-              <a:t>modeling</a:t>
-            </a:r>
-            <a:r>
-              <a:rPr lang="en-IN" dirty="0"/>
-              <a:t> for Karnataka's unique grid structure.</a:t>
-            </a:r>
-          </a:p>
-        </p:txBody>
-      </p:sp>
-    </p:spTree>
-    <p:extLst>
-      <p:ext uri="{BB962C8B-B14F-4D97-AF65-F5344CB8AC3E}">
-        <p14:creationId xmlns:p14="http://schemas.microsoft.com/office/powerpoint/2010/main" val="3703298740"/>
-      </p:ext>
-    </p:extLst>
-  </p:cSld>
-  <p:clrMapOvr>
-    <a:masterClrMapping/>
-  </p:clrMapOvr>
-  <mc:AlternateContent xmlns:mc="http://schemas.openxmlformats.org/markup-compatibility/2006" xmlns:p14="http://schemas.microsoft.com/office/powerpoint/2010/main">
-    <mc:Choice Requires="p14">
-      <p:transition spd="slow" p14:dur="1300">
-        <p14:pan dir="u"/>
-      </p:transition>
-    </mc:Choice>
-    <mc:Fallback xmlns="">
-      <p:transition spd="slow">
-        <p:fade/>
-      </p:transition>
-    </mc:Fallback>
-  </mc:AlternateContent>
-</p:sld>
-</file>
-
-<file path=ppt/slides/slide4.xml><?xml version="1.0" encoding="utf-8"?>
-<p:sld xmlns:a="http://schemas.openxmlformats.org/drawingml/2006/main" xmlns:r="http://schemas.openxmlformats.org/officeDocument/2006/relationships" xmlns:p="http://schemas.openxmlformats.org/presentationml/2006/main">
-  <p:cSld>
-    <p:spTree>
-      <p:nvGrpSpPr>
-        <p:cNvPr id="1" name="">
-          <a:extLst>
-            <a:ext uri="{FF2B5EF4-FFF2-40B4-BE49-F238E27FC236}">
-              <a16:creationId xmlns:a16="http://schemas.microsoft.com/office/drawing/2014/main" id="{99BE6195-051D-3599-F380-868F720D7E65}"/>
-            </a:ext>
-          </a:extLst>
-        </p:cNvPr>
-        <p:cNvGrpSpPr/>
-        <p:nvPr/>
-      </p:nvGrpSpPr>
-      <p:grpSpPr>
-        <a:xfrm>
-          <a:off x="0" y="0"/>
-          <a:ext cx="0" cy="0"/>
-          <a:chOff x="0" y="0"/>
-          <a:chExt cx="0" cy="0"/>
-        </a:xfrm>
-      </p:grpSpPr>
-      <p:pic>
-        <p:nvPicPr>
-          <p:cNvPr id="8" name="Picture 7">
-            <a:extLst>
-              <a:ext uri="{FF2B5EF4-FFF2-40B4-BE49-F238E27FC236}">
-                <a16:creationId xmlns:a16="http://schemas.microsoft.com/office/drawing/2014/main" id="{FC57C818-7579-D27F-938A-197A0881FA1F}"/>
-              </a:ext>
-            </a:extLst>
-          </p:cNvPr>
-          <p:cNvPicPr>
-            <a:picLocks noChangeAspect="1"/>
-          </p:cNvPicPr>
-          <p:nvPr/>
-        </p:nvPicPr>
-        <p:blipFill>
-          <a:blip r:embed="rId3"/>
-          <a:srcRect l="10048" t="406" r="9256" b="1442"/>
-          <a:stretch>
-            <a:fillRect/>
-          </a:stretch>
-        </p:blipFill>
-        <p:spPr>
-          <a:xfrm>
-            <a:off x="-22107" y="0"/>
-            <a:ext cx="653703" cy="6864352"/>
-          </a:xfrm>
-          <a:prstGeom prst="rect">
-            <a:avLst/>
-          </a:prstGeom>
-        </p:spPr>
-      </p:pic>
-      <p:pic>
-        <p:nvPicPr>
-          <p:cNvPr id="3" name="Picture 2">
-            <a:extLst>
-              <a:ext uri="{FF2B5EF4-FFF2-40B4-BE49-F238E27FC236}">
-                <a16:creationId xmlns:a16="http://schemas.microsoft.com/office/drawing/2014/main" id="{C70DBF7E-D574-1C10-5DAB-8669AC0100D7}"/>
-              </a:ext>
-            </a:extLst>
-          </p:cNvPr>
-          <p:cNvPicPr>
-            <a:picLocks noChangeAspect="1" noChangeArrowheads="1"/>
-          </p:cNvPicPr>
-          <p:nvPr/>
-        </p:nvPicPr>
-        <p:blipFill rotWithShape="1">
-          <a:blip r:embed="rId4">
-            <a:extLst>
-              <a:ext uri="{28A0092B-C50C-407E-A947-70E740481C1C}">
-                <a14:useLocalDpi xmlns:a14="http://schemas.microsoft.com/office/drawing/2010/main" val="0"/>
-              </a:ext>
-            </a:extLst>
-          </a:blip>
-          <a:srcRect t="26099" b="30354"/>
-          <a:stretch>
-            <a:fillRect/>
-          </a:stretch>
-        </p:blipFill>
-        <p:spPr bwMode="auto">
-          <a:xfrm>
-            <a:off x="8183682" y="64160"/>
-            <a:ext cx="3752064" cy="907716"/>
-          </a:xfrm>
-          <a:prstGeom prst="rect">
-            <a:avLst/>
-          </a:prstGeom>
-          <a:noFill/>
-          <a:extLst>
-            <a:ext uri="{909E8E84-426E-40DD-AFC4-6F175D3DCCD1}">
-              <a14:hiddenFill xmlns:a14="http://schemas.microsoft.com/office/drawing/2010/main">
-                <a:solidFill>
-                  <a:srgbClr val="FFFFFF"/>
-                </a:solidFill>
-              </a14:hiddenFill>
-            </a:ext>
-          </a:extLst>
-        </p:spPr>
-      </p:pic>
-      <p:pic>
-        <p:nvPicPr>
-          <p:cNvPr id="4" name="Picture 2">
-            <a:extLst>
-              <a:ext uri="{FF2B5EF4-FFF2-40B4-BE49-F238E27FC236}">
-                <a16:creationId xmlns:a16="http://schemas.microsoft.com/office/drawing/2014/main" id="{75FC40FE-2044-CD63-7BD5-E8834818F80B}"/>
-              </a:ext>
-            </a:extLst>
-          </p:cNvPr>
-          <p:cNvPicPr>
-            <a:picLocks noChangeArrowheads="1"/>
-          </p:cNvPicPr>
-          <p:nvPr/>
-        </p:nvPicPr>
-        <p:blipFill rotWithShape="1">
-          <a:blip r:embed="rId5">
-            <a:extLst>
-              <a:ext uri="{28A0092B-C50C-407E-A947-70E740481C1C}">
-                <a14:useLocalDpi xmlns:a14="http://schemas.microsoft.com/office/drawing/2010/main" val="0"/>
-              </a:ext>
-            </a:extLst>
-          </a:blip>
-          <a:srcRect l="3628" t="30628" r="9015" b="36375"/>
-          <a:stretch>
-            <a:fillRect/>
-          </a:stretch>
-        </p:blipFill>
-        <p:spPr bwMode="auto">
-          <a:xfrm>
-            <a:off x="777692" y="64676"/>
-            <a:ext cx="3751200" cy="907200"/>
-          </a:xfrm>
-          <a:prstGeom prst="rect">
-            <a:avLst/>
-          </a:prstGeom>
-          <a:noFill/>
-          <a:extLst>
-            <a:ext uri="{909E8E84-426E-40DD-AFC4-6F175D3DCCD1}">
-              <a14:hiddenFill xmlns:a14="http://schemas.microsoft.com/office/drawing/2010/main">
-                <a:solidFill>
-                  <a:srgbClr val="FFFFFF"/>
-                </a:solidFill>
-              </a14:hiddenFill>
-            </a:ext>
-          </a:extLst>
-        </p:spPr>
-      </p:pic>
-      <p:sp>
-        <p:nvSpPr>
-          <p:cNvPr id="5" name="TextBox 4">
-            <a:extLst>
-              <a:ext uri="{FF2B5EF4-FFF2-40B4-BE49-F238E27FC236}">
-                <a16:creationId xmlns:a16="http://schemas.microsoft.com/office/drawing/2014/main" id="{D425D5C6-6028-EDC0-40CB-09BF4FC3664C}"/>
-              </a:ext>
-            </a:extLst>
-          </p:cNvPr>
-          <p:cNvSpPr txBox="1"/>
-          <p:nvPr/>
-        </p:nvSpPr>
-        <p:spPr>
-          <a:xfrm>
-            <a:off x="587192" y="914792"/>
-            <a:ext cx="5832658" cy="523220"/>
-          </a:xfrm>
-          <a:prstGeom prst="rect">
-            <a:avLst/>
-          </a:prstGeom>
-          <a:noFill/>
-        </p:spPr>
-        <p:txBody>
-          <a:bodyPr wrap="square">
-            <a:spAutoFit/>
-          </a:bodyPr>
-          <a:lstStyle/>
-          <a:p>
-            <a:pPr>
-              <a:buNone/>
-            </a:pPr>
-            <a:r>
-              <a:rPr lang="en-GB" sz="2800" b="1" dirty="0">
-                <a:solidFill>
-                  <a:srgbClr val="51274D"/>
-                </a:solidFill>
-              </a:rPr>
-              <a:t>Objective &amp; Solution Idea</a:t>
-            </a:r>
-            <a:endParaRPr lang="en-IN" dirty="0"/>
-          </a:p>
-        </p:txBody>
-      </p:sp>
-      <p:sp>
-        <p:nvSpPr>
-          <p:cNvPr id="6" name="TextBox 5">
-            <a:extLst>
-              <a:ext uri="{FF2B5EF4-FFF2-40B4-BE49-F238E27FC236}">
-                <a16:creationId xmlns:a16="http://schemas.microsoft.com/office/drawing/2014/main" id="{22D6748D-A383-7743-A3F2-459D865A1FDD}"/>
-              </a:ext>
-            </a:extLst>
-          </p:cNvPr>
-          <p:cNvSpPr txBox="1"/>
-          <p:nvPr/>
-        </p:nvSpPr>
-        <p:spPr>
-          <a:xfrm>
-            <a:off x="623545" y="1428224"/>
-            <a:ext cx="5934350" cy="5355312"/>
-          </a:xfrm>
-          <a:prstGeom prst="rect">
-            <a:avLst/>
-          </a:prstGeom>
-          <a:noFill/>
-        </p:spPr>
-        <p:txBody>
-          <a:bodyPr wrap="square">
-            <a:spAutoFit/>
-          </a:bodyPr>
-          <a:lstStyle/>
-          <a:p>
-            <a:pPr lvl="0" algn="just" eaLnBrk="0" fontAlgn="base" hangingPunct="0">
-              <a:spcBef>
-                <a:spcPct val="0"/>
-              </a:spcBef>
-              <a:spcAft>
-                <a:spcPct val="0"/>
-              </a:spcAft>
-            </a:pPr>
-            <a:r>
-              <a:rPr lang="en-US" altLang="en-US" b="1" dirty="0">
-                <a:solidFill>
-                  <a:srgbClr val="002060"/>
-                </a:solidFill>
-              </a:rPr>
-              <a:t>Objective</a:t>
-            </a:r>
-            <a:r>
-              <a:rPr lang="en-US" altLang="en-US" dirty="0"/>
-              <a:t>: </a:t>
-            </a:r>
-            <a:r>
-              <a:rPr lang="en-US" dirty="0"/>
-              <a:t>Forecast district / substation outage risk 24 hours ahead and deliver actionable, location-specific advisories.</a:t>
-            </a:r>
-          </a:p>
-          <a:p>
-            <a:pPr lvl="0" algn="just" eaLnBrk="0" fontAlgn="base" hangingPunct="0">
-              <a:spcBef>
-                <a:spcPct val="0"/>
-              </a:spcBef>
-              <a:spcAft>
-                <a:spcPct val="0"/>
-              </a:spcAft>
-            </a:pPr>
-            <a:endParaRPr lang="en-US" altLang="en-US" dirty="0"/>
-          </a:p>
-          <a:p>
-            <a:pPr lvl="0" algn="just" eaLnBrk="0" fontAlgn="base" hangingPunct="0">
-              <a:spcBef>
-                <a:spcPct val="0"/>
-              </a:spcBef>
-              <a:spcAft>
-                <a:spcPct val="0"/>
-              </a:spcAft>
-            </a:pPr>
-            <a:r>
-              <a:rPr lang="en-US" altLang="en-US" b="1" dirty="0">
-                <a:solidFill>
-                  <a:srgbClr val="002060"/>
-                </a:solidFill>
-              </a:rPr>
-              <a:t>Solution</a:t>
-            </a:r>
-            <a:r>
-              <a:rPr lang="en-US" altLang="en-US" dirty="0"/>
-              <a:t>: </a:t>
-            </a:r>
-            <a:r>
-              <a:rPr lang="en-US" dirty="0"/>
-              <a:t>A decision-intelligence platform that fuses IMD, weather feeds + grid historical data, outputs a </a:t>
-            </a:r>
-            <a:r>
-              <a:rPr lang="en-US" b="1" dirty="0"/>
-              <a:t>risk score + confidence interval</a:t>
-            </a:r>
-            <a:r>
-              <a:rPr lang="en-US" dirty="0"/>
-              <a:t>, explains </a:t>
-            </a:r>
-            <a:r>
-              <a:rPr lang="en-US" i="1" dirty="0"/>
-              <a:t>why</a:t>
-            </a:r>
-            <a:r>
-              <a:rPr lang="en-US" dirty="0"/>
-              <a:t> (SHAP), </a:t>
-            </a:r>
-            <a:r>
-              <a:rPr lang="en-US" b="1" dirty="0"/>
-              <a:t>pinpoints</a:t>
-            </a:r>
-            <a:r>
-              <a:rPr lang="en-US" dirty="0"/>
-              <a:t> affected locations on a GIS map and generates plain-language </a:t>
-            </a:r>
-            <a:r>
-              <a:rPr lang="en-US" b="1" dirty="0"/>
-              <a:t>advisories</a:t>
-            </a:r>
-            <a:r>
-              <a:rPr lang="en-US" dirty="0"/>
-              <a:t> and </a:t>
-            </a:r>
-            <a:r>
-              <a:rPr lang="en-US" b="1" dirty="0"/>
-              <a:t>what-if</a:t>
-            </a:r>
-            <a:r>
-              <a:rPr lang="en-US" dirty="0"/>
-              <a:t> scenarios.</a:t>
-            </a:r>
-          </a:p>
-          <a:p>
-            <a:pPr lvl="0" algn="just" eaLnBrk="0" fontAlgn="base" hangingPunct="0">
-              <a:spcBef>
-                <a:spcPct val="0"/>
-              </a:spcBef>
-              <a:spcAft>
-                <a:spcPct val="0"/>
-              </a:spcAft>
-            </a:pPr>
-            <a:endParaRPr lang="en-US" altLang="en-US" dirty="0"/>
-          </a:p>
-          <a:p>
-            <a:pPr marL="285750" indent="-285750" algn="just">
-              <a:buFont typeface="Wingdings" panose="05000000000000000000" pitchFamily="2" charset="2"/>
-              <a:buChar char="§"/>
-            </a:pPr>
-            <a:r>
-              <a:rPr lang="en-IN" dirty="0"/>
-              <a:t>Hybrid AI Architecture: </a:t>
-            </a:r>
-            <a:r>
-              <a:rPr lang="en-IN" dirty="0" err="1"/>
-              <a:t>LSTM+XGBoost</a:t>
-            </a:r>
-            <a:r>
-              <a:rPr lang="en-IN" dirty="0"/>
-              <a:t> ensemble for power forecasting</a:t>
-            </a:r>
-          </a:p>
-          <a:p>
-            <a:pPr marL="285750" indent="-285750" algn="just">
-              <a:buFont typeface="Wingdings" panose="05000000000000000000" pitchFamily="2" charset="2"/>
-              <a:buChar char="§"/>
-            </a:pPr>
-            <a:r>
-              <a:rPr lang="en-IN" dirty="0"/>
-              <a:t>Real-time Integration: Live weather APIs with Multi-source Data fusion: Weather, Grid, Geospatial.</a:t>
-            </a:r>
-          </a:p>
-          <a:p>
-            <a:pPr marL="285750" indent="-285750" algn="just">
-              <a:buFont typeface="Wingdings" panose="05000000000000000000" pitchFamily="2" charset="2"/>
-              <a:buChar char="§"/>
-            </a:pPr>
-            <a:r>
-              <a:rPr lang="en-IN" dirty="0"/>
-              <a:t>Explainable AI: SHAP-powered explanations for regulatory compliance</a:t>
-            </a:r>
-          </a:p>
-          <a:p>
-            <a:pPr marL="285750" indent="-285750" algn="just">
-              <a:buFont typeface="Wingdings" panose="05000000000000000000" pitchFamily="2" charset="2"/>
-              <a:buChar char="§"/>
-            </a:pPr>
-            <a:r>
-              <a:rPr lang="en-US" dirty="0"/>
-              <a:t>Interactive what-if simulator to evaluate mitigation impact.</a:t>
-            </a:r>
-            <a:endParaRPr lang="en-IN" dirty="0"/>
-          </a:p>
-          <a:p>
-            <a:pPr marL="285750" indent="-285750" algn="just">
-              <a:buFont typeface="Wingdings" panose="05000000000000000000" pitchFamily="2" charset="2"/>
-              <a:buChar char="§"/>
-            </a:pPr>
-            <a:r>
-              <a:rPr lang="en-IN" dirty="0"/>
-              <a:t>Geographic Intelligence: ESCOM-specific </a:t>
-            </a:r>
-            <a:r>
-              <a:rPr lang="en-IN" dirty="0" err="1"/>
-              <a:t>modeling</a:t>
-            </a:r>
-            <a:r>
-              <a:rPr lang="en-IN" dirty="0"/>
-              <a:t> for Karnataka's unique grid structure</a:t>
-            </a:r>
-          </a:p>
-        </p:txBody>
-      </p:sp>
-      <p:pic>
-        <p:nvPicPr>
-          <p:cNvPr id="7" name="Picture 6">
-            <a:extLst>
-              <a:ext uri="{FF2B5EF4-FFF2-40B4-BE49-F238E27FC236}">
-                <a16:creationId xmlns:a16="http://schemas.microsoft.com/office/drawing/2014/main" id="{D6A7A639-EA59-C0C7-B5F1-87ECBB074DFE}"/>
-              </a:ext>
-            </a:extLst>
-          </p:cNvPr>
-          <p:cNvPicPr>
-            <a:picLocks noChangeAspect="1"/>
-          </p:cNvPicPr>
-          <p:nvPr/>
-        </p:nvPicPr>
-        <p:blipFill>
-          <a:blip r:embed="rId6">
-            <a:extLst>
-              <a:ext uri="{28A0092B-C50C-407E-A947-70E740481C1C}">
-                <a14:useLocalDpi xmlns:a14="http://schemas.microsoft.com/office/drawing/2010/main" val="0"/>
-              </a:ext>
-            </a:extLst>
-          </a:blip>
-          <a:stretch>
-            <a:fillRect/>
-          </a:stretch>
-        </p:blipFill>
-        <p:spPr>
-          <a:xfrm>
-            <a:off x="6557895" y="971876"/>
-            <a:ext cx="5634106" cy="5821964"/>
-          </a:xfrm>
-          <a:prstGeom prst="rect">
-            <a:avLst/>
-          </a:prstGeom>
-        </p:spPr>
-      </p:pic>
-    </p:spTree>
-    <p:extLst>
-      <p:ext uri="{BB962C8B-B14F-4D97-AF65-F5344CB8AC3E}">
-        <p14:creationId xmlns:p14="http://schemas.microsoft.com/office/powerpoint/2010/main" val="737914312"/>
-      </p:ext>
-    </p:extLst>
-  </p:cSld>
-  <p:clrMapOvr>
-    <a:masterClrMapping/>
-  </p:clrMapOvr>
-  <mc:AlternateContent xmlns:mc="http://schemas.openxmlformats.org/markup-compatibility/2006" xmlns:p14="http://schemas.microsoft.com/office/powerpoint/2010/main">
-    <mc:Choice Requires="p14">
-      <p:transition spd="slow" p14:dur="1300">
-        <p14:pan dir="u"/>
-      </p:transition>
-    </mc:Choice>
-    <mc:Fallback xmlns="">
-      <p:transition spd="slow">
-        <p:fade/>
-      </p:transition>
-    </mc:Fallback>
-  </mc:AlternateContent>
-</p:sld>
-</file>
-
-<file path=ppt/slides/slide5.xml><?xml version="1.0" encoding="utf-8"?>
-<p:sld xmlns:a="http://schemas.openxmlformats.org/drawingml/2006/main" xmlns:r="http://schemas.openxmlformats.org/officeDocument/2006/relationships" xmlns:p="http://schemas.openxmlformats.org/presentationml/2006/main">
-  <p:cSld>
-    <p:spTree>
-      <p:nvGrpSpPr>
-        <p:cNvPr id="1" name="">
-          <a:extLst>
-            <a:ext uri="{FF2B5EF4-FFF2-40B4-BE49-F238E27FC236}">
-              <a16:creationId xmlns:a16="http://schemas.microsoft.com/office/drawing/2014/main" id="{3257EFB6-EBA1-F16B-77DD-C237593CAAFE}"/>
-            </a:ext>
-          </a:extLst>
-        </p:cNvPr>
-        <p:cNvGrpSpPr/>
-        <p:nvPr/>
-      </p:nvGrpSpPr>
-      <p:grpSpPr>
-        <a:xfrm>
-          <a:off x="0" y="0"/>
-          <a:ext cx="0" cy="0"/>
-          <a:chOff x="0" y="0"/>
-          <a:chExt cx="0" cy="0"/>
-        </a:xfrm>
-      </p:grpSpPr>
-      <p:pic>
-        <p:nvPicPr>
-          <p:cNvPr id="8" name="Picture 7">
-            <a:extLst>
-              <a:ext uri="{FF2B5EF4-FFF2-40B4-BE49-F238E27FC236}">
-                <a16:creationId xmlns:a16="http://schemas.microsoft.com/office/drawing/2014/main" id="{F828BD87-B67E-67FA-00EB-142369331C43}"/>
-              </a:ext>
-            </a:extLst>
-          </p:cNvPr>
-          <p:cNvPicPr>
-            <a:picLocks noChangeAspect="1"/>
-          </p:cNvPicPr>
-          <p:nvPr/>
-        </p:nvPicPr>
-        <p:blipFill>
-          <a:blip r:embed="rId3"/>
-          <a:srcRect l="10048" t="406" r="9256" b="1442"/>
-          <a:stretch>
-            <a:fillRect/>
-          </a:stretch>
-        </p:blipFill>
-        <p:spPr>
-          <a:xfrm>
-            <a:off x="-22107" y="0"/>
-            <a:ext cx="653703" cy="6864352"/>
-          </a:xfrm>
-          <a:prstGeom prst="rect">
-            <a:avLst/>
-          </a:prstGeom>
-        </p:spPr>
-      </p:pic>
-      <p:pic>
-        <p:nvPicPr>
-          <p:cNvPr id="3" name="Picture 2">
-            <a:extLst>
-              <a:ext uri="{FF2B5EF4-FFF2-40B4-BE49-F238E27FC236}">
-                <a16:creationId xmlns:a16="http://schemas.microsoft.com/office/drawing/2014/main" id="{D567CA84-C5C9-D1FD-268D-6DEF53A45F7B}"/>
-              </a:ext>
-            </a:extLst>
-          </p:cNvPr>
-          <p:cNvPicPr>
-            <a:picLocks noChangeAspect="1" noChangeArrowheads="1"/>
-          </p:cNvPicPr>
-          <p:nvPr/>
-        </p:nvPicPr>
-        <p:blipFill rotWithShape="1">
-          <a:blip r:embed="rId4">
-            <a:extLst>
-              <a:ext uri="{28A0092B-C50C-407E-A947-70E740481C1C}">
-                <a14:useLocalDpi xmlns:a14="http://schemas.microsoft.com/office/drawing/2010/main" val="0"/>
-              </a:ext>
-            </a:extLst>
-          </a:blip>
-          <a:srcRect t="26099" b="30354"/>
-          <a:stretch>
-            <a:fillRect/>
-          </a:stretch>
-        </p:blipFill>
-        <p:spPr bwMode="auto">
-          <a:xfrm>
-            <a:off x="8183682" y="64160"/>
-            <a:ext cx="3752064" cy="907716"/>
-          </a:xfrm>
-          <a:prstGeom prst="rect">
-            <a:avLst/>
-          </a:prstGeom>
-          <a:noFill/>
-          <a:extLst>
-            <a:ext uri="{909E8E84-426E-40DD-AFC4-6F175D3DCCD1}">
-              <a14:hiddenFill xmlns:a14="http://schemas.microsoft.com/office/drawing/2010/main">
-                <a:solidFill>
-                  <a:srgbClr val="FFFFFF"/>
-                </a:solidFill>
-              </a14:hiddenFill>
-            </a:ext>
-          </a:extLst>
-        </p:spPr>
-      </p:pic>
-      <p:pic>
-        <p:nvPicPr>
-          <p:cNvPr id="4" name="Picture 2">
-            <a:extLst>
-              <a:ext uri="{FF2B5EF4-FFF2-40B4-BE49-F238E27FC236}">
-                <a16:creationId xmlns:a16="http://schemas.microsoft.com/office/drawing/2014/main" id="{F054F109-1C4B-FE14-12B4-33E1192F2907}"/>
-              </a:ext>
-            </a:extLst>
-          </p:cNvPr>
-          <p:cNvPicPr>
-            <a:picLocks noChangeArrowheads="1"/>
-          </p:cNvPicPr>
-          <p:nvPr/>
-        </p:nvPicPr>
-        <p:blipFill rotWithShape="1">
-          <a:blip r:embed="rId5">
-            <a:extLst>
-              <a:ext uri="{28A0092B-C50C-407E-A947-70E740481C1C}">
-                <a14:useLocalDpi xmlns:a14="http://schemas.microsoft.com/office/drawing/2010/main" val="0"/>
-              </a:ext>
-            </a:extLst>
-          </a:blip>
-          <a:srcRect l="3628" t="30628" r="9015" b="36375"/>
-          <a:stretch>
-            <a:fillRect/>
-          </a:stretch>
-        </p:blipFill>
-        <p:spPr bwMode="auto">
-          <a:xfrm>
-            <a:off x="777692" y="64676"/>
-            <a:ext cx="3751200" cy="907200"/>
-          </a:xfrm>
-          <a:prstGeom prst="rect">
-            <a:avLst/>
-          </a:prstGeom>
-          <a:noFill/>
-          <a:extLst>
-            <a:ext uri="{909E8E84-426E-40DD-AFC4-6F175D3DCCD1}">
-              <a14:hiddenFill xmlns:a14="http://schemas.microsoft.com/office/drawing/2010/main">
-                <a:solidFill>
-                  <a:srgbClr val="FFFFFF"/>
-                </a:solidFill>
-              </a14:hiddenFill>
-            </a:ext>
-          </a:extLst>
-        </p:spPr>
-      </p:pic>
-      <p:sp>
-        <p:nvSpPr>
-          <p:cNvPr id="5" name="TextBox 4">
-            <a:extLst>
-              <a:ext uri="{FF2B5EF4-FFF2-40B4-BE49-F238E27FC236}">
-                <a16:creationId xmlns:a16="http://schemas.microsoft.com/office/drawing/2014/main" id="{F9917304-43A2-B196-8448-518436D0B0B5}"/>
-              </a:ext>
-            </a:extLst>
-          </p:cNvPr>
-          <p:cNvSpPr txBox="1"/>
-          <p:nvPr/>
-        </p:nvSpPr>
-        <p:spPr>
-          <a:xfrm>
-            <a:off x="777692" y="971876"/>
-            <a:ext cx="4472735" cy="523220"/>
-          </a:xfrm>
-          <a:prstGeom prst="rect">
-            <a:avLst/>
-          </a:prstGeom>
-          <a:noFill/>
-        </p:spPr>
-        <p:txBody>
-          <a:bodyPr wrap="square">
-            <a:spAutoFit/>
-          </a:bodyPr>
-          <a:lstStyle/>
-          <a:p>
-            <a:pPr>
-              <a:buNone/>
-            </a:pPr>
-            <a:r>
-              <a:rPr lang="en-GB" sz="2800" b="1" dirty="0">
-                <a:solidFill>
-                  <a:srgbClr val="51274D"/>
-                </a:solidFill>
-              </a:rPr>
-              <a:t>Architecture / Workflow</a:t>
-            </a:r>
-            <a:endParaRPr lang="en-GB" b="1" dirty="0"/>
-          </a:p>
-        </p:txBody>
-      </p:sp>
-      <p:pic>
-        <p:nvPicPr>
-          <p:cNvPr id="13" name="Picture 12">
-            <a:extLst>
-              <a:ext uri="{FF2B5EF4-FFF2-40B4-BE49-F238E27FC236}">
-                <a16:creationId xmlns:a16="http://schemas.microsoft.com/office/drawing/2014/main" id="{79698C93-2EC4-AC45-3AE6-37E7F8632127}"/>
-              </a:ext>
-            </a:extLst>
-          </p:cNvPr>
-          <p:cNvPicPr>
-            <a:picLocks noChangeAspect="1"/>
-          </p:cNvPicPr>
-          <p:nvPr/>
-        </p:nvPicPr>
-        <p:blipFill>
-          <a:blip r:embed="rId6">
-            <a:extLst>
-              <a:ext uri="{28A0092B-C50C-407E-A947-70E740481C1C}">
-                <a14:useLocalDpi xmlns:a14="http://schemas.microsoft.com/office/drawing/2010/main" val="0"/>
-              </a:ext>
-            </a:extLst>
-          </a:blip>
-          <a:stretch>
-            <a:fillRect/>
-          </a:stretch>
-        </p:blipFill>
-        <p:spPr>
-          <a:xfrm>
-            <a:off x="777693" y="1495096"/>
-            <a:ext cx="11158053" cy="5298228"/>
-          </a:xfrm>
-          <a:prstGeom prst="rect">
-            <a:avLst/>
-          </a:prstGeom>
-        </p:spPr>
-      </p:pic>
-    </p:spTree>
-    <p:extLst>
-      <p:ext uri="{BB962C8B-B14F-4D97-AF65-F5344CB8AC3E}">
-        <p14:creationId xmlns:p14="http://schemas.microsoft.com/office/powerpoint/2010/main" val="316706021"/>
-      </p:ext>
-    </p:extLst>
-  </p:cSld>
-  <p:clrMapOvr>
-    <a:masterClrMapping/>
-  </p:clrMapOvr>
-  <mc:AlternateContent xmlns:mc="http://schemas.openxmlformats.org/markup-compatibility/2006" xmlns:p14="http://schemas.microsoft.com/office/powerpoint/2010/main">
-    <mc:Choice Requires="p14">
-      <p:transition spd="slow" p14:dur="1300">
-        <p14:pan dir="u"/>
-      </p:transition>
-    </mc:Choice>
-    <mc:Fallback xmlns="">
-      <p:transition spd="slow">
-        <p:fade/>
-      </p:transition>
-    </mc:Fallback>
-  </mc:AlternateContent>
-</p:sld>
-</file>
-
-<file path=ppt/slides/slide6.xml><?xml version="1.0" encoding="utf-8"?>
-<p:sld xmlns:a="http://schemas.openxmlformats.org/drawingml/2006/main" xmlns:r="http://schemas.openxmlformats.org/officeDocument/2006/relationships" xmlns:p="http://schemas.openxmlformats.org/presentationml/2006/main">
-  <p:cSld>
-    <p:spTree>
-      <p:nvGrpSpPr>
-        <p:cNvPr id="1" name="">
-          <a:extLst>
-            <a:ext uri="{FF2B5EF4-FFF2-40B4-BE49-F238E27FC236}">
-              <a16:creationId xmlns:a16="http://schemas.microsoft.com/office/drawing/2014/main" id="{A01264E1-2D7D-DA5E-F01D-3952FFFCF047}"/>
-            </a:ext>
-          </a:extLst>
-        </p:cNvPr>
-        <p:cNvGrpSpPr/>
-        <p:nvPr/>
-      </p:nvGrpSpPr>
-      <p:grpSpPr>
-        <a:xfrm>
-          <a:off x="0" y="0"/>
-          <a:ext cx="0" cy="0"/>
-          <a:chOff x="0" y="0"/>
-          <a:chExt cx="0" cy="0"/>
-        </a:xfrm>
-      </p:grpSpPr>
-      <p:pic>
-        <p:nvPicPr>
-          <p:cNvPr id="8" name="Picture 7">
-            <a:extLst>
-              <a:ext uri="{FF2B5EF4-FFF2-40B4-BE49-F238E27FC236}">
-                <a16:creationId xmlns:a16="http://schemas.microsoft.com/office/drawing/2014/main" id="{1E9D5BDF-807D-2278-92F3-73DAB5221315}"/>
-              </a:ext>
-            </a:extLst>
-          </p:cNvPr>
-          <p:cNvPicPr>
-            <a:picLocks noChangeAspect="1"/>
-          </p:cNvPicPr>
-          <p:nvPr/>
-        </p:nvPicPr>
-        <p:blipFill>
-          <a:blip r:embed="rId3"/>
-          <a:srcRect l="10048" t="406" r="9256" b="1442"/>
-          <a:stretch>
-            <a:fillRect/>
-          </a:stretch>
-        </p:blipFill>
-        <p:spPr>
-          <a:xfrm>
-            <a:off x="-22107" y="0"/>
-            <a:ext cx="653703" cy="6864352"/>
-          </a:xfrm>
-          <a:prstGeom prst="rect">
-            <a:avLst/>
-          </a:prstGeom>
-        </p:spPr>
-      </p:pic>
-      <p:pic>
-        <p:nvPicPr>
-          <p:cNvPr id="3" name="Picture 2">
-            <a:extLst>
-              <a:ext uri="{FF2B5EF4-FFF2-40B4-BE49-F238E27FC236}">
-                <a16:creationId xmlns:a16="http://schemas.microsoft.com/office/drawing/2014/main" id="{D7312A15-D7CB-41E2-3961-944C0B119E2C}"/>
-              </a:ext>
-            </a:extLst>
-          </p:cNvPr>
-          <p:cNvPicPr>
-            <a:picLocks noChangeAspect="1" noChangeArrowheads="1"/>
-          </p:cNvPicPr>
-          <p:nvPr/>
-        </p:nvPicPr>
-        <p:blipFill rotWithShape="1">
-          <a:blip r:embed="rId4">
-            <a:extLst>
-              <a:ext uri="{28A0092B-C50C-407E-A947-70E740481C1C}">
-                <a14:useLocalDpi xmlns:a14="http://schemas.microsoft.com/office/drawing/2010/main" val="0"/>
-              </a:ext>
-            </a:extLst>
-          </a:blip>
-          <a:srcRect t="26099" b="30354"/>
-          <a:stretch>
-            <a:fillRect/>
-          </a:stretch>
-        </p:blipFill>
-        <p:spPr bwMode="auto">
-          <a:xfrm>
-            <a:off x="8183682" y="64160"/>
-            <a:ext cx="3752064" cy="907716"/>
-          </a:xfrm>
-          <a:prstGeom prst="rect">
-            <a:avLst/>
-          </a:prstGeom>
-          <a:noFill/>
-          <a:extLst>
-            <a:ext uri="{909E8E84-426E-40DD-AFC4-6F175D3DCCD1}">
-              <a14:hiddenFill xmlns:a14="http://schemas.microsoft.com/office/drawing/2010/main">
-                <a:solidFill>
-                  <a:srgbClr val="FFFFFF"/>
-                </a:solidFill>
-              </a14:hiddenFill>
-            </a:ext>
-          </a:extLst>
-        </p:spPr>
-      </p:pic>
-      <p:pic>
-        <p:nvPicPr>
-          <p:cNvPr id="4" name="Picture 2">
-            <a:extLst>
-              <a:ext uri="{FF2B5EF4-FFF2-40B4-BE49-F238E27FC236}">
-                <a16:creationId xmlns:a16="http://schemas.microsoft.com/office/drawing/2014/main" id="{8EEA0FA4-929D-8F3F-0AB0-31489BED997B}"/>
-              </a:ext>
-            </a:extLst>
-          </p:cNvPr>
-          <p:cNvPicPr>
-            <a:picLocks noChangeArrowheads="1"/>
-          </p:cNvPicPr>
-          <p:nvPr/>
-        </p:nvPicPr>
-        <p:blipFill rotWithShape="1">
-          <a:blip r:embed="rId5">
-            <a:extLst>
-              <a:ext uri="{28A0092B-C50C-407E-A947-70E740481C1C}">
-                <a14:useLocalDpi xmlns:a14="http://schemas.microsoft.com/office/drawing/2010/main" val="0"/>
-              </a:ext>
-            </a:extLst>
-          </a:blip>
-          <a:srcRect l="3628" t="30628" r="9015" b="36375"/>
-          <a:stretch>
-            <a:fillRect/>
-          </a:stretch>
-        </p:blipFill>
-        <p:spPr bwMode="auto">
-          <a:xfrm>
-            <a:off x="777692" y="64676"/>
-            <a:ext cx="3751200" cy="907200"/>
-          </a:xfrm>
-          <a:prstGeom prst="rect">
-            <a:avLst/>
-          </a:prstGeom>
-          <a:noFill/>
-          <a:extLst>
-            <a:ext uri="{909E8E84-426E-40DD-AFC4-6F175D3DCCD1}">
-              <a14:hiddenFill xmlns:a14="http://schemas.microsoft.com/office/drawing/2010/main">
-                <a:solidFill>
-                  <a:srgbClr val="FFFFFF"/>
-                </a:solidFill>
-              </a14:hiddenFill>
-            </a:ext>
-          </a:extLst>
-        </p:spPr>
-      </p:pic>
-      <p:sp>
-        <p:nvSpPr>
-          <p:cNvPr id="5" name="TextBox 4">
-            <a:extLst>
-              <a:ext uri="{FF2B5EF4-FFF2-40B4-BE49-F238E27FC236}">
-                <a16:creationId xmlns:a16="http://schemas.microsoft.com/office/drawing/2014/main" id="{857130FE-B26A-4F08-A05D-2101786A5B61}"/>
-              </a:ext>
-            </a:extLst>
-          </p:cNvPr>
-          <p:cNvSpPr txBox="1"/>
-          <p:nvPr/>
-        </p:nvSpPr>
-        <p:spPr>
-          <a:xfrm>
-            <a:off x="777692" y="971876"/>
-            <a:ext cx="4472735" cy="523220"/>
-          </a:xfrm>
-          <a:prstGeom prst="rect">
-            <a:avLst/>
-          </a:prstGeom>
-          <a:noFill/>
-        </p:spPr>
-        <p:txBody>
-          <a:bodyPr wrap="square">
-            <a:spAutoFit/>
-          </a:bodyPr>
-          <a:lstStyle/>
-          <a:p>
-            <a:pPr>
-              <a:buNone/>
-            </a:pPr>
-            <a:r>
-              <a:rPr lang="en-GB" sz="2800" b="1" dirty="0">
-                <a:solidFill>
-                  <a:srgbClr val="51274D"/>
-                </a:solidFill>
-              </a:rPr>
-              <a:t>Architecture / Workflow</a:t>
-            </a:r>
-            <a:endParaRPr lang="en-GB" b="1" dirty="0"/>
-          </a:p>
-        </p:txBody>
-      </p:sp>
-      <p:pic>
-        <p:nvPicPr>
-          <p:cNvPr id="11" name="Picture 10">
-            <a:extLst>
-              <a:ext uri="{FF2B5EF4-FFF2-40B4-BE49-F238E27FC236}">
-                <a16:creationId xmlns:a16="http://schemas.microsoft.com/office/drawing/2014/main" id="{7CF3CAC9-2CB7-AE4A-CA69-F131CC6ACAFE}"/>
-              </a:ext>
-            </a:extLst>
-          </p:cNvPr>
-          <p:cNvPicPr>
-            <a:picLocks noChangeAspect="1"/>
-          </p:cNvPicPr>
-          <p:nvPr/>
-        </p:nvPicPr>
-        <p:blipFill>
-          <a:blip r:embed="rId6">
-            <a:extLst>
-              <a:ext uri="{28A0092B-C50C-407E-A947-70E740481C1C}">
-                <a14:useLocalDpi xmlns:a14="http://schemas.microsoft.com/office/drawing/2010/main" val="0"/>
-              </a:ext>
-            </a:extLst>
-          </a:blip>
-          <a:stretch>
-            <a:fillRect/>
-          </a:stretch>
-        </p:blipFill>
-        <p:spPr>
-          <a:xfrm>
-            <a:off x="914400" y="1495096"/>
-            <a:ext cx="11021346" cy="5096204"/>
-          </a:xfrm>
-          <a:prstGeom prst="rect">
-            <a:avLst/>
-          </a:prstGeom>
-        </p:spPr>
-      </p:pic>
-    </p:spTree>
-    <p:extLst>
-      <p:ext uri="{BB962C8B-B14F-4D97-AF65-F5344CB8AC3E}">
-        <p14:creationId xmlns:p14="http://schemas.microsoft.com/office/powerpoint/2010/main" val="841027340"/>
-      </p:ext>
-    </p:extLst>
-  </p:cSld>
-  <p:clrMapOvr>
-    <a:masterClrMapping/>
-  </p:clrMapOvr>
-  <mc:AlternateContent xmlns:mc="http://schemas.openxmlformats.org/markup-compatibility/2006" xmlns:p14="http://schemas.microsoft.com/office/powerpoint/2010/main">
-    <mc:Choice Requires="p14">
-      <p:transition spd="slow" p14:dur="1300">
-        <p14:pan dir="u"/>
-      </p:transition>
-    </mc:Choice>
-    <mc:Fallback xmlns="">
-      <p:transition spd="slow">
-        <p:fade/>
-      </p:transition>
-    </mc:Fallback>
-  </mc:AlternateContent>
-</p:sld>
-</file>
-
-<file path=ppt/slides/slide7.xml><?xml version="1.0" encoding="utf-8"?>
-<p:sld xmlns:a="http://schemas.openxmlformats.org/drawingml/2006/main" xmlns:r="http://schemas.openxmlformats.org/officeDocument/2006/relationships" xmlns:p="http://schemas.openxmlformats.org/presentationml/2006/main">
-  <p:cSld>
-    <p:spTree>
-      <p:nvGrpSpPr>
-        <p:cNvPr id="1" name="">
-          <a:extLst>
-            <a:ext uri="{FF2B5EF4-FFF2-40B4-BE49-F238E27FC236}">
-              <a16:creationId xmlns:a16="http://schemas.microsoft.com/office/drawing/2014/main" id="{3DCFA26D-9D15-B620-DF31-B1A6D8330C08}"/>
-            </a:ext>
-          </a:extLst>
-        </p:cNvPr>
-        <p:cNvGrpSpPr/>
-        <p:nvPr/>
-      </p:nvGrpSpPr>
-      <p:grpSpPr>
-        <a:xfrm>
-          <a:off x="0" y="0"/>
-          <a:ext cx="0" cy="0"/>
-          <a:chOff x="0" y="0"/>
-          <a:chExt cx="0" cy="0"/>
-        </a:xfrm>
-      </p:grpSpPr>
-      <p:pic>
-        <p:nvPicPr>
-          <p:cNvPr id="8" name="Picture 7">
-            <a:extLst>
-              <a:ext uri="{FF2B5EF4-FFF2-40B4-BE49-F238E27FC236}">
-                <a16:creationId xmlns:a16="http://schemas.microsoft.com/office/drawing/2014/main" id="{4D74101D-B49F-1FC4-CAA8-DC090398C625}"/>
-              </a:ext>
-            </a:extLst>
-          </p:cNvPr>
-          <p:cNvPicPr>
-            <a:picLocks noChangeAspect="1"/>
-          </p:cNvPicPr>
-          <p:nvPr/>
-        </p:nvPicPr>
-        <p:blipFill>
-          <a:blip r:embed="rId3"/>
-          <a:srcRect l="10048" t="406" r="9256" b="1442"/>
-          <a:stretch>
-            <a:fillRect/>
-          </a:stretch>
-        </p:blipFill>
-        <p:spPr>
-          <a:xfrm>
-            <a:off x="-22107" y="0"/>
-            <a:ext cx="653703" cy="6864352"/>
-          </a:xfrm>
-          <a:prstGeom prst="rect">
-            <a:avLst/>
-          </a:prstGeom>
-        </p:spPr>
-      </p:pic>
-      <p:pic>
-        <p:nvPicPr>
-          <p:cNvPr id="3" name="Picture 2">
-            <a:extLst>
-              <a:ext uri="{FF2B5EF4-FFF2-40B4-BE49-F238E27FC236}">
-                <a16:creationId xmlns:a16="http://schemas.microsoft.com/office/drawing/2014/main" id="{FFE06F86-2C5D-2F8B-45F7-C24CE11A2304}"/>
-              </a:ext>
-            </a:extLst>
-          </p:cNvPr>
-          <p:cNvPicPr>
-            <a:picLocks noChangeAspect="1" noChangeArrowheads="1"/>
-          </p:cNvPicPr>
-          <p:nvPr/>
-        </p:nvPicPr>
-        <p:blipFill rotWithShape="1">
-          <a:blip r:embed="rId4">
-            <a:extLst>
-              <a:ext uri="{28A0092B-C50C-407E-A947-70E740481C1C}">
-                <a14:useLocalDpi xmlns:a14="http://schemas.microsoft.com/office/drawing/2010/main" val="0"/>
-              </a:ext>
-            </a:extLst>
-          </a:blip>
-          <a:srcRect t="26099" b="30354"/>
-          <a:stretch>
-            <a:fillRect/>
-          </a:stretch>
-        </p:blipFill>
-        <p:spPr bwMode="auto">
-          <a:xfrm>
-            <a:off x="8183682" y="64160"/>
-            <a:ext cx="3752064" cy="907716"/>
-          </a:xfrm>
-          <a:prstGeom prst="rect">
-            <a:avLst/>
-          </a:prstGeom>
-          <a:noFill/>
-          <a:extLst>
-            <a:ext uri="{909E8E84-426E-40DD-AFC4-6F175D3DCCD1}">
-              <a14:hiddenFill xmlns:a14="http://schemas.microsoft.com/office/drawing/2010/main">
-                <a:solidFill>
-                  <a:srgbClr val="FFFFFF"/>
-                </a:solidFill>
-              </a14:hiddenFill>
-            </a:ext>
-          </a:extLst>
-        </p:spPr>
-      </p:pic>
-      <p:pic>
-        <p:nvPicPr>
-          <p:cNvPr id="4" name="Picture 2">
-            <a:extLst>
-              <a:ext uri="{FF2B5EF4-FFF2-40B4-BE49-F238E27FC236}">
-                <a16:creationId xmlns:a16="http://schemas.microsoft.com/office/drawing/2014/main" id="{319C487C-93B2-1A41-016D-E2A2B7CB44DD}"/>
-              </a:ext>
-            </a:extLst>
-          </p:cNvPr>
-          <p:cNvPicPr>
-            <a:picLocks noChangeArrowheads="1"/>
-          </p:cNvPicPr>
-          <p:nvPr/>
-        </p:nvPicPr>
-        <p:blipFill rotWithShape="1">
-          <a:blip r:embed="rId5">
-            <a:extLst>
-              <a:ext uri="{28A0092B-C50C-407E-A947-70E740481C1C}">
-                <a14:useLocalDpi xmlns:a14="http://schemas.microsoft.com/office/drawing/2010/main" val="0"/>
-              </a:ext>
-            </a:extLst>
-          </a:blip>
-          <a:srcRect l="3628" t="30628" r="9015" b="36375"/>
-          <a:stretch>
-            <a:fillRect/>
-          </a:stretch>
-        </p:blipFill>
-        <p:spPr bwMode="auto">
-          <a:xfrm>
-            <a:off x="777692" y="64676"/>
-            <a:ext cx="3751200" cy="907200"/>
-          </a:xfrm>
-          <a:prstGeom prst="rect">
-            <a:avLst/>
-          </a:prstGeom>
-          <a:noFill/>
-          <a:extLst>
-            <a:ext uri="{909E8E84-426E-40DD-AFC4-6F175D3DCCD1}">
-              <a14:hiddenFill xmlns:a14="http://schemas.microsoft.com/office/drawing/2010/main">
-                <a:solidFill>
-                  <a:srgbClr val="FFFFFF"/>
-                </a:solidFill>
-              </a14:hiddenFill>
-            </a:ext>
-          </a:extLst>
-        </p:spPr>
-      </p:pic>
-      <p:sp>
-        <p:nvSpPr>
-          <p:cNvPr id="5" name="TextBox 4">
-            <a:extLst>
-              <a:ext uri="{FF2B5EF4-FFF2-40B4-BE49-F238E27FC236}">
-                <a16:creationId xmlns:a16="http://schemas.microsoft.com/office/drawing/2014/main" id="{9D2B6AF7-ADC6-FD4B-DF93-CFBBC960BF85}"/>
-              </a:ext>
-            </a:extLst>
-          </p:cNvPr>
-          <p:cNvSpPr txBox="1"/>
-          <p:nvPr/>
-        </p:nvSpPr>
-        <p:spPr>
-          <a:xfrm>
-            <a:off x="777692" y="971876"/>
-            <a:ext cx="4472735" cy="523220"/>
-          </a:xfrm>
-          <a:prstGeom prst="rect">
-            <a:avLst/>
-          </a:prstGeom>
-          <a:noFill/>
-        </p:spPr>
-        <p:txBody>
-          <a:bodyPr wrap="square">
-            <a:spAutoFit/>
-          </a:bodyPr>
-          <a:lstStyle/>
-          <a:p>
-            <a:pPr>
-              <a:buNone/>
-            </a:pPr>
-            <a:r>
-              <a:rPr lang="en-GB" sz="2800" b="1" dirty="0">
-                <a:solidFill>
-                  <a:srgbClr val="51274D"/>
-                </a:solidFill>
-              </a:rPr>
-              <a:t>Architecture / Workflow</a:t>
-            </a:r>
-            <a:endParaRPr lang="en-GB" b="1" dirty="0"/>
-          </a:p>
-        </p:txBody>
-      </p:sp>
-      <p:pic>
-        <p:nvPicPr>
-          <p:cNvPr id="6" name="Picture 5">
-            <a:extLst>
-              <a:ext uri="{FF2B5EF4-FFF2-40B4-BE49-F238E27FC236}">
-                <a16:creationId xmlns:a16="http://schemas.microsoft.com/office/drawing/2014/main" id="{919166E4-824E-2008-828E-305653B6D372}"/>
-              </a:ext>
-            </a:extLst>
-          </p:cNvPr>
-          <p:cNvPicPr>
-            <a:picLocks noChangeAspect="1"/>
-          </p:cNvPicPr>
-          <p:nvPr/>
-        </p:nvPicPr>
-        <p:blipFill>
-          <a:blip r:embed="rId6">
-            <a:extLst>
-              <a:ext uri="{28A0092B-C50C-407E-A947-70E740481C1C}">
-                <a14:useLocalDpi xmlns:a14="http://schemas.microsoft.com/office/drawing/2010/main" val="0"/>
-              </a:ext>
-            </a:extLst>
-          </a:blip>
-          <a:stretch>
-            <a:fillRect/>
-          </a:stretch>
-        </p:blipFill>
-        <p:spPr>
-          <a:xfrm>
-            <a:off x="777692" y="1495096"/>
-            <a:ext cx="11158054" cy="5298228"/>
-          </a:xfrm>
-          <a:prstGeom prst="rect">
-            <a:avLst/>
-          </a:prstGeom>
-        </p:spPr>
-      </p:pic>
-    </p:spTree>
-    <p:extLst>
-      <p:ext uri="{BB962C8B-B14F-4D97-AF65-F5344CB8AC3E}">
-        <p14:creationId xmlns:p14="http://schemas.microsoft.com/office/powerpoint/2010/main" val="1355535763"/>
-      </p:ext>
-    </p:extLst>
-  </p:cSld>
-  <p:clrMapOvr>
-    <a:masterClrMapping/>
-  </p:clrMapOvr>
-  <mc:AlternateContent xmlns:mc="http://schemas.openxmlformats.org/markup-compatibility/2006" xmlns:p14="http://schemas.microsoft.com/office/powerpoint/2010/main">
-    <mc:Choice Requires="p14">
-      <p:transition spd="slow" p14:dur="1300">
-        <p14:pan dir="u"/>
-      </p:transition>
-    </mc:Choice>
-    <mc:Fallback xmlns="">
-      <p:transition spd="slow">
-        <p:fade/>
-      </p:transition>
-    </mc:Fallback>
-  </mc:AlternateContent>
-</p:sld>
-</file>
-
-<file path=ppt/slides/slide8.xml><?xml version="1.0" encoding="utf-8"?>
-<p:sld xmlns:a="http://schemas.openxmlformats.org/drawingml/2006/main" xmlns:r="http://schemas.openxmlformats.org/officeDocument/2006/relationships" xmlns:p="http://schemas.openxmlformats.org/presentationml/2006/main">
-  <p:cSld>
-    <p:spTree>
-      <p:nvGrpSpPr>
-        <p:cNvPr id="1" name="">
-          <a:extLst>
-            <a:ext uri="{FF2B5EF4-FFF2-40B4-BE49-F238E27FC236}">
-              <a16:creationId xmlns:a16="http://schemas.microsoft.com/office/drawing/2014/main" id="{85670F19-F199-B6F2-524E-B37C4962EAEB}"/>
-            </a:ext>
-          </a:extLst>
-        </p:cNvPr>
-        <p:cNvGrpSpPr/>
-        <p:nvPr/>
-      </p:nvGrpSpPr>
-      <p:grpSpPr>
-        <a:xfrm>
-          <a:off x="0" y="0"/>
-          <a:ext cx="0" cy="0"/>
-          <a:chOff x="0" y="0"/>
-          <a:chExt cx="0" cy="0"/>
-        </a:xfrm>
-      </p:grpSpPr>
-      <p:pic>
-        <p:nvPicPr>
-          <p:cNvPr id="8" name="Picture 7">
-            <a:extLst>
-              <a:ext uri="{FF2B5EF4-FFF2-40B4-BE49-F238E27FC236}">
-                <a16:creationId xmlns:a16="http://schemas.microsoft.com/office/drawing/2014/main" id="{0123ADA4-5743-0248-1A40-F53F586C204D}"/>
-              </a:ext>
-            </a:extLst>
-          </p:cNvPr>
-          <p:cNvPicPr>
-            <a:picLocks noChangeAspect="1"/>
-          </p:cNvPicPr>
-          <p:nvPr/>
-        </p:nvPicPr>
-        <p:blipFill>
-          <a:blip r:embed="rId3"/>
-          <a:srcRect l="10048" t="406" r="9256" b="1442"/>
-          <a:stretch>
-            <a:fillRect/>
-          </a:stretch>
-        </p:blipFill>
-        <p:spPr>
-          <a:xfrm>
-            <a:off x="-22107" y="0"/>
-            <a:ext cx="653703" cy="6864352"/>
-          </a:xfrm>
-          <a:prstGeom prst="rect">
-            <a:avLst/>
-          </a:prstGeom>
-        </p:spPr>
-      </p:pic>
-      <p:pic>
-        <p:nvPicPr>
-          <p:cNvPr id="3" name="Picture 2">
-            <a:extLst>
-              <a:ext uri="{FF2B5EF4-FFF2-40B4-BE49-F238E27FC236}">
-                <a16:creationId xmlns:a16="http://schemas.microsoft.com/office/drawing/2014/main" id="{92832D33-8969-6D49-077D-075252E57756}"/>
-              </a:ext>
-            </a:extLst>
-          </p:cNvPr>
-          <p:cNvPicPr>
-            <a:picLocks noChangeAspect="1" noChangeArrowheads="1"/>
-          </p:cNvPicPr>
-          <p:nvPr/>
-        </p:nvPicPr>
-        <p:blipFill rotWithShape="1">
-          <a:blip r:embed="rId4">
-            <a:extLst>
-              <a:ext uri="{28A0092B-C50C-407E-A947-70E740481C1C}">
-                <a14:useLocalDpi xmlns:a14="http://schemas.microsoft.com/office/drawing/2010/main" val="0"/>
-              </a:ext>
-            </a:extLst>
-          </a:blip>
-          <a:srcRect t="26099" b="30354"/>
-          <a:stretch>
-            <a:fillRect/>
-          </a:stretch>
-        </p:blipFill>
-        <p:spPr bwMode="auto">
-          <a:xfrm>
-            <a:off x="8183682" y="64160"/>
-            <a:ext cx="3752064" cy="907716"/>
-          </a:xfrm>
-          <a:prstGeom prst="rect">
-            <a:avLst/>
-          </a:prstGeom>
-          <a:noFill/>
-          <a:extLst>
-            <a:ext uri="{909E8E84-426E-40DD-AFC4-6F175D3DCCD1}">
-              <a14:hiddenFill xmlns:a14="http://schemas.microsoft.com/office/drawing/2010/main">
-                <a:solidFill>
-                  <a:srgbClr val="FFFFFF"/>
-                </a:solidFill>
-              </a14:hiddenFill>
-            </a:ext>
-          </a:extLst>
-        </p:spPr>
-      </p:pic>
-      <p:pic>
-        <p:nvPicPr>
-          <p:cNvPr id="4" name="Picture 2">
-            <a:extLst>
-              <a:ext uri="{FF2B5EF4-FFF2-40B4-BE49-F238E27FC236}">
-                <a16:creationId xmlns:a16="http://schemas.microsoft.com/office/drawing/2014/main" id="{A13BD251-5373-3F2F-7E19-D0F44AC21A51}"/>
-              </a:ext>
-            </a:extLst>
-          </p:cNvPr>
-          <p:cNvPicPr>
-            <a:picLocks noChangeArrowheads="1"/>
-          </p:cNvPicPr>
-          <p:nvPr/>
-        </p:nvPicPr>
-        <p:blipFill rotWithShape="1">
-          <a:blip r:embed="rId5">
-            <a:extLst>
-              <a:ext uri="{28A0092B-C50C-407E-A947-70E740481C1C}">
-                <a14:useLocalDpi xmlns:a14="http://schemas.microsoft.com/office/drawing/2010/main" val="0"/>
-              </a:ext>
-            </a:extLst>
-          </a:blip>
-          <a:srcRect l="3628" t="30628" r="9015" b="36375"/>
-          <a:stretch>
-            <a:fillRect/>
-          </a:stretch>
-        </p:blipFill>
-        <p:spPr bwMode="auto">
-          <a:xfrm>
-            <a:off x="777692" y="64676"/>
-            <a:ext cx="3751200" cy="907200"/>
-          </a:xfrm>
-          <a:prstGeom prst="rect">
-            <a:avLst/>
-          </a:prstGeom>
-          <a:noFill/>
-          <a:extLst>
-            <a:ext uri="{909E8E84-426E-40DD-AFC4-6F175D3DCCD1}">
-              <a14:hiddenFill xmlns:a14="http://schemas.microsoft.com/office/drawing/2010/main">
-                <a:solidFill>
-                  <a:srgbClr val="FFFFFF"/>
-                </a:solidFill>
-              </a14:hiddenFill>
-            </a:ext>
-          </a:extLst>
-        </p:spPr>
-      </p:pic>
-      <p:sp>
-        <p:nvSpPr>
-          <p:cNvPr id="2" name="Content Placeholder 2">
-            <a:extLst>
-              <a:ext uri="{FF2B5EF4-FFF2-40B4-BE49-F238E27FC236}">
-                <a16:creationId xmlns:a16="http://schemas.microsoft.com/office/drawing/2014/main" id="{9E024312-A0C9-197E-5810-CFA3D285E1CD}"/>
-              </a:ext>
-            </a:extLst>
-          </p:cNvPr>
-          <p:cNvSpPr>
-            <a:spLocks noGrp="1"/>
-          </p:cNvSpPr>
-          <p:nvPr>
-            <p:ph idx="1"/>
-          </p:nvPr>
-        </p:nvSpPr>
-        <p:spPr>
-          <a:xfrm>
-            <a:off x="719215" y="1131213"/>
-            <a:ext cx="5205335" cy="5157476"/>
-          </a:xfrm>
-        </p:spPr>
-        <p:txBody>
-          <a:bodyPr>
-            <a:noAutofit/>
-          </a:bodyPr>
-          <a:lstStyle/>
-          <a:p>
-            <a:pPr marL="0" indent="0">
-              <a:lnSpc>
-                <a:spcPct val="100000"/>
-              </a:lnSpc>
-              <a:buNone/>
-            </a:pPr>
-            <a:r>
-              <a:rPr lang="en-IN" sz="2000" b="1" dirty="0">
-                <a:solidFill>
-                  <a:srgbClr val="7030A0"/>
-                </a:solidFill>
-              </a:rPr>
-              <a:t>Dataset &amp; Features</a:t>
-            </a:r>
-          </a:p>
-          <a:p>
-            <a:pPr marL="0" indent="0">
-              <a:lnSpc>
-                <a:spcPct val="100000"/>
-              </a:lnSpc>
-              <a:buNone/>
-            </a:pPr>
-            <a:r>
-              <a:rPr lang="en-IN" sz="1800" dirty="0"/>
-              <a:t>Karnataka-Specific Dataset</a:t>
-            </a:r>
-          </a:p>
-          <a:p>
-            <a:pPr>
-              <a:lnSpc>
-                <a:spcPct val="100000"/>
-              </a:lnSpc>
-              <a:buFont typeface="Wingdings" panose="05000000000000000000" pitchFamily="2" charset="2"/>
-              <a:buChar char="§"/>
-            </a:pPr>
-            <a:r>
-              <a:rPr lang="en-IN" sz="1800" dirty="0"/>
-              <a:t>438,426 records across 5 years (2019-2024).</a:t>
-            </a:r>
-          </a:p>
-          <a:p>
-            <a:pPr>
-              <a:lnSpc>
-                <a:spcPct val="100000"/>
-              </a:lnSpc>
-              <a:buFont typeface="Wingdings" panose="05000000000000000000" pitchFamily="2" charset="2"/>
-              <a:buChar char="§"/>
-            </a:pPr>
-            <a:r>
-              <a:rPr lang="en-IN" sz="1800" dirty="0"/>
-              <a:t>10 major cities including Bangalore, Mysore, Hubli-Dharwad.</a:t>
-            </a:r>
-          </a:p>
-          <a:p>
-            <a:pPr>
-              <a:lnSpc>
-                <a:spcPct val="100000"/>
-              </a:lnSpc>
-              <a:buFont typeface="Wingdings" panose="05000000000000000000" pitchFamily="2" charset="2"/>
-              <a:buChar char="§"/>
-            </a:pPr>
-            <a:r>
-              <a:rPr lang="en-IN" sz="1800" dirty="0"/>
-              <a:t>5 ESCOM zones - BESCOM, MESCOM, HESCOM, GESCOM, CHESCOM.</a:t>
-            </a:r>
-          </a:p>
-          <a:p>
-            <a:pPr>
-              <a:lnSpc>
-                <a:spcPct val="100000"/>
-              </a:lnSpc>
-              <a:buFont typeface="Wingdings" panose="05000000000000000000" pitchFamily="2" charset="2"/>
-              <a:buChar char="§"/>
-            </a:pPr>
-            <a:r>
-              <a:rPr lang="en-IN" sz="1800" dirty="0"/>
-              <a:t>24 engineered features optimized for Karnataka's power grid.</a:t>
-            </a:r>
-          </a:p>
-          <a:p>
-            <a:pPr marL="0" indent="0">
-              <a:lnSpc>
-                <a:spcPct val="100000"/>
-              </a:lnSpc>
-              <a:buNone/>
-            </a:pPr>
-            <a:r>
-              <a:rPr lang="en-IN" sz="1800" dirty="0">
-                <a:solidFill>
-                  <a:srgbClr val="002060"/>
-                </a:solidFill>
-              </a:rPr>
-              <a:t>Feature Categories (24 Total):</a:t>
-            </a:r>
-          </a:p>
-          <a:p>
-            <a:pPr>
-              <a:lnSpc>
-                <a:spcPct val="100000"/>
-              </a:lnSpc>
-            </a:pPr>
-            <a:r>
-              <a:rPr lang="en-IN" sz="1800" dirty="0"/>
-              <a:t>Weather Features (6)</a:t>
-            </a:r>
-          </a:p>
-          <a:p>
-            <a:pPr>
-              <a:lnSpc>
-                <a:spcPct val="100000"/>
-              </a:lnSpc>
-            </a:pPr>
-            <a:r>
-              <a:rPr lang="en-IN" sz="1800" dirty="0"/>
-              <a:t>Temperature, Humidity, Wind Speed, Rainfall, Lightning Strikes, Storm Alerts.</a:t>
-            </a:r>
-          </a:p>
-        </p:txBody>
-      </p:sp>
-      <p:sp>
-        <p:nvSpPr>
-          <p:cNvPr id="6" name="TextBox 5">
-            <a:extLst>
-              <a:ext uri="{FF2B5EF4-FFF2-40B4-BE49-F238E27FC236}">
-                <a16:creationId xmlns:a16="http://schemas.microsoft.com/office/drawing/2014/main" id="{1EF842DF-676D-5315-7C21-12B220F1E9D4}"/>
-              </a:ext>
-            </a:extLst>
-          </p:cNvPr>
-          <p:cNvSpPr txBox="1"/>
-          <p:nvPr/>
-        </p:nvSpPr>
-        <p:spPr>
-          <a:xfrm>
-            <a:off x="6012169" y="1586292"/>
-            <a:ext cx="6096000" cy="4247317"/>
-          </a:xfrm>
-          <a:prstGeom prst="rect">
-            <a:avLst/>
-          </a:prstGeom>
-          <a:noFill/>
-        </p:spPr>
-        <p:txBody>
-          <a:bodyPr wrap="square">
-            <a:spAutoFit/>
-          </a:bodyPr>
-          <a:lstStyle/>
-          <a:p>
-            <a:r>
-              <a:rPr lang="en-IN" dirty="0">
-                <a:solidFill>
-                  <a:srgbClr val="002060"/>
-                </a:solidFill>
-              </a:rPr>
-              <a:t>Grid Features (6):</a:t>
-            </a:r>
-          </a:p>
-          <a:p>
-            <a:pPr marL="285750" indent="-285750">
-              <a:buFont typeface="Arial" panose="020B0604020202020204" pitchFamily="34" charset="0"/>
-              <a:buChar char="•"/>
-            </a:pPr>
-            <a:r>
-              <a:rPr lang="en-IN" dirty="0"/>
-              <a:t>Load Factor, Voltage Stability, Historical Outages, Maintenance Status, Feeder Health, Transformer Load.</a:t>
-            </a:r>
-          </a:p>
-          <a:p>
-            <a:endParaRPr lang="en-IN" dirty="0"/>
-          </a:p>
-          <a:p>
-            <a:r>
-              <a:rPr lang="en-IN" dirty="0">
-                <a:solidFill>
-                  <a:srgbClr val="002060"/>
-                </a:solidFill>
-              </a:rPr>
-              <a:t>Temporal Features (4):</a:t>
-            </a:r>
-          </a:p>
-          <a:p>
-            <a:pPr marL="285750" indent="-285750">
-              <a:buFont typeface="Arial" panose="020B0604020202020204" pitchFamily="34" charset="0"/>
-              <a:buChar char="•"/>
-            </a:pPr>
-            <a:r>
-              <a:rPr lang="en-IN" dirty="0"/>
-              <a:t>Hour of Day, Day of Week, Month, Season</a:t>
-            </a:r>
-          </a:p>
-          <a:p>
-            <a:pPr marL="285750" indent="-285750">
-              <a:buFontTx/>
-              <a:buChar char="-"/>
-            </a:pPr>
-            <a:endParaRPr lang="en-IN" sz="1800" dirty="0"/>
-          </a:p>
-          <a:p>
-            <a:pPr marL="0" indent="0">
-              <a:lnSpc>
-                <a:spcPct val="100000"/>
-              </a:lnSpc>
-              <a:buNone/>
-            </a:pPr>
-            <a:r>
-              <a:rPr lang="en-IN" sz="1800" dirty="0">
-                <a:solidFill>
-                  <a:srgbClr val="002060"/>
-                </a:solidFill>
-              </a:rPr>
-              <a:t>Contextual Features (8):</a:t>
-            </a:r>
-          </a:p>
-          <a:p>
-            <a:pPr marL="285750" indent="-285750">
-              <a:lnSpc>
-                <a:spcPct val="100000"/>
-              </a:lnSpc>
-              <a:buFont typeface="Arial" panose="020B0604020202020204" pitchFamily="34" charset="0"/>
-              <a:buChar char="•"/>
-            </a:pPr>
-            <a:r>
-              <a:rPr lang="en-IN" sz="1800" dirty="0"/>
-              <a:t>Priority Tier, Population, ESCOM Zone</a:t>
-            </a:r>
-          </a:p>
-          <a:p>
-            <a:pPr marL="285750" indent="-285750">
-              <a:lnSpc>
-                <a:spcPct val="100000"/>
-              </a:lnSpc>
-              <a:buFont typeface="Arial" panose="020B0604020202020204" pitchFamily="34" charset="0"/>
-              <a:buChar char="•"/>
-            </a:pPr>
-            <a:r>
-              <a:rPr lang="en-IN" sz="1800" dirty="0"/>
-              <a:t>City Encoding, Monsoon/Summer Flags</a:t>
-            </a:r>
-          </a:p>
-          <a:p>
-            <a:pPr marL="285750" indent="-285750">
-              <a:lnSpc>
-                <a:spcPct val="100000"/>
-              </a:lnSpc>
-              <a:buFont typeface="Arial" panose="020B0604020202020204" pitchFamily="34" charset="0"/>
-              <a:buChar char="•"/>
-            </a:pPr>
-            <a:r>
-              <a:rPr lang="en-IN" sz="1800" dirty="0"/>
-              <a:t>Data Quality Metrics</a:t>
-            </a:r>
-          </a:p>
-          <a:p>
-            <a:pPr marL="285750" indent="-285750">
-              <a:lnSpc>
-                <a:spcPct val="100000"/>
-              </a:lnSpc>
-              <a:buFont typeface="Arial" panose="020B0604020202020204" pitchFamily="34" charset="0"/>
-              <a:buChar char="•"/>
-            </a:pPr>
-            <a:r>
-              <a:rPr lang="en-IN" sz="1800" dirty="0"/>
-              <a:t>Missing values:&lt;0.1%</a:t>
-            </a:r>
-          </a:p>
-          <a:p>
-            <a:pPr marL="285750" indent="-285750">
-              <a:lnSpc>
-                <a:spcPct val="100000"/>
-              </a:lnSpc>
-              <a:buFont typeface="Arial" panose="020B0604020202020204" pitchFamily="34" charset="0"/>
-              <a:buChar char="•"/>
-            </a:pPr>
-            <a:r>
-              <a:rPr lang="en-IN" sz="1800" dirty="0"/>
-              <a:t>Outage rate: 12.3% (realistic distribution)</a:t>
-            </a:r>
-          </a:p>
-          <a:p>
-            <a:pPr marL="285750" indent="-285750">
-              <a:lnSpc>
-                <a:spcPct val="100000"/>
-              </a:lnSpc>
-              <a:buFont typeface="Arial" panose="020B0604020202020204" pitchFamily="34" charset="0"/>
-              <a:buChar char="•"/>
-            </a:pPr>
-            <a:r>
-              <a:rPr lang="en-IN" sz="1800" dirty="0"/>
-              <a:t>Class balance: Stratified sampling maintained.</a:t>
-            </a:r>
-          </a:p>
-          <a:p>
-            <a:pPr marL="285750" indent="-285750">
-              <a:lnSpc>
-                <a:spcPct val="100000"/>
-              </a:lnSpc>
-              <a:buFont typeface="Arial" panose="020B0604020202020204" pitchFamily="34" charset="0"/>
-              <a:buChar char="•"/>
-            </a:pPr>
-            <a:r>
-              <a:rPr lang="en-IN" sz="1800" dirty="0"/>
-              <a:t>Temporal coverage: Complete hourly data.</a:t>
-            </a:r>
-          </a:p>
-        </p:txBody>
-      </p:sp>
-    </p:spTree>
-    <p:extLst>
-      <p:ext uri="{BB962C8B-B14F-4D97-AF65-F5344CB8AC3E}">
-        <p14:creationId xmlns:p14="http://schemas.microsoft.com/office/powerpoint/2010/main" val="3152203915"/>
-      </p:ext>
-    </p:extLst>
-  </p:cSld>
-  <p:clrMapOvr>
-    <a:masterClrMapping/>
-  </p:clrMapOvr>
-  <mc:AlternateContent xmlns:mc="http://schemas.openxmlformats.org/markup-compatibility/2006" xmlns:p14="http://schemas.microsoft.com/office/powerpoint/2010/main">
-    <mc:Choice Requires="p14">
-      <p:transition spd="slow" p14:dur="1300">
-        <p14:pan dir="u"/>
-      </p:transition>
-    </mc:Choice>
-    <mc:Fallback xmlns="">
-      <p:transition spd="slow">
-        <p:fade/>
-      </p:transition>
-    </mc:Fallback>
-  </mc:AlternateContent>
-</p:sld>
-</file>
-
-<file path=ppt/slides/slide9.xml><?xml version="1.0" encoding="utf-8"?>
-<p:sld xmlns:a="http://schemas.openxmlformats.org/drawingml/2006/main" xmlns:r="http://schemas.openxmlformats.org/officeDocument/2006/relationships" xmlns:p="http://schemas.openxmlformats.org/presentationml/2006/main">
-  <p:cSld>
-    <p:spTree>
-      <p:nvGrpSpPr>
-        <p:cNvPr id="1" name="">
-          <a:extLst>
-            <a:ext uri="{FF2B5EF4-FFF2-40B4-BE49-F238E27FC236}">
-              <a16:creationId xmlns:a16="http://schemas.microsoft.com/office/drawing/2014/main" id="{ADF4447D-17FA-A751-36A2-3193D9E336DD}"/>
-            </a:ext>
-          </a:extLst>
-        </p:cNvPr>
-        <p:cNvGrpSpPr/>
-        <p:nvPr/>
-      </p:nvGrpSpPr>
-      <p:grpSpPr>
-        <a:xfrm>
-          <a:off x="0" y="0"/>
-          <a:ext cx="0" cy="0"/>
-          <a:chOff x="0" y="0"/>
-          <a:chExt cx="0" cy="0"/>
-        </a:xfrm>
-      </p:grpSpPr>
-      <p:pic>
-        <p:nvPicPr>
-          <p:cNvPr id="8" name="Picture 7">
-            <a:extLst>
-              <a:ext uri="{FF2B5EF4-FFF2-40B4-BE49-F238E27FC236}">
-                <a16:creationId xmlns:a16="http://schemas.microsoft.com/office/drawing/2014/main" id="{25EC2934-B41E-6D30-6895-47A95BA6C6BD}"/>
-              </a:ext>
-            </a:extLst>
-          </p:cNvPr>
-          <p:cNvPicPr>
-            <a:picLocks noChangeAspect="1"/>
-          </p:cNvPicPr>
-          <p:nvPr/>
-        </p:nvPicPr>
-        <p:blipFill>
-          <a:blip r:embed="rId3"/>
-          <a:srcRect l="10048" t="406" r="9256" b="1442"/>
-          <a:stretch>
-            <a:fillRect/>
-          </a:stretch>
-        </p:blipFill>
-        <p:spPr>
-          <a:xfrm>
-            <a:off x="-22107" y="0"/>
-            <a:ext cx="653703" cy="6864352"/>
-          </a:xfrm>
-          <a:prstGeom prst="rect">
-            <a:avLst/>
-          </a:prstGeom>
-        </p:spPr>
-      </p:pic>
-      <p:pic>
-        <p:nvPicPr>
-          <p:cNvPr id="3" name="Picture 2">
-            <a:extLst>
-              <a:ext uri="{FF2B5EF4-FFF2-40B4-BE49-F238E27FC236}">
-                <a16:creationId xmlns:a16="http://schemas.microsoft.com/office/drawing/2014/main" id="{55036217-433D-1E78-BDCC-12901DBC6E3B}"/>
-              </a:ext>
-            </a:extLst>
-          </p:cNvPr>
-          <p:cNvPicPr>
-            <a:picLocks noChangeAspect="1" noChangeArrowheads="1"/>
-          </p:cNvPicPr>
-          <p:nvPr/>
-        </p:nvPicPr>
-        <p:blipFill rotWithShape="1">
-          <a:blip r:embed="rId4">
-            <a:extLst>
-              <a:ext uri="{28A0092B-C50C-407E-A947-70E740481C1C}">
-                <a14:useLocalDpi xmlns:a14="http://schemas.microsoft.com/office/drawing/2010/main" val="0"/>
-              </a:ext>
-            </a:extLst>
-          </a:blip>
-          <a:srcRect t="26099" b="30354"/>
-          <a:stretch>
-            <a:fillRect/>
-          </a:stretch>
-        </p:blipFill>
-        <p:spPr bwMode="auto">
-          <a:xfrm>
-            <a:off x="8183682" y="64160"/>
-            <a:ext cx="3752064" cy="907716"/>
-          </a:xfrm>
-          <a:prstGeom prst="rect">
-            <a:avLst/>
-          </a:prstGeom>
-          <a:noFill/>
-          <a:extLst>
-            <a:ext uri="{909E8E84-426E-40DD-AFC4-6F175D3DCCD1}">
-              <a14:hiddenFill xmlns:a14="http://schemas.microsoft.com/office/drawing/2010/main">
-                <a:solidFill>
-                  <a:srgbClr val="FFFFFF"/>
-                </a:solidFill>
-              </a14:hiddenFill>
-            </a:ext>
-          </a:extLst>
-        </p:spPr>
-      </p:pic>
-      <p:pic>
-        <p:nvPicPr>
-          <p:cNvPr id="4" name="Picture 2">
-            <a:extLst>
-              <a:ext uri="{FF2B5EF4-FFF2-40B4-BE49-F238E27FC236}">
-                <a16:creationId xmlns:a16="http://schemas.microsoft.com/office/drawing/2014/main" id="{656337DD-1534-F0BC-A7F6-9C5BDF76AF56}"/>
-              </a:ext>
-            </a:extLst>
-          </p:cNvPr>
-          <p:cNvPicPr>
-            <a:picLocks noChangeArrowheads="1"/>
-          </p:cNvPicPr>
-          <p:nvPr/>
-        </p:nvPicPr>
-        <p:blipFill rotWithShape="1">
-          <a:blip r:embed="rId5">
-            <a:extLst>
-              <a:ext uri="{28A0092B-C50C-407E-A947-70E740481C1C}">
-                <a14:useLocalDpi xmlns:a14="http://schemas.microsoft.com/office/drawing/2010/main" val="0"/>
-              </a:ext>
-            </a:extLst>
-          </a:blip>
-          <a:srcRect l="3628" t="30628" r="9015" b="36375"/>
-          <a:stretch>
-            <a:fillRect/>
-          </a:stretch>
-        </p:blipFill>
-        <p:spPr bwMode="auto">
-          <a:xfrm>
-            <a:off x="777692" y="64676"/>
-            <a:ext cx="3751200" cy="907200"/>
-          </a:xfrm>
-          <a:prstGeom prst="rect">
-            <a:avLst/>
-          </a:prstGeom>
-          <a:noFill/>
-          <a:extLst>
-            <a:ext uri="{909E8E84-426E-40DD-AFC4-6F175D3DCCD1}">
-              <a14:hiddenFill xmlns:a14="http://schemas.microsoft.com/office/drawing/2010/main">
-                <a:solidFill>
-                  <a:srgbClr val="FFFFFF"/>
-                </a:solidFill>
-              </a14:hiddenFill>
-            </a:ext>
-          </a:extLst>
-        </p:spPr>
-      </p:pic>
-      <p:sp>
-        <p:nvSpPr>
-          <p:cNvPr id="5" name="TextBox 4">
-            <a:extLst>
-              <a:ext uri="{FF2B5EF4-FFF2-40B4-BE49-F238E27FC236}">
-                <a16:creationId xmlns:a16="http://schemas.microsoft.com/office/drawing/2014/main" id="{B34C3D81-D42D-26D7-8D33-4C4352B0BD2A}"/>
-              </a:ext>
-            </a:extLst>
-          </p:cNvPr>
-          <p:cNvSpPr txBox="1"/>
-          <p:nvPr/>
-        </p:nvSpPr>
-        <p:spPr>
-          <a:xfrm>
-            <a:off x="777692" y="971876"/>
-            <a:ext cx="4472735" cy="523220"/>
-          </a:xfrm>
-          <a:prstGeom prst="rect">
-            <a:avLst/>
-          </a:prstGeom>
-          <a:noFill/>
-        </p:spPr>
-        <p:txBody>
-          <a:bodyPr wrap="square">
-            <a:spAutoFit/>
-          </a:bodyPr>
-          <a:lstStyle/>
-          <a:p>
-            <a:pPr>
-              <a:buNone/>
-            </a:pPr>
-            <a:r>
-              <a:rPr lang="en-GB" sz="2800" b="1" dirty="0">
-                <a:solidFill>
-                  <a:srgbClr val="51274D"/>
-                </a:solidFill>
-              </a:rPr>
-              <a:t>Architecture / Workflow</a:t>
-            </a:r>
-          </a:p>
-        </p:txBody>
-      </p:sp>
-      <p:sp>
-        <p:nvSpPr>
-          <p:cNvPr id="6" name="TextBox 5">
-            <a:extLst>
-              <a:ext uri="{FF2B5EF4-FFF2-40B4-BE49-F238E27FC236}">
-                <a16:creationId xmlns:a16="http://schemas.microsoft.com/office/drawing/2014/main" id="{90AEACDC-BE11-7A82-4C10-6FA9B59E3B6F}"/>
-              </a:ext>
-            </a:extLst>
-          </p:cNvPr>
-          <p:cNvSpPr txBox="1"/>
-          <p:nvPr/>
-        </p:nvSpPr>
-        <p:spPr>
-          <a:xfrm>
-            <a:off x="6445214" y="1638807"/>
-            <a:ext cx="5521426" cy="3416320"/>
-          </a:xfrm>
-          <a:prstGeom prst="rect">
-            <a:avLst/>
-          </a:prstGeom>
-          <a:noFill/>
-        </p:spPr>
-        <p:txBody>
-          <a:bodyPr wrap="square">
-            <a:spAutoFit/>
-          </a:bodyPr>
-          <a:lstStyle/>
-          <a:p>
-            <a:r>
-              <a:rPr lang="en-IN" b="1" dirty="0">
-                <a:solidFill>
-                  <a:srgbClr val="002060"/>
-                </a:solidFill>
-              </a:rPr>
-              <a:t>4. Decision Dashboard &amp; User Tools</a:t>
-            </a:r>
-            <a:endParaRPr lang="en-IN" dirty="0">
-              <a:solidFill>
-                <a:srgbClr val="002060"/>
-              </a:solidFill>
-            </a:endParaRPr>
-          </a:p>
-          <a:p>
-            <a:pPr marL="285750" indent="-285750">
-              <a:buFont typeface="Arial" panose="020B0604020202020204" pitchFamily="34" charset="0"/>
-              <a:buChar char="•"/>
-            </a:pPr>
-            <a:r>
-              <a:rPr lang="en-IN" b="1" dirty="0"/>
-              <a:t>React.js</a:t>
-            </a:r>
-            <a:r>
-              <a:rPr lang="en-IN" dirty="0"/>
-              <a:t> dashboard with </a:t>
-            </a:r>
-            <a:r>
-              <a:rPr lang="en-IN" b="1" dirty="0"/>
-              <a:t>Leaflet.js</a:t>
-            </a:r>
-            <a:r>
-              <a:rPr lang="en-IN" dirty="0"/>
-              <a:t> maps.</a:t>
-            </a:r>
-          </a:p>
-          <a:p>
-            <a:pPr marL="285750" indent="-285750" algn="just">
-              <a:buFont typeface="Arial" panose="020B0604020202020204" pitchFamily="34" charset="0"/>
-              <a:buChar char="•"/>
-            </a:pPr>
-            <a:r>
-              <a:rPr lang="en-IN" dirty="0"/>
-              <a:t>District-wise </a:t>
-            </a:r>
-            <a:r>
-              <a:rPr lang="en-IN" b="1" dirty="0"/>
-              <a:t>risk heatmaps &amp; pinpoint markers.</a:t>
-            </a:r>
-            <a:endParaRPr lang="en-IN" dirty="0"/>
-          </a:p>
-          <a:p>
-            <a:pPr marL="285750" indent="-285750">
-              <a:buFont typeface="Arial" panose="020B0604020202020204" pitchFamily="34" charset="0"/>
-              <a:buChar char="•"/>
-            </a:pPr>
-            <a:r>
-              <a:rPr lang="en-IN" b="1" dirty="0"/>
-              <a:t>What-if simulator</a:t>
-            </a:r>
-            <a:r>
-              <a:rPr lang="en-IN" dirty="0"/>
-              <a:t> to test mitigation scenarios.</a:t>
-            </a:r>
-          </a:p>
-          <a:p>
-            <a:pPr marL="285750" indent="-285750">
-              <a:buFont typeface="Arial" panose="020B0604020202020204" pitchFamily="34" charset="0"/>
-              <a:buChar char="•"/>
-            </a:pPr>
-            <a:r>
-              <a:rPr lang="en-IN" dirty="0"/>
-              <a:t>Plain-language advisories for citizens &amp; utilities.</a:t>
-            </a:r>
-          </a:p>
-          <a:p>
-            <a:endParaRPr lang="en-IN" dirty="0"/>
-          </a:p>
-          <a:p>
-            <a:r>
-              <a:rPr lang="en-IN" b="1" dirty="0">
-                <a:solidFill>
-                  <a:srgbClr val="002060"/>
-                </a:solidFill>
-              </a:rPr>
-              <a:t>5. Deployment &amp; Reliability</a:t>
-            </a:r>
-            <a:endParaRPr lang="en-IN" dirty="0">
-              <a:solidFill>
-                <a:srgbClr val="002060"/>
-              </a:solidFill>
-            </a:endParaRPr>
-          </a:p>
-          <a:p>
-            <a:pPr marL="285750" indent="-285750">
-              <a:buFont typeface="Arial" panose="020B0604020202020204" pitchFamily="34" charset="0"/>
-              <a:buChar char="•"/>
-            </a:pPr>
-            <a:r>
-              <a:rPr lang="en-IN" b="1" dirty="0"/>
-              <a:t>Docker + Kubernetes</a:t>
-            </a:r>
-            <a:r>
-              <a:rPr lang="en-IN" dirty="0"/>
-              <a:t> for scalable orchestration.</a:t>
-            </a:r>
-          </a:p>
-          <a:p>
-            <a:pPr marL="285750" indent="-285750">
-              <a:buFont typeface="Arial" panose="020B0604020202020204" pitchFamily="34" charset="0"/>
-              <a:buChar char="•"/>
-            </a:pPr>
-            <a:r>
-              <a:rPr lang="en-IN" b="1" dirty="0"/>
-              <a:t>Prometheus + Grafana</a:t>
-            </a:r>
-            <a:r>
-              <a:rPr lang="en-IN" dirty="0"/>
-              <a:t> for monitoring &amp; alerting.</a:t>
-            </a:r>
-          </a:p>
-          <a:p>
-            <a:pPr marL="285750" indent="-285750">
-              <a:buFont typeface="Arial" panose="020B0604020202020204" pitchFamily="34" charset="0"/>
-              <a:buChar char="•"/>
-            </a:pPr>
-            <a:r>
-              <a:rPr lang="en-IN" b="1" dirty="0"/>
-              <a:t>GitHub Actions CI/CD</a:t>
-            </a:r>
-            <a:r>
-              <a:rPr lang="en-IN" dirty="0"/>
-              <a:t> for automated retraining &amp; deployment.</a:t>
-            </a:r>
-          </a:p>
-          <a:p>
-            <a:pPr marL="285750" indent="-285750">
-              <a:buFont typeface="Arial" panose="020B0604020202020204" pitchFamily="34" charset="0"/>
-              <a:buChar char="•"/>
-            </a:pPr>
-            <a:r>
-              <a:rPr lang="en-IN" dirty="0"/>
-              <a:t>Secure </a:t>
-            </a:r>
-            <a:r>
-              <a:rPr lang="en-IN" b="1" dirty="0"/>
-              <a:t>Nginx load balancing + SSL.</a:t>
-            </a:r>
-            <a:endParaRPr lang="en-IN" dirty="0"/>
-          </a:p>
-        </p:txBody>
-      </p:sp>
-      <p:sp>
-        <p:nvSpPr>
-          <p:cNvPr id="7" name="TextBox 6">
-            <a:extLst>
-              <a:ext uri="{FF2B5EF4-FFF2-40B4-BE49-F238E27FC236}">
-                <a16:creationId xmlns:a16="http://schemas.microsoft.com/office/drawing/2014/main" id="{15CFD49C-C4AB-6DEC-D5B1-74C6D0E7B55F}"/>
-              </a:ext>
-            </a:extLst>
-          </p:cNvPr>
-          <p:cNvSpPr txBox="1"/>
-          <p:nvPr/>
-        </p:nvSpPr>
-        <p:spPr>
-          <a:xfrm>
-            <a:off x="777692" y="1638807"/>
-            <a:ext cx="5521426" cy="4524315"/>
-          </a:xfrm>
-          <a:prstGeom prst="rect">
-            <a:avLst/>
-          </a:prstGeom>
-          <a:noFill/>
-        </p:spPr>
-        <p:txBody>
-          <a:bodyPr wrap="square">
-            <a:spAutoFit/>
-          </a:bodyPr>
-          <a:lstStyle/>
-          <a:p>
-            <a:pPr algn="just"/>
-            <a:r>
-              <a:rPr lang="en-IN" b="1" dirty="0">
-                <a:solidFill>
-                  <a:srgbClr val="002060"/>
-                </a:solidFill>
-              </a:rPr>
-              <a:t>1. Data Acquisition Layer</a:t>
-            </a:r>
-            <a:endParaRPr lang="en-IN" dirty="0">
-              <a:solidFill>
-                <a:srgbClr val="002060"/>
-              </a:solidFill>
-            </a:endParaRPr>
-          </a:p>
-          <a:p>
-            <a:pPr marL="285750" indent="-285750" algn="just">
-              <a:buFont typeface="Arial" panose="020B0604020202020204" pitchFamily="34" charset="0"/>
-              <a:buChar char="•"/>
-            </a:pPr>
-            <a:r>
-              <a:rPr lang="en-IN" dirty="0"/>
-              <a:t>Live Weather APIs: IMD, </a:t>
-            </a:r>
-            <a:r>
-              <a:rPr lang="en-IN" dirty="0" err="1"/>
-              <a:t>OpenWeather</a:t>
-            </a:r>
-            <a:r>
-              <a:rPr lang="en-IN" dirty="0"/>
-              <a:t>, Lightning feeds.</a:t>
-            </a:r>
-          </a:p>
-          <a:p>
-            <a:pPr marL="285750" indent="-285750" algn="just">
-              <a:buFont typeface="Arial" panose="020B0604020202020204" pitchFamily="34" charset="0"/>
-              <a:buChar char="•"/>
-            </a:pPr>
-            <a:r>
-              <a:rPr lang="en-IN" dirty="0"/>
-              <a:t>Grid SCADA data: feeder health, load curves.</a:t>
-            </a:r>
-          </a:p>
-          <a:p>
-            <a:pPr marL="285750" indent="-285750" algn="just">
-              <a:buFont typeface="Arial" panose="020B0604020202020204" pitchFamily="34" charset="0"/>
-              <a:buChar char="•"/>
-            </a:pPr>
-            <a:r>
-              <a:rPr lang="en-IN" dirty="0"/>
-              <a:t>Historical outage logs + geospatial district mapping.</a:t>
-            </a:r>
-          </a:p>
-          <a:p>
-            <a:pPr algn="just"/>
-            <a:endParaRPr lang="en-IN" dirty="0"/>
-          </a:p>
-          <a:p>
-            <a:pPr algn="just"/>
-            <a:r>
-              <a:rPr lang="en-IN" b="1" dirty="0">
-                <a:solidFill>
-                  <a:srgbClr val="002060"/>
-                </a:solidFill>
-              </a:rPr>
-              <a:t>2. ML Processing Engine</a:t>
-            </a:r>
-            <a:endParaRPr lang="en-IN" dirty="0">
-              <a:solidFill>
-                <a:srgbClr val="002060"/>
-              </a:solidFill>
-            </a:endParaRPr>
-          </a:p>
-          <a:p>
-            <a:pPr marL="342900" indent="-342900" algn="just">
-              <a:buFont typeface="Arial" panose="020B0604020202020204" pitchFamily="34" charset="0"/>
-              <a:buChar char="•"/>
-            </a:pPr>
-            <a:r>
-              <a:rPr lang="en-IN" b="1" dirty="0"/>
-              <a:t>LSTM</a:t>
-            </a:r>
-            <a:r>
-              <a:rPr lang="en-IN" dirty="0"/>
-              <a:t> for time-series weather forecasting.</a:t>
-            </a:r>
-          </a:p>
-          <a:p>
-            <a:pPr marL="342900" indent="-342900" algn="just">
-              <a:buFont typeface="Arial" panose="020B0604020202020204" pitchFamily="34" charset="0"/>
-              <a:buChar char="•"/>
-            </a:pPr>
-            <a:r>
-              <a:rPr lang="en-IN" b="1" dirty="0" err="1"/>
-              <a:t>XGBoost</a:t>
-            </a:r>
-            <a:r>
-              <a:rPr lang="en-IN" dirty="0"/>
-              <a:t> for grid &amp; tabular context features.</a:t>
-            </a:r>
-          </a:p>
-          <a:p>
-            <a:pPr marL="342900" indent="-342900" algn="just">
-              <a:buFont typeface="Arial" panose="020B0604020202020204" pitchFamily="34" charset="0"/>
-              <a:buChar char="•"/>
-            </a:pPr>
-            <a:r>
-              <a:rPr lang="en-IN" dirty="0"/>
-              <a:t>Hybrid </a:t>
-            </a:r>
-            <a:r>
-              <a:rPr lang="en-IN" b="1" dirty="0"/>
-              <a:t>ensemble predictor</a:t>
-            </a:r>
-            <a:r>
-              <a:rPr lang="en-IN" dirty="0"/>
-              <a:t> with </a:t>
-            </a:r>
-            <a:r>
-              <a:rPr lang="en-IN" dirty="0" err="1"/>
-              <a:t>Optuna</a:t>
-            </a:r>
-            <a:r>
-              <a:rPr lang="en-IN" dirty="0"/>
-              <a:t> tuning.</a:t>
-            </a:r>
-          </a:p>
-          <a:p>
-            <a:pPr marL="342900" indent="-342900" algn="just">
-              <a:buFont typeface="Arial" panose="020B0604020202020204" pitchFamily="34" charset="0"/>
-              <a:buChar char="•"/>
-            </a:pPr>
-            <a:r>
-              <a:rPr lang="en-IN" dirty="0"/>
-              <a:t>SHAP explainability for transparent insights</a:t>
-            </a:r>
-          </a:p>
-          <a:p>
-            <a:pPr algn="just"/>
-            <a:endParaRPr lang="en-IN" dirty="0"/>
-          </a:p>
-          <a:p>
-            <a:pPr algn="just"/>
-            <a:r>
-              <a:rPr lang="en-IN" b="1" dirty="0">
-                <a:solidFill>
-                  <a:srgbClr val="002060"/>
-                </a:solidFill>
-              </a:rPr>
-              <a:t>3. Backend API &amp; Data Layer</a:t>
-            </a:r>
-            <a:endParaRPr lang="en-IN" dirty="0">
-              <a:solidFill>
-                <a:srgbClr val="002060"/>
-              </a:solidFill>
-            </a:endParaRPr>
-          </a:p>
-          <a:p>
-            <a:pPr marL="285750" indent="-285750" algn="just">
-              <a:buFont typeface="Arial" panose="020B0604020202020204" pitchFamily="34" charset="0"/>
-              <a:buChar char="•"/>
-            </a:pPr>
-            <a:r>
-              <a:rPr lang="en-IN" b="1" dirty="0"/>
-              <a:t>FastAPI</a:t>
-            </a:r>
-            <a:r>
-              <a:rPr lang="en-IN" dirty="0"/>
-              <a:t> for high-performance prediction services.</a:t>
-            </a:r>
-          </a:p>
-          <a:p>
-            <a:pPr marL="285750" indent="-285750" algn="just">
-              <a:buFont typeface="Arial" panose="020B0604020202020204" pitchFamily="34" charset="0"/>
-              <a:buChar char="•"/>
-            </a:pPr>
-            <a:r>
-              <a:rPr lang="en-IN" b="1" dirty="0" err="1"/>
-              <a:t>TimescaleDB</a:t>
-            </a:r>
-            <a:r>
-              <a:rPr lang="en-IN" b="1" dirty="0"/>
-              <a:t> + </a:t>
-            </a:r>
-            <a:r>
-              <a:rPr lang="en-IN" b="1" dirty="0" err="1"/>
-              <a:t>PostGIS</a:t>
-            </a:r>
-            <a:r>
-              <a:rPr lang="en-IN" dirty="0"/>
-              <a:t> for time-series + spatial data.</a:t>
-            </a:r>
-          </a:p>
-          <a:p>
-            <a:pPr marL="285750" indent="-285750" algn="just">
-              <a:buFont typeface="Arial" panose="020B0604020202020204" pitchFamily="34" charset="0"/>
-              <a:buChar char="•"/>
-            </a:pPr>
-            <a:r>
-              <a:rPr lang="en-IN" b="1" dirty="0"/>
-              <a:t>Redis</a:t>
-            </a:r>
-            <a:r>
-              <a:rPr lang="en-IN" dirty="0"/>
-              <a:t> for sub-second caching &amp; map refresh.</a:t>
-            </a:r>
-          </a:p>
-        </p:txBody>
-      </p:sp>
-    </p:spTree>
-    <p:extLst>
-      <p:ext uri="{BB962C8B-B14F-4D97-AF65-F5344CB8AC3E}">
-        <p14:creationId xmlns:p14="http://schemas.microsoft.com/office/powerpoint/2010/main" val="1930811269"/>
       </p:ext>
     </p:extLst>
   </p:cSld>
